--- a/cpp/pattern/dispatcher_copilot/doc/sw_task.pptx
+++ b/cpp/pattern/dispatcher_copilot/doc/sw_task.pptx
@@ -5,7 +5,7 @@
     <p:sldMasterId id="2147483648" r:id="rId1"/>
   </p:sldMasterIdLst>
   <p:notesMasterIdLst>
-    <p:notesMasterId r:id="rId18"/>
+    <p:notesMasterId r:id="rId19"/>
   </p:notesMasterIdLst>
   <p:sldIdLst>
     <p:sldId id="256" r:id="rId2"/>
@@ -16,14 +16,15 @@
     <p:sldId id="1308" r:id="rId7"/>
     <p:sldId id="1309" r:id="rId8"/>
     <p:sldId id="1310" r:id="rId9"/>
-    <p:sldId id="1311" r:id="rId10"/>
-    <p:sldId id="1279" r:id="rId11"/>
-    <p:sldId id="1285" r:id="rId12"/>
-    <p:sldId id="1286" r:id="rId13"/>
-    <p:sldId id="1304" r:id="rId14"/>
-    <p:sldId id="1305" r:id="rId15"/>
-    <p:sldId id="1312" r:id="rId16"/>
-    <p:sldId id="1293" r:id="rId17"/>
+    <p:sldId id="1314" r:id="rId10"/>
+    <p:sldId id="1311" r:id="rId11"/>
+    <p:sldId id="1279" r:id="rId12"/>
+    <p:sldId id="1285" r:id="rId13"/>
+    <p:sldId id="1286" r:id="rId14"/>
+    <p:sldId id="1304" r:id="rId15"/>
+    <p:sldId id="1305" r:id="rId16"/>
+    <p:sldId id="1312" r:id="rId17"/>
+    <p:sldId id="1293" r:id="rId18"/>
   </p:sldIdLst>
   <p:sldSz cx="12192000" cy="6858000"/>
   <p:notesSz cx="6858000" cy="9144000"/>
@@ -224,7 +225,7 @@
           <a:p>
             <a:fld id="{AE405010-5649-6C4A-B265-CF4F03B2978D}" type="datetimeFigureOut">
               <a:rPr lang="x-none" smtClean="0"/>
-              <a:t>5/26/2025</a:t>
+              <a:t>3/6/25</a:t>
             </a:fld>
             <a:endParaRPr lang="x-none"/>
           </a:p>
@@ -576,6 +577,93 @@
 </p:notes>
 </file>
 
+<file path=ppt/notesSlides/notesSlide10.xml><?xml version="1.0" encoding="utf-8"?>
+<p:notes xmlns:a="http://schemas.openxmlformats.org/drawingml/2006/main" xmlns:r="http://schemas.openxmlformats.org/officeDocument/2006/relationships" xmlns:p="http://schemas.openxmlformats.org/presentationml/2006/main">
+  <p:cSld>
+    <p:spTree>
+      <p:nvGrpSpPr>
+        <p:cNvPr id="1" name=""/>
+        <p:cNvGrpSpPr/>
+        <p:nvPr/>
+      </p:nvGrpSpPr>
+      <p:grpSpPr>
+        <a:xfrm>
+          <a:off x="0" y="0"/>
+          <a:ext cx="0" cy="0"/>
+          <a:chOff x="0" y="0"/>
+          <a:chExt cx="0" cy="0"/>
+        </a:xfrm>
+      </p:grpSpPr>
+      <p:sp>
+        <p:nvSpPr>
+          <p:cNvPr id="2" name="Slide Image Placeholder 1"/>
+          <p:cNvSpPr>
+            <a:spLocks noGrp="1" noRot="1" noChangeAspect="1"/>
+          </p:cNvSpPr>
+          <p:nvPr>
+            <p:ph type="sldImg"/>
+          </p:nvPr>
+        </p:nvSpPr>
+        <p:spPr/>
+      </p:sp>
+      <p:sp>
+        <p:nvSpPr>
+          <p:cNvPr id="3" name="Notes Placeholder 2"/>
+          <p:cNvSpPr>
+            <a:spLocks noGrp="1"/>
+          </p:cNvSpPr>
+          <p:nvPr>
+            <p:ph type="body" idx="1"/>
+          </p:nvPr>
+        </p:nvSpPr>
+        <p:spPr/>
+        <p:txBody>
+          <a:bodyPr/>
+          <a:lstStyle/>
+          <a:p>
+            <a:endParaRPr lang="x-none" dirty="0"/>
+          </a:p>
+          <a:p>
+            <a:endParaRPr lang="x-none" dirty="0"/>
+          </a:p>
+        </p:txBody>
+      </p:sp>
+      <p:sp>
+        <p:nvSpPr>
+          <p:cNvPr id="4" name="Slide Number Placeholder 3"/>
+          <p:cNvSpPr>
+            <a:spLocks noGrp="1"/>
+          </p:cNvSpPr>
+          <p:nvPr>
+            <p:ph type="sldNum" sz="quarter" idx="5"/>
+          </p:nvPr>
+        </p:nvSpPr>
+        <p:spPr/>
+        <p:txBody>
+          <a:bodyPr/>
+          <a:lstStyle/>
+          <a:p>
+            <a:fld id="{33729DD5-7D86-A745-A39B-52ACF18C4790}" type="slidenum">
+              <a:rPr lang="x-none" smtClean="0"/>
+              <a:t>10</a:t>
+            </a:fld>
+            <a:endParaRPr lang="x-none"/>
+          </a:p>
+        </p:txBody>
+      </p:sp>
+    </p:spTree>
+    <p:extLst>
+      <p:ext uri="{BB962C8B-B14F-4D97-AF65-F5344CB8AC3E}">
+        <p14:creationId xmlns:p14="http://schemas.microsoft.com/office/powerpoint/2010/main" val="3616889434"/>
+      </p:ext>
+    </p:extLst>
+  </p:cSld>
+  <p:clrMapOvr>
+    <a:masterClrMapping/>
+  </p:clrMapOvr>
+</p:notes>
+</file>
+
 <file path=ppt/notesSlides/notesSlide2.xml><?xml version="1.0" encoding="utf-8"?>
 <p:notes xmlns:a="http://schemas.openxmlformats.org/drawingml/2006/main" xmlns:r="http://schemas.openxmlformats.org/officeDocument/2006/relationships" xmlns:p="http://schemas.openxmlformats.org/presentationml/2006/main">
   <p:cSld>
@@ -1184,7 +1272,13 @@
   <p:cSld>
     <p:spTree>
       <p:nvGrpSpPr>
-        <p:cNvPr id="1" name=""/>
+        <p:cNvPr id="1" name="">
+          <a:extLst>
+            <a:ext uri="{FF2B5EF4-FFF2-40B4-BE49-F238E27FC236}">
+              <a16:creationId xmlns:a16="http://schemas.microsoft.com/office/drawing/2014/main" id="{A9943F31-4B70-938F-0DC9-30DFFD7F55D8}"/>
+            </a:ext>
+          </a:extLst>
+        </p:cNvPr>
         <p:cNvGrpSpPr/>
         <p:nvPr/>
       </p:nvGrpSpPr>
@@ -1198,7 +1292,13 @@
       </p:grpSpPr>
       <p:sp>
         <p:nvSpPr>
-          <p:cNvPr id="2" name="Slide Image Placeholder 1"/>
+          <p:cNvPr id="2" name="Slide Image Placeholder 1">
+            <a:extLst>
+              <a:ext uri="{FF2B5EF4-FFF2-40B4-BE49-F238E27FC236}">
+                <a16:creationId xmlns:a16="http://schemas.microsoft.com/office/drawing/2014/main" id="{66DA3914-FCB9-59C5-AE52-8F18E9BFA06C}"/>
+              </a:ext>
+            </a:extLst>
+          </p:cNvPr>
           <p:cNvSpPr>
             <a:spLocks noGrp="1" noRot="1" noChangeAspect="1"/>
           </p:cNvSpPr>
@@ -1210,7 +1310,13 @@
       </p:sp>
       <p:sp>
         <p:nvSpPr>
-          <p:cNvPr id="3" name="Notes Placeholder 2"/>
+          <p:cNvPr id="3" name="Notes Placeholder 2">
+            <a:extLst>
+              <a:ext uri="{FF2B5EF4-FFF2-40B4-BE49-F238E27FC236}">
+                <a16:creationId xmlns:a16="http://schemas.microsoft.com/office/drawing/2014/main" id="{BE5FEFD1-E464-E4B9-BE58-6687FEA8BC31}"/>
+              </a:ext>
+            </a:extLst>
+          </p:cNvPr>
           <p:cNvSpPr>
             <a:spLocks noGrp="1"/>
           </p:cNvSpPr>
@@ -1232,7 +1338,13 @@
       </p:sp>
       <p:sp>
         <p:nvSpPr>
-          <p:cNvPr id="4" name="Slide Number Placeholder 3"/>
+          <p:cNvPr id="4" name="Slide Number Placeholder 3">
+            <a:extLst>
+              <a:ext uri="{FF2B5EF4-FFF2-40B4-BE49-F238E27FC236}">
+                <a16:creationId xmlns:a16="http://schemas.microsoft.com/office/drawing/2014/main" id="{E2D8B333-036E-B455-97A3-4685184CD4EF}"/>
+              </a:ext>
+            </a:extLst>
+          </p:cNvPr>
           <p:cNvSpPr>
             <a:spLocks noGrp="1"/>
           </p:cNvSpPr>
@@ -1256,7 +1368,7 @@
     </p:spTree>
     <p:extLst>
       <p:ext uri="{BB962C8B-B14F-4D97-AF65-F5344CB8AC3E}">
-        <p14:creationId xmlns:p14="http://schemas.microsoft.com/office/powerpoint/2010/main" val="3616889434"/>
+        <p14:creationId xmlns:p14="http://schemas.microsoft.com/office/powerpoint/2010/main" val="1516320541"/>
       </p:ext>
     </p:extLst>
   </p:cSld>
@@ -1288,7 +1400,7 @@
           <p:cNvPr id="2" name="Title 1">
             <a:extLst>
               <a:ext uri="{FF2B5EF4-FFF2-40B4-BE49-F238E27FC236}">
-                <a16:creationId xmlns="" xmlns:a16="http://schemas.microsoft.com/office/drawing/2014/main" id="{90B55B68-5E05-F3EB-7E8D-26C837AF7D0E}"/>
+                <a16:creationId xmlns:a16="http://schemas.microsoft.com/office/drawing/2014/main" id="{90B55B68-5E05-F3EB-7E8D-26C837AF7D0E}"/>
               </a:ext>
             </a:extLst>
           </p:cNvPr>
@@ -1326,7 +1438,7 @@
           <p:cNvPr id="3" name="Subtitle 2">
             <a:extLst>
               <a:ext uri="{FF2B5EF4-FFF2-40B4-BE49-F238E27FC236}">
-                <a16:creationId xmlns="" xmlns:a16="http://schemas.microsoft.com/office/drawing/2014/main" id="{2F6A17E7-F330-B207-DDEB-3EF4B61093E5}"/>
+                <a16:creationId xmlns:a16="http://schemas.microsoft.com/office/drawing/2014/main" id="{2F6A17E7-F330-B207-DDEB-3EF4B61093E5}"/>
               </a:ext>
             </a:extLst>
           </p:cNvPr>
@@ -1397,7 +1509,7 @@
           <p:cNvPr id="4" name="Date Placeholder 3">
             <a:extLst>
               <a:ext uri="{FF2B5EF4-FFF2-40B4-BE49-F238E27FC236}">
-                <a16:creationId xmlns="" xmlns:a16="http://schemas.microsoft.com/office/drawing/2014/main" id="{DFD21ACF-E1B5-AFAA-7055-4D6C138EF5D6}"/>
+                <a16:creationId xmlns:a16="http://schemas.microsoft.com/office/drawing/2014/main" id="{DFD21ACF-E1B5-AFAA-7055-4D6C138EF5D6}"/>
               </a:ext>
             </a:extLst>
           </p:cNvPr>
@@ -1415,7 +1527,7 @@
           <a:p>
             <a:fld id="{A1877141-0563-434F-9EF1-852D65CFAEDD}" type="datetime1">
               <a:rPr lang="en-US" smtClean="0"/>
-              <a:t>5/26/2025</a:t>
+              <a:t>6/3/25</a:t>
             </a:fld>
             <a:endParaRPr lang="x-none"/>
           </a:p>
@@ -1426,7 +1538,7 @@
           <p:cNvPr id="5" name="Footer Placeholder 4">
             <a:extLst>
               <a:ext uri="{FF2B5EF4-FFF2-40B4-BE49-F238E27FC236}">
-                <a16:creationId xmlns="" xmlns:a16="http://schemas.microsoft.com/office/drawing/2014/main" id="{E62DA613-532D-A8C9-0277-1932BCC9A0C9}"/>
+                <a16:creationId xmlns:a16="http://schemas.microsoft.com/office/drawing/2014/main" id="{E62DA613-532D-A8C9-0277-1932BCC9A0C9}"/>
               </a:ext>
             </a:extLst>
           </p:cNvPr>
@@ -1451,7 +1563,7 @@
           <p:cNvPr id="6" name="Slide Number Placeholder 5">
             <a:extLst>
               <a:ext uri="{FF2B5EF4-FFF2-40B4-BE49-F238E27FC236}">
-                <a16:creationId xmlns="" xmlns:a16="http://schemas.microsoft.com/office/drawing/2014/main" id="{9BD6D684-1D13-2A6E-F59F-756DFD2E69C1}"/>
+                <a16:creationId xmlns:a16="http://schemas.microsoft.com/office/drawing/2014/main" id="{9BD6D684-1D13-2A6E-F59F-756DFD2E69C1}"/>
               </a:ext>
             </a:extLst>
           </p:cNvPr>
@@ -1510,7 +1622,7 @@
           <p:cNvPr id="2" name="Title 1">
             <a:extLst>
               <a:ext uri="{FF2B5EF4-FFF2-40B4-BE49-F238E27FC236}">
-                <a16:creationId xmlns="" xmlns:a16="http://schemas.microsoft.com/office/drawing/2014/main" id="{3319069C-C6BA-A7D7-5BCC-566EA9269F62}"/>
+                <a16:creationId xmlns:a16="http://schemas.microsoft.com/office/drawing/2014/main" id="{3319069C-C6BA-A7D7-5BCC-566EA9269F62}"/>
               </a:ext>
             </a:extLst>
           </p:cNvPr>
@@ -1539,7 +1651,7 @@
           <p:cNvPr id="3" name="Vertical Text Placeholder 2">
             <a:extLst>
               <a:ext uri="{FF2B5EF4-FFF2-40B4-BE49-F238E27FC236}">
-                <a16:creationId xmlns="" xmlns:a16="http://schemas.microsoft.com/office/drawing/2014/main" id="{95E00CD7-2F00-9A3A-C12B-71E81E49D66A}"/>
+                <a16:creationId xmlns:a16="http://schemas.microsoft.com/office/drawing/2014/main" id="{95E00CD7-2F00-9A3A-C12B-71E81E49D66A}"/>
               </a:ext>
             </a:extLst>
           </p:cNvPr>
@@ -1597,7 +1709,7 @@
           <p:cNvPr id="4" name="Date Placeholder 3">
             <a:extLst>
               <a:ext uri="{FF2B5EF4-FFF2-40B4-BE49-F238E27FC236}">
-                <a16:creationId xmlns="" xmlns:a16="http://schemas.microsoft.com/office/drawing/2014/main" id="{12349AED-BE54-87EC-84E5-11555D69CB17}"/>
+                <a16:creationId xmlns:a16="http://schemas.microsoft.com/office/drawing/2014/main" id="{12349AED-BE54-87EC-84E5-11555D69CB17}"/>
               </a:ext>
             </a:extLst>
           </p:cNvPr>
@@ -1615,7 +1727,7 @@
           <a:p>
             <a:fld id="{E234D4DE-5E18-0D47-A1A0-DAA69F2DA1F5}" type="datetime1">
               <a:rPr lang="en-US" smtClean="0"/>
-              <a:t>5/26/2025</a:t>
+              <a:t>6/3/25</a:t>
             </a:fld>
             <a:endParaRPr lang="x-none"/>
           </a:p>
@@ -1626,7 +1738,7 @@
           <p:cNvPr id="5" name="Footer Placeholder 4">
             <a:extLst>
               <a:ext uri="{FF2B5EF4-FFF2-40B4-BE49-F238E27FC236}">
-                <a16:creationId xmlns="" xmlns:a16="http://schemas.microsoft.com/office/drawing/2014/main" id="{413620D7-7E39-627D-6375-1F9D2B62FBEE}"/>
+                <a16:creationId xmlns:a16="http://schemas.microsoft.com/office/drawing/2014/main" id="{413620D7-7E39-627D-6375-1F9D2B62FBEE}"/>
               </a:ext>
             </a:extLst>
           </p:cNvPr>
@@ -1651,7 +1763,7 @@
           <p:cNvPr id="6" name="Slide Number Placeholder 5">
             <a:extLst>
               <a:ext uri="{FF2B5EF4-FFF2-40B4-BE49-F238E27FC236}">
-                <a16:creationId xmlns="" xmlns:a16="http://schemas.microsoft.com/office/drawing/2014/main" id="{0FE7531F-FB2A-D2C0-682C-B07A34B33909}"/>
+                <a16:creationId xmlns:a16="http://schemas.microsoft.com/office/drawing/2014/main" id="{0FE7531F-FB2A-D2C0-682C-B07A34B33909}"/>
               </a:ext>
             </a:extLst>
           </p:cNvPr>
@@ -1710,7 +1822,7 @@
           <p:cNvPr id="2" name="Vertical Title 1">
             <a:extLst>
               <a:ext uri="{FF2B5EF4-FFF2-40B4-BE49-F238E27FC236}">
-                <a16:creationId xmlns="" xmlns:a16="http://schemas.microsoft.com/office/drawing/2014/main" id="{6B7B1A08-E261-8E96-0506-12EEF043575E}"/>
+                <a16:creationId xmlns:a16="http://schemas.microsoft.com/office/drawing/2014/main" id="{6B7B1A08-E261-8E96-0506-12EEF043575E}"/>
               </a:ext>
             </a:extLst>
           </p:cNvPr>
@@ -1744,7 +1856,7 @@
           <p:cNvPr id="3" name="Vertical Text Placeholder 2">
             <a:extLst>
               <a:ext uri="{FF2B5EF4-FFF2-40B4-BE49-F238E27FC236}">
-                <a16:creationId xmlns="" xmlns:a16="http://schemas.microsoft.com/office/drawing/2014/main" id="{450FCE06-FDFA-242B-C536-368123A6F837}"/>
+                <a16:creationId xmlns:a16="http://schemas.microsoft.com/office/drawing/2014/main" id="{450FCE06-FDFA-242B-C536-368123A6F837}"/>
               </a:ext>
             </a:extLst>
           </p:cNvPr>
@@ -1807,7 +1919,7 @@
           <p:cNvPr id="4" name="Date Placeholder 3">
             <a:extLst>
               <a:ext uri="{FF2B5EF4-FFF2-40B4-BE49-F238E27FC236}">
-                <a16:creationId xmlns="" xmlns:a16="http://schemas.microsoft.com/office/drawing/2014/main" id="{A67DA4A5-1F83-06A5-3CA6-369441168669}"/>
+                <a16:creationId xmlns:a16="http://schemas.microsoft.com/office/drawing/2014/main" id="{A67DA4A5-1F83-06A5-3CA6-369441168669}"/>
               </a:ext>
             </a:extLst>
           </p:cNvPr>
@@ -1825,7 +1937,7 @@
           <a:p>
             <a:fld id="{571B79A4-2D32-6946-BEB4-A62C071A47B6}" type="datetime1">
               <a:rPr lang="en-US" smtClean="0"/>
-              <a:t>5/26/2025</a:t>
+              <a:t>6/3/25</a:t>
             </a:fld>
             <a:endParaRPr lang="x-none"/>
           </a:p>
@@ -1836,7 +1948,7 @@
           <p:cNvPr id="5" name="Footer Placeholder 4">
             <a:extLst>
               <a:ext uri="{FF2B5EF4-FFF2-40B4-BE49-F238E27FC236}">
-                <a16:creationId xmlns="" xmlns:a16="http://schemas.microsoft.com/office/drawing/2014/main" id="{226A4D7C-988E-F473-7052-32E8B0685B49}"/>
+                <a16:creationId xmlns:a16="http://schemas.microsoft.com/office/drawing/2014/main" id="{226A4D7C-988E-F473-7052-32E8B0685B49}"/>
               </a:ext>
             </a:extLst>
           </p:cNvPr>
@@ -1861,7 +1973,7 @@
           <p:cNvPr id="6" name="Slide Number Placeholder 5">
             <a:extLst>
               <a:ext uri="{FF2B5EF4-FFF2-40B4-BE49-F238E27FC236}">
-                <a16:creationId xmlns="" xmlns:a16="http://schemas.microsoft.com/office/drawing/2014/main" id="{EF7F3EB9-BF8B-A0EE-D8E8-E7FC18552DD9}"/>
+                <a16:creationId xmlns:a16="http://schemas.microsoft.com/office/drawing/2014/main" id="{EF7F3EB9-BF8B-A0EE-D8E8-E7FC18552DD9}"/>
               </a:ext>
             </a:extLst>
           </p:cNvPr>
@@ -1920,7 +2032,7 @@
           <p:cNvPr id="2" name="Title 1">
             <a:extLst>
               <a:ext uri="{FF2B5EF4-FFF2-40B4-BE49-F238E27FC236}">
-                <a16:creationId xmlns="" xmlns:a16="http://schemas.microsoft.com/office/drawing/2014/main" id="{A9EB547E-C0D9-6F9D-4477-FC438504A870}"/>
+                <a16:creationId xmlns:a16="http://schemas.microsoft.com/office/drawing/2014/main" id="{A9EB547E-C0D9-6F9D-4477-FC438504A870}"/>
               </a:ext>
             </a:extLst>
           </p:cNvPr>
@@ -1949,7 +2061,7 @@
           <p:cNvPr id="3" name="Content Placeholder 2">
             <a:extLst>
               <a:ext uri="{FF2B5EF4-FFF2-40B4-BE49-F238E27FC236}">
-                <a16:creationId xmlns="" xmlns:a16="http://schemas.microsoft.com/office/drawing/2014/main" id="{318467A1-E0FE-B7E0-B875-CBF952CE211B}"/>
+                <a16:creationId xmlns:a16="http://schemas.microsoft.com/office/drawing/2014/main" id="{318467A1-E0FE-B7E0-B875-CBF952CE211B}"/>
               </a:ext>
             </a:extLst>
           </p:cNvPr>
@@ -2007,7 +2119,7 @@
           <p:cNvPr id="4" name="Date Placeholder 3">
             <a:extLst>
               <a:ext uri="{FF2B5EF4-FFF2-40B4-BE49-F238E27FC236}">
-                <a16:creationId xmlns="" xmlns:a16="http://schemas.microsoft.com/office/drawing/2014/main" id="{7C33C28C-4682-8898-0CE5-3605EE8C16E3}"/>
+                <a16:creationId xmlns:a16="http://schemas.microsoft.com/office/drawing/2014/main" id="{7C33C28C-4682-8898-0CE5-3605EE8C16E3}"/>
               </a:ext>
             </a:extLst>
           </p:cNvPr>
@@ -2025,7 +2137,7 @@
           <a:p>
             <a:fld id="{CEDF7557-72DD-A34A-8659-6DD33C33D1E3}" type="datetime1">
               <a:rPr lang="en-US" smtClean="0"/>
-              <a:t>5/26/2025</a:t>
+              <a:t>6/3/25</a:t>
             </a:fld>
             <a:endParaRPr lang="x-none"/>
           </a:p>
@@ -2036,7 +2148,7 @@
           <p:cNvPr id="5" name="Footer Placeholder 4">
             <a:extLst>
               <a:ext uri="{FF2B5EF4-FFF2-40B4-BE49-F238E27FC236}">
-                <a16:creationId xmlns="" xmlns:a16="http://schemas.microsoft.com/office/drawing/2014/main" id="{185F6EC1-737A-9258-95D3-9ACC85D8404F}"/>
+                <a16:creationId xmlns:a16="http://schemas.microsoft.com/office/drawing/2014/main" id="{185F6EC1-737A-9258-95D3-9ACC85D8404F}"/>
               </a:ext>
             </a:extLst>
           </p:cNvPr>
@@ -2061,7 +2173,7 @@
           <p:cNvPr id="6" name="Slide Number Placeholder 5">
             <a:extLst>
               <a:ext uri="{FF2B5EF4-FFF2-40B4-BE49-F238E27FC236}">
-                <a16:creationId xmlns="" xmlns:a16="http://schemas.microsoft.com/office/drawing/2014/main" id="{324877B1-D855-FC7F-0F91-9132FEEC519E}"/>
+                <a16:creationId xmlns:a16="http://schemas.microsoft.com/office/drawing/2014/main" id="{324877B1-D855-FC7F-0F91-9132FEEC519E}"/>
               </a:ext>
             </a:extLst>
           </p:cNvPr>
@@ -2120,7 +2232,7 @@
           <p:cNvPr id="2" name="Title 1">
             <a:extLst>
               <a:ext uri="{FF2B5EF4-FFF2-40B4-BE49-F238E27FC236}">
-                <a16:creationId xmlns="" xmlns:a16="http://schemas.microsoft.com/office/drawing/2014/main" id="{42E38360-29B0-E4B4-6A14-3A77AF1C03D5}"/>
+                <a16:creationId xmlns:a16="http://schemas.microsoft.com/office/drawing/2014/main" id="{42E38360-29B0-E4B4-6A14-3A77AF1C03D5}"/>
               </a:ext>
             </a:extLst>
           </p:cNvPr>
@@ -2158,7 +2270,7 @@
           <p:cNvPr id="3" name="Text Placeholder 2">
             <a:extLst>
               <a:ext uri="{FF2B5EF4-FFF2-40B4-BE49-F238E27FC236}">
-                <a16:creationId xmlns="" xmlns:a16="http://schemas.microsoft.com/office/drawing/2014/main" id="{BEC9DEAB-2A60-591D-656D-3D45C2024A4C}"/>
+                <a16:creationId xmlns:a16="http://schemas.microsoft.com/office/drawing/2014/main" id="{BEC9DEAB-2A60-591D-656D-3D45C2024A4C}"/>
               </a:ext>
             </a:extLst>
           </p:cNvPr>
@@ -2283,7 +2395,7 @@
           <p:cNvPr id="4" name="Date Placeholder 3">
             <a:extLst>
               <a:ext uri="{FF2B5EF4-FFF2-40B4-BE49-F238E27FC236}">
-                <a16:creationId xmlns="" xmlns:a16="http://schemas.microsoft.com/office/drawing/2014/main" id="{E5611E0D-3800-BFE4-2A72-31C911986698}"/>
+                <a16:creationId xmlns:a16="http://schemas.microsoft.com/office/drawing/2014/main" id="{E5611E0D-3800-BFE4-2A72-31C911986698}"/>
               </a:ext>
             </a:extLst>
           </p:cNvPr>
@@ -2301,7 +2413,7 @@
           <a:p>
             <a:fld id="{ACD9627E-A4F6-9044-9382-9A3FEB68C932}" type="datetime1">
               <a:rPr lang="en-US" smtClean="0"/>
-              <a:t>5/26/2025</a:t>
+              <a:t>6/3/25</a:t>
             </a:fld>
             <a:endParaRPr lang="x-none"/>
           </a:p>
@@ -2312,7 +2424,7 @@
           <p:cNvPr id="5" name="Footer Placeholder 4">
             <a:extLst>
               <a:ext uri="{FF2B5EF4-FFF2-40B4-BE49-F238E27FC236}">
-                <a16:creationId xmlns="" xmlns:a16="http://schemas.microsoft.com/office/drawing/2014/main" id="{020154EE-15DF-2A6C-2BFD-F06CB981D5FD}"/>
+                <a16:creationId xmlns:a16="http://schemas.microsoft.com/office/drawing/2014/main" id="{020154EE-15DF-2A6C-2BFD-F06CB981D5FD}"/>
               </a:ext>
             </a:extLst>
           </p:cNvPr>
@@ -2337,7 +2449,7 @@
           <p:cNvPr id="6" name="Slide Number Placeholder 5">
             <a:extLst>
               <a:ext uri="{FF2B5EF4-FFF2-40B4-BE49-F238E27FC236}">
-                <a16:creationId xmlns="" xmlns:a16="http://schemas.microsoft.com/office/drawing/2014/main" id="{CD688A48-4EDD-688C-9BEA-FFE2AFD03652}"/>
+                <a16:creationId xmlns:a16="http://schemas.microsoft.com/office/drawing/2014/main" id="{CD688A48-4EDD-688C-9BEA-FFE2AFD03652}"/>
               </a:ext>
             </a:extLst>
           </p:cNvPr>
@@ -2396,7 +2508,7 @@
           <p:cNvPr id="2" name="Title 1">
             <a:extLst>
               <a:ext uri="{FF2B5EF4-FFF2-40B4-BE49-F238E27FC236}">
-                <a16:creationId xmlns="" xmlns:a16="http://schemas.microsoft.com/office/drawing/2014/main" id="{34FF33F7-1197-3719-0B81-FE9E832111BF}"/>
+                <a16:creationId xmlns:a16="http://schemas.microsoft.com/office/drawing/2014/main" id="{34FF33F7-1197-3719-0B81-FE9E832111BF}"/>
               </a:ext>
             </a:extLst>
           </p:cNvPr>
@@ -2425,7 +2537,7 @@
           <p:cNvPr id="3" name="Content Placeholder 2">
             <a:extLst>
               <a:ext uri="{FF2B5EF4-FFF2-40B4-BE49-F238E27FC236}">
-                <a16:creationId xmlns="" xmlns:a16="http://schemas.microsoft.com/office/drawing/2014/main" id="{FE80C513-1CE3-AAA8-3941-34C33CB05EC3}"/>
+                <a16:creationId xmlns:a16="http://schemas.microsoft.com/office/drawing/2014/main" id="{FE80C513-1CE3-AAA8-3941-34C33CB05EC3}"/>
               </a:ext>
             </a:extLst>
           </p:cNvPr>
@@ -2488,7 +2600,7 @@
           <p:cNvPr id="4" name="Content Placeholder 3">
             <a:extLst>
               <a:ext uri="{FF2B5EF4-FFF2-40B4-BE49-F238E27FC236}">
-                <a16:creationId xmlns="" xmlns:a16="http://schemas.microsoft.com/office/drawing/2014/main" id="{19443F9F-95A0-E254-E8CC-627451E9DC93}"/>
+                <a16:creationId xmlns:a16="http://schemas.microsoft.com/office/drawing/2014/main" id="{19443F9F-95A0-E254-E8CC-627451E9DC93}"/>
               </a:ext>
             </a:extLst>
           </p:cNvPr>
@@ -2551,7 +2663,7 @@
           <p:cNvPr id="5" name="Date Placeholder 4">
             <a:extLst>
               <a:ext uri="{FF2B5EF4-FFF2-40B4-BE49-F238E27FC236}">
-                <a16:creationId xmlns="" xmlns:a16="http://schemas.microsoft.com/office/drawing/2014/main" id="{7721C897-9B2A-7215-D554-253B1BA26CED}"/>
+                <a16:creationId xmlns:a16="http://schemas.microsoft.com/office/drawing/2014/main" id="{7721C897-9B2A-7215-D554-253B1BA26CED}"/>
               </a:ext>
             </a:extLst>
           </p:cNvPr>
@@ -2569,7 +2681,7 @@
           <a:p>
             <a:fld id="{3EFEFA34-9AD6-3E40-8856-FA8DCB1E04DD}" type="datetime1">
               <a:rPr lang="en-US" smtClean="0"/>
-              <a:t>5/26/2025</a:t>
+              <a:t>6/3/25</a:t>
             </a:fld>
             <a:endParaRPr lang="x-none"/>
           </a:p>
@@ -2580,7 +2692,7 @@
           <p:cNvPr id="6" name="Footer Placeholder 5">
             <a:extLst>
               <a:ext uri="{FF2B5EF4-FFF2-40B4-BE49-F238E27FC236}">
-                <a16:creationId xmlns="" xmlns:a16="http://schemas.microsoft.com/office/drawing/2014/main" id="{FA8FB169-21E1-5D32-8AA9-3D6B75E2C739}"/>
+                <a16:creationId xmlns:a16="http://schemas.microsoft.com/office/drawing/2014/main" id="{FA8FB169-21E1-5D32-8AA9-3D6B75E2C739}"/>
               </a:ext>
             </a:extLst>
           </p:cNvPr>
@@ -2605,7 +2717,7 @@
           <p:cNvPr id="7" name="Slide Number Placeholder 6">
             <a:extLst>
               <a:ext uri="{FF2B5EF4-FFF2-40B4-BE49-F238E27FC236}">
-                <a16:creationId xmlns="" xmlns:a16="http://schemas.microsoft.com/office/drawing/2014/main" id="{8DCE5873-DF11-5C2F-5B7C-722612ED8F38}"/>
+                <a16:creationId xmlns:a16="http://schemas.microsoft.com/office/drawing/2014/main" id="{8DCE5873-DF11-5C2F-5B7C-722612ED8F38}"/>
               </a:ext>
             </a:extLst>
           </p:cNvPr>
@@ -2664,7 +2776,7 @@
           <p:cNvPr id="2" name="Title 1">
             <a:extLst>
               <a:ext uri="{FF2B5EF4-FFF2-40B4-BE49-F238E27FC236}">
-                <a16:creationId xmlns="" xmlns:a16="http://schemas.microsoft.com/office/drawing/2014/main" id="{B6E5D7BE-6715-F950-383D-E9E019135589}"/>
+                <a16:creationId xmlns:a16="http://schemas.microsoft.com/office/drawing/2014/main" id="{B6E5D7BE-6715-F950-383D-E9E019135589}"/>
               </a:ext>
             </a:extLst>
           </p:cNvPr>
@@ -2698,7 +2810,7 @@
           <p:cNvPr id="3" name="Text Placeholder 2">
             <a:extLst>
               <a:ext uri="{FF2B5EF4-FFF2-40B4-BE49-F238E27FC236}">
-                <a16:creationId xmlns="" xmlns:a16="http://schemas.microsoft.com/office/drawing/2014/main" id="{92798C97-AFF5-743A-D9C6-F3E0E8548079}"/>
+                <a16:creationId xmlns:a16="http://schemas.microsoft.com/office/drawing/2014/main" id="{92798C97-AFF5-743A-D9C6-F3E0E8548079}"/>
               </a:ext>
             </a:extLst>
           </p:cNvPr>
@@ -2769,7 +2881,7 @@
           <p:cNvPr id="4" name="Content Placeholder 3">
             <a:extLst>
               <a:ext uri="{FF2B5EF4-FFF2-40B4-BE49-F238E27FC236}">
-                <a16:creationId xmlns="" xmlns:a16="http://schemas.microsoft.com/office/drawing/2014/main" id="{BB91E37B-99AB-0CFA-D703-07A38730D5A0}"/>
+                <a16:creationId xmlns:a16="http://schemas.microsoft.com/office/drawing/2014/main" id="{BB91E37B-99AB-0CFA-D703-07A38730D5A0}"/>
               </a:ext>
             </a:extLst>
           </p:cNvPr>
@@ -2832,7 +2944,7 @@
           <p:cNvPr id="5" name="Text Placeholder 4">
             <a:extLst>
               <a:ext uri="{FF2B5EF4-FFF2-40B4-BE49-F238E27FC236}">
-                <a16:creationId xmlns="" xmlns:a16="http://schemas.microsoft.com/office/drawing/2014/main" id="{CA967C4F-EC5E-DDB6-05F2-771252ECCD62}"/>
+                <a16:creationId xmlns:a16="http://schemas.microsoft.com/office/drawing/2014/main" id="{CA967C4F-EC5E-DDB6-05F2-771252ECCD62}"/>
               </a:ext>
             </a:extLst>
           </p:cNvPr>
@@ -2903,7 +3015,7 @@
           <p:cNvPr id="6" name="Content Placeholder 5">
             <a:extLst>
               <a:ext uri="{FF2B5EF4-FFF2-40B4-BE49-F238E27FC236}">
-                <a16:creationId xmlns="" xmlns:a16="http://schemas.microsoft.com/office/drawing/2014/main" id="{6938E697-C64B-AB56-439F-0E0DF00DE9C9}"/>
+                <a16:creationId xmlns:a16="http://schemas.microsoft.com/office/drawing/2014/main" id="{6938E697-C64B-AB56-439F-0E0DF00DE9C9}"/>
               </a:ext>
             </a:extLst>
           </p:cNvPr>
@@ -2966,7 +3078,7 @@
           <p:cNvPr id="7" name="Date Placeholder 6">
             <a:extLst>
               <a:ext uri="{FF2B5EF4-FFF2-40B4-BE49-F238E27FC236}">
-                <a16:creationId xmlns="" xmlns:a16="http://schemas.microsoft.com/office/drawing/2014/main" id="{341CCD0E-BAD3-FBBA-A0F2-22AF89F6B595}"/>
+                <a16:creationId xmlns:a16="http://schemas.microsoft.com/office/drawing/2014/main" id="{341CCD0E-BAD3-FBBA-A0F2-22AF89F6B595}"/>
               </a:ext>
             </a:extLst>
           </p:cNvPr>
@@ -2984,7 +3096,7 @@
           <a:p>
             <a:fld id="{EAE87EA0-5966-7F4A-B5AA-A44E3885A250}" type="datetime1">
               <a:rPr lang="en-US" smtClean="0"/>
-              <a:t>5/26/2025</a:t>
+              <a:t>6/3/25</a:t>
             </a:fld>
             <a:endParaRPr lang="x-none"/>
           </a:p>
@@ -2995,7 +3107,7 @@
           <p:cNvPr id="8" name="Footer Placeholder 7">
             <a:extLst>
               <a:ext uri="{FF2B5EF4-FFF2-40B4-BE49-F238E27FC236}">
-                <a16:creationId xmlns="" xmlns:a16="http://schemas.microsoft.com/office/drawing/2014/main" id="{BC523237-35C6-4D59-2F1A-B98F63A765FC}"/>
+                <a16:creationId xmlns:a16="http://schemas.microsoft.com/office/drawing/2014/main" id="{BC523237-35C6-4D59-2F1A-B98F63A765FC}"/>
               </a:ext>
             </a:extLst>
           </p:cNvPr>
@@ -3020,7 +3132,7 @@
           <p:cNvPr id="9" name="Slide Number Placeholder 8">
             <a:extLst>
               <a:ext uri="{FF2B5EF4-FFF2-40B4-BE49-F238E27FC236}">
-                <a16:creationId xmlns="" xmlns:a16="http://schemas.microsoft.com/office/drawing/2014/main" id="{D5E41585-171E-9686-365B-01E091C79CD4}"/>
+                <a16:creationId xmlns:a16="http://schemas.microsoft.com/office/drawing/2014/main" id="{D5E41585-171E-9686-365B-01E091C79CD4}"/>
               </a:ext>
             </a:extLst>
           </p:cNvPr>
@@ -3079,7 +3191,7 @@
           <p:cNvPr id="2" name="Title 1">
             <a:extLst>
               <a:ext uri="{FF2B5EF4-FFF2-40B4-BE49-F238E27FC236}">
-                <a16:creationId xmlns="" xmlns:a16="http://schemas.microsoft.com/office/drawing/2014/main" id="{0C0A6CFC-4AEA-DA74-E9FC-FAAF74B9E6A5}"/>
+                <a16:creationId xmlns:a16="http://schemas.microsoft.com/office/drawing/2014/main" id="{0C0A6CFC-4AEA-DA74-E9FC-FAAF74B9E6A5}"/>
               </a:ext>
             </a:extLst>
           </p:cNvPr>
@@ -3108,7 +3220,7 @@
           <p:cNvPr id="3" name="Date Placeholder 2">
             <a:extLst>
               <a:ext uri="{FF2B5EF4-FFF2-40B4-BE49-F238E27FC236}">
-                <a16:creationId xmlns="" xmlns:a16="http://schemas.microsoft.com/office/drawing/2014/main" id="{AE037FC6-DC68-5284-F8B1-2CD102FEB22B}"/>
+                <a16:creationId xmlns:a16="http://schemas.microsoft.com/office/drawing/2014/main" id="{AE037FC6-DC68-5284-F8B1-2CD102FEB22B}"/>
               </a:ext>
             </a:extLst>
           </p:cNvPr>
@@ -3126,7 +3238,7 @@
           <a:p>
             <a:fld id="{FDED39A2-A4E4-B042-A38E-57077A4F095E}" type="datetime1">
               <a:rPr lang="en-US" smtClean="0"/>
-              <a:t>5/26/2025</a:t>
+              <a:t>6/3/25</a:t>
             </a:fld>
             <a:endParaRPr lang="x-none"/>
           </a:p>
@@ -3137,7 +3249,7 @@
           <p:cNvPr id="4" name="Footer Placeholder 3">
             <a:extLst>
               <a:ext uri="{FF2B5EF4-FFF2-40B4-BE49-F238E27FC236}">
-                <a16:creationId xmlns="" xmlns:a16="http://schemas.microsoft.com/office/drawing/2014/main" id="{38E424DE-409F-9A6A-EEEC-59B9C850EBD4}"/>
+                <a16:creationId xmlns:a16="http://schemas.microsoft.com/office/drawing/2014/main" id="{38E424DE-409F-9A6A-EEEC-59B9C850EBD4}"/>
               </a:ext>
             </a:extLst>
           </p:cNvPr>
@@ -3162,7 +3274,7 @@
           <p:cNvPr id="5" name="Slide Number Placeholder 4">
             <a:extLst>
               <a:ext uri="{FF2B5EF4-FFF2-40B4-BE49-F238E27FC236}">
-                <a16:creationId xmlns="" xmlns:a16="http://schemas.microsoft.com/office/drawing/2014/main" id="{6DF1D43F-9032-1032-A8A8-BBB30C352506}"/>
+                <a16:creationId xmlns:a16="http://schemas.microsoft.com/office/drawing/2014/main" id="{6DF1D43F-9032-1032-A8A8-BBB30C352506}"/>
               </a:ext>
             </a:extLst>
           </p:cNvPr>
@@ -3221,7 +3333,7 @@
           <p:cNvPr id="2" name="Date Placeholder 1">
             <a:extLst>
               <a:ext uri="{FF2B5EF4-FFF2-40B4-BE49-F238E27FC236}">
-                <a16:creationId xmlns="" xmlns:a16="http://schemas.microsoft.com/office/drawing/2014/main" id="{C1F2312C-ECCF-5F71-2AB2-C68D378CC6C2}"/>
+                <a16:creationId xmlns:a16="http://schemas.microsoft.com/office/drawing/2014/main" id="{C1F2312C-ECCF-5F71-2AB2-C68D378CC6C2}"/>
               </a:ext>
             </a:extLst>
           </p:cNvPr>
@@ -3239,7 +3351,7 @@
           <a:p>
             <a:fld id="{4C3F0996-9061-2E49-B78D-018A8DE04C00}" type="datetime1">
               <a:rPr lang="en-US" smtClean="0"/>
-              <a:t>5/26/2025</a:t>
+              <a:t>6/3/25</a:t>
             </a:fld>
             <a:endParaRPr lang="x-none"/>
           </a:p>
@@ -3250,7 +3362,7 @@
           <p:cNvPr id="3" name="Footer Placeholder 2">
             <a:extLst>
               <a:ext uri="{FF2B5EF4-FFF2-40B4-BE49-F238E27FC236}">
-                <a16:creationId xmlns="" xmlns:a16="http://schemas.microsoft.com/office/drawing/2014/main" id="{39D2EEA5-10F1-5842-3D33-4D942B56E557}"/>
+                <a16:creationId xmlns:a16="http://schemas.microsoft.com/office/drawing/2014/main" id="{39D2EEA5-10F1-5842-3D33-4D942B56E557}"/>
               </a:ext>
             </a:extLst>
           </p:cNvPr>
@@ -3275,7 +3387,7 @@
           <p:cNvPr id="4" name="Slide Number Placeholder 3">
             <a:extLst>
               <a:ext uri="{FF2B5EF4-FFF2-40B4-BE49-F238E27FC236}">
-                <a16:creationId xmlns="" xmlns:a16="http://schemas.microsoft.com/office/drawing/2014/main" id="{D23BF4DC-043A-A7EF-2892-D57699D5CEC9}"/>
+                <a16:creationId xmlns:a16="http://schemas.microsoft.com/office/drawing/2014/main" id="{D23BF4DC-043A-A7EF-2892-D57699D5CEC9}"/>
               </a:ext>
             </a:extLst>
           </p:cNvPr>
@@ -3334,7 +3446,7 @@
           <p:cNvPr id="2" name="Title 1">
             <a:extLst>
               <a:ext uri="{FF2B5EF4-FFF2-40B4-BE49-F238E27FC236}">
-                <a16:creationId xmlns="" xmlns:a16="http://schemas.microsoft.com/office/drawing/2014/main" id="{20054339-AFA6-6BD1-BED0-E7DB848F2245}"/>
+                <a16:creationId xmlns:a16="http://schemas.microsoft.com/office/drawing/2014/main" id="{20054339-AFA6-6BD1-BED0-E7DB848F2245}"/>
               </a:ext>
             </a:extLst>
           </p:cNvPr>
@@ -3372,7 +3484,7 @@
           <p:cNvPr id="3" name="Content Placeholder 2">
             <a:extLst>
               <a:ext uri="{FF2B5EF4-FFF2-40B4-BE49-F238E27FC236}">
-                <a16:creationId xmlns="" xmlns:a16="http://schemas.microsoft.com/office/drawing/2014/main" id="{A5FE6B8A-EC4A-0043-3E31-E96AD5DA02E7}"/>
+                <a16:creationId xmlns:a16="http://schemas.microsoft.com/office/drawing/2014/main" id="{A5FE6B8A-EC4A-0043-3E31-E96AD5DA02E7}"/>
               </a:ext>
             </a:extLst>
           </p:cNvPr>
@@ -3463,7 +3575,7 @@
           <p:cNvPr id="4" name="Text Placeholder 3">
             <a:extLst>
               <a:ext uri="{FF2B5EF4-FFF2-40B4-BE49-F238E27FC236}">
-                <a16:creationId xmlns="" xmlns:a16="http://schemas.microsoft.com/office/drawing/2014/main" id="{2FA95A84-25CD-7D46-7868-85F55A3536F9}"/>
+                <a16:creationId xmlns:a16="http://schemas.microsoft.com/office/drawing/2014/main" id="{2FA95A84-25CD-7D46-7868-85F55A3536F9}"/>
               </a:ext>
             </a:extLst>
           </p:cNvPr>
@@ -3534,7 +3646,7 @@
           <p:cNvPr id="5" name="Date Placeholder 4">
             <a:extLst>
               <a:ext uri="{FF2B5EF4-FFF2-40B4-BE49-F238E27FC236}">
-                <a16:creationId xmlns="" xmlns:a16="http://schemas.microsoft.com/office/drawing/2014/main" id="{B9FD9243-C6CB-9BC3-67D3-B020503D1B26}"/>
+                <a16:creationId xmlns:a16="http://schemas.microsoft.com/office/drawing/2014/main" id="{B9FD9243-C6CB-9BC3-67D3-B020503D1B26}"/>
               </a:ext>
             </a:extLst>
           </p:cNvPr>
@@ -3552,7 +3664,7 @@
           <a:p>
             <a:fld id="{9E62FA2B-27B0-9B43-AADD-4AF746C3E857}" type="datetime1">
               <a:rPr lang="en-US" smtClean="0"/>
-              <a:t>5/26/2025</a:t>
+              <a:t>6/3/25</a:t>
             </a:fld>
             <a:endParaRPr lang="x-none"/>
           </a:p>
@@ -3563,7 +3675,7 @@
           <p:cNvPr id="6" name="Footer Placeholder 5">
             <a:extLst>
               <a:ext uri="{FF2B5EF4-FFF2-40B4-BE49-F238E27FC236}">
-                <a16:creationId xmlns="" xmlns:a16="http://schemas.microsoft.com/office/drawing/2014/main" id="{483A4658-0914-BD94-890B-6AD60E0ED077}"/>
+                <a16:creationId xmlns:a16="http://schemas.microsoft.com/office/drawing/2014/main" id="{483A4658-0914-BD94-890B-6AD60E0ED077}"/>
               </a:ext>
             </a:extLst>
           </p:cNvPr>
@@ -3588,7 +3700,7 @@
           <p:cNvPr id="7" name="Slide Number Placeholder 6">
             <a:extLst>
               <a:ext uri="{FF2B5EF4-FFF2-40B4-BE49-F238E27FC236}">
-                <a16:creationId xmlns="" xmlns:a16="http://schemas.microsoft.com/office/drawing/2014/main" id="{D9D02A91-8200-1F7E-D698-8B003BADF56B}"/>
+                <a16:creationId xmlns:a16="http://schemas.microsoft.com/office/drawing/2014/main" id="{D9D02A91-8200-1F7E-D698-8B003BADF56B}"/>
               </a:ext>
             </a:extLst>
           </p:cNvPr>
@@ -3647,7 +3759,7 @@
           <p:cNvPr id="2" name="Title 1">
             <a:extLst>
               <a:ext uri="{FF2B5EF4-FFF2-40B4-BE49-F238E27FC236}">
-                <a16:creationId xmlns="" xmlns:a16="http://schemas.microsoft.com/office/drawing/2014/main" id="{8CFC6585-8556-0D64-8C17-08C567CCFBC7}"/>
+                <a16:creationId xmlns:a16="http://schemas.microsoft.com/office/drawing/2014/main" id="{8CFC6585-8556-0D64-8C17-08C567CCFBC7}"/>
               </a:ext>
             </a:extLst>
           </p:cNvPr>
@@ -3685,7 +3797,7 @@
           <p:cNvPr id="3" name="Picture Placeholder 2">
             <a:extLst>
               <a:ext uri="{FF2B5EF4-FFF2-40B4-BE49-F238E27FC236}">
-                <a16:creationId xmlns="" xmlns:a16="http://schemas.microsoft.com/office/drawing/2014/main" id="{F142BC9A-E0D9-ABEC-FE61-0843953B4AD0}"/>
+                <a16:creationId xmlns:a16="http://schemas.microsoft.com/office/drawing/2014/main" id="{F142BC9A-E0D9-ABEC-FE61-0843953B4AD0}"/>
               </a:ext>
             </a:extLst>
           </p:cNvPr>
@@ -3752,7 +3864,7 @@
           <p:cNvPr id="4" name="Text Placeholder 3">
             <a:extLst>
               <a:ext uri="{FF2B5EF4-FFF2-40B4-BE49-F238E27FC236}">
-                <a16:creationId xmlns="" xmlns:a16="http://schemas.microsoft.com/office/drawing/2014/main" id="{C81E1977-4EE7-58E9-E40B-DFB5735E8D04}"/>
+                <a16:creationId xmlns:a16="http://schemas.microsoft.com/office/drawing/2014/main" id="{C81E1977-4EE7-58E9-E40B-DFB5735E8D04}"/>
               </a:ext>
             </a:extLst>
           </p:cNvPr>
@@ -3823,7 +3935,7 @@
           <p:cNvPr id="5" name="Date Placeholder 4">
             <a:extLst>
               <a:ext uri="{FF2B5EF4-FFF2-40B4-BE49-F238E27FC236}">
-                <a16:creationId xmlns="" xmlns:a16="http://schemas.microsoft.com/office/drawing/2014/main" id="{EC8A11F0-ABB7-00BB-C8EF-9B1F7C4F3FC1}"/>
+                <a16:creationId xmlns:a16="http://schemas.microsoft.com/office/drawing/2014/main" id="{EC8A11F0-ABB7-00BB-C8EF-9B1F7C4F3FC1}"/>
               </a:ext>
             </a:extLst>
           </p:cNvPr>
@@ -3841,7 +3953,7 @@
           <a:p>
             <a:fld id="{AB83B2EB-FFFD-4048-9731-4A1A0BF4C329}" type="datetime1">
               <a:rPr lang="en-US" smtClean="0"/>
-              <a:t>5/26/2025</a:t>
+              <a:t>6/3/25</a:t>
             </a:fld>
             <a:endParaRPr lang="x-none"/>
           </a:p>
@@ -3852,7 +3964,7 @@
           <p:cNvPr id="6" name="Footer Placeholder 5">
             <a:extLst>
               <a:ext uri="{FF2B5EF4-FFF2-40B4-BE49-F238E27FC236}">
-                <a16:creationId xmlns="" xmlns:a16="http://schemas.microsoft.com/office/drawing/2014/main" id="{E120913E-99D7-A887-A365-113B110E9B5F}"/>
+                <a16:creationId xmlns:a16="http://schemas.microsoft.com/office/drawing/2014/main" id="{E120913E-99D7-A887-A365-113B110E9B5F}"/>
               </a:ext>
             </a:extLst>
           </p:cNvPr>
@@ -3877,7 +3989,7 @@
           <p:cNvPr id="7" name="Slide Number Placeholder 6">
             <a:extLst>
               <a:ext uri="{FF2B5EF4-FFF2-40B4-BE49-F238E27FC236}">
-                <a16:creationId xmlns="" xmlns:a16="http://schemas.microsoft.com/office/drawing/2014/main" id="{58D7DFDE-FC1E-9993-8AEB-496B1AC05419}"/>
+                <a16:creationId xmlns:a16="http://schemas.microsoft.com/office/drawing/2014/main" id="{58D7DFDE-FC1E-9993-8AEB-496B1AC05419}"/>
               </a:ext>
             </a:extLst>
           </p:cNvPr>
@@ -3941,7 +4053,7 @@
           <p:cNvPr id="2" name="Title Placeholder 1">
             <a:extLst>
               <a:ext uri="{FF2B5EF4-FFF2-40B4-BE49-F238E27FC236}">
-                <a16:creationId xmlns="" xmlns:a16="http://schemas.microsoft.com/office/drawing/2014/main" id="{902AF78A-EECF-5E37-CE06-921C961AD2BC}"/>
+                <a16:creationId xmlns:a16="http://schemas.microsoft.com/office/drawing/2014/main" id="{902AF78A-EECF-5E37-CE06-921C961AD2BC}"/>
               </a:ext>
             </a:extLst>
           </p:cNvPr>
@@ -3980,7 +4092,7 @@
           <p:cNvPr id="3" name="Text Placeholder 2">
             <a:extLst>
               <a:ext uri="{FF2B5EF4-FFF2-40B4-BE49-F238E27FC236}">
-                <a16:creationId xmlns="" xmlns:a16="http://schemas.microsoft.com/office/drawing/2014/main" id="{E0C0A444-7159-D21B-BE05-96AF77BD3C1A}"/>
+                <a16:creationId xmlns:a16="http://schemas.microsoft.com/office/drawing/2014/main" id="{E0C0A444-7159-D21B-BE05-96AF77BD3C1A}"/>
               </a:ext>
             </a:extLst>
           </p:cNvPr>
@@ -4048,7 +4160,7 @@
           <p:cNvPr id="4" name="Date Placeholder 3">
             <a:extLst>
               <a:ext uri="{FF2B5EF4-FFF2-40B4-BE49-F238E27FC236}">
-                <a16:creationId xmlns="" xmlns:a16="http://schemas.microsoft.com/office/drawing/2014/main" id="{EFFFD487-665B-3F9B-A95C-1AF44BB2A95B}"/>
+                <a16:creationId xmlns:a16="http://schemas.microsoft.com/office/drawing/2014/main" id="{EFFFD487-665B-3F9B-A95C-1AF44BB2A95B}"/>
               </a:ext>
             </a:extLst>
           </p:cNvPr>
@@ -4084,7 +4196,7 @@
           <a:p>
             <a:fld id="{5F18A1FB-997D-D64F-9EE3-168567971971}" type="datetime1">
               <a:rPr lang="en-US" smtClean="0"/>
-              <a:t>5/26/2025</a:t>
+              <a:t>6/3/25</a:t>
             </a:fld>
             <a:endParaRPr lang="x-none"/>
           </a:p>
@@ -4095,7 +4207,7 @@
           <p:cNvPr id="5" name="Footer Placeholder 4">
             <a:extLst>
               <a:ext uri="{FF2B5EF4-FFF2-40B4-BE49-F238E27FC236}">
-                <a16:creationId xmlns="" xmlns:a16="http://schemas.microsoft.com/office/drawing/2014/main" id="{C7F0EC3B-DDCB-5305-B540-2B3BA5F83EEE}"/>
+                <a16:creationId xmlns:a16="http://schemas.microsoft.com/office/drawing/2014/main" id="{C7F0EC3B-DDCB-5305-B540-2B3BA5F83EEE}"/>
               </a:ext>
             </a:extLst>
           </p:cNvPr>
@@ -4138,7 +4250,7 @@
           <p:cNvPr id="6" name="Slide Number Placeholder 5">
             <a:extLst>
               <a:ext uri="{FF2B5EF4-FFF2-40B4-BE49-F238E27FC236}">
-                <a16:creationId xmlns="" xmlns:a16="http://schemas.microsoft.com/office/drawing/2014/main" id="{565061B2-61D6-8F88-8486-B01C98AAEE7F}"/>
+                <a16:creationId xmlns:a16="http://schemas.microsoft.com/office/drawing/2014/main" id="{565061B2-61D6-8F88-8486-B01C98AAEE7F}"/>
               </a:ext>
             </a:extLst>
           </p:cNvPr>
@@ -4507,7 +4619,7 @@
           <p:cNvPr id="5" name="TextBox 4">
             <a:extLst>
               <a:ext uri="{FF2B5EF4-FFF2-40B4-BE49-F238E27FC236}">
-                <a16:creationId xmlns="" xmlns:a16="http://schemas.microsoft.com/office/drawing/2014/main" id="{08A48A88-95D2-AED4-021E-709267D5BCC7}"/>
+                <a16:creationId xmlns:a16="http://schemas.microsoft.com/office/drawing/2014/main" id="{08A48A88-95D2-AED4-021E-709267D5BCC7}"/>
               </a:ext>
             </a:extLst>
           </p:cNvPr>
@@ -4537,15 +4649,7 @@
             </a:pPr>
             <a:r>
               <a:rPr lang="en-US" sz="2800" dirty="0"/>
-              <a:t>Propose an efficient asynchronous task management technique for Tiger platform in </a:t>
-            </a:r>
-            <a:r>
-              <a:rPr lang="en-US" sz="2800" dirty="0" smtClean="0"/>
-              <a:t>Telematics </a:t>
-            </a:r>
-            <a:r>
-              <a:rPr lang="en-US" sz="2800" dirty="0"/>
-              <a:t>projects</a:t>
+              <a:t>Propose an efficient asynchronous task management technique for Tiger platform in Telematics projects</a:t>
             </a:r>
             <a:endParaRPr lang="x-none" sz="2800" b="1" dirty="0">
               <a:solidFill>
@@ -4563,7 +4667,7 @@
           <p:cNvPr id="6" name="Text Box 3">
             <a:extLst>
               <a:ext uri="{FF2B5EF4-FFF2-40B4-BE49-F238E27FC236}">
-                <a16:creationId xmlns="" xmlns:a16="http://schemas.microsoft.com/office/drawing/2014/main" id="{CB16AF12-A55A-97B4-9DA4-CE165FC0F8B2}"/>
+                <a16:creationId xmlns:a16="http://schemas.microsoft.com/office/drawing/2014/main" id="{CB16AF12-A55A-97B4-9DA4-CE165FC0F8B2}"/>
               </a:ext>
             </a:extLst>
           </p:cNvPr>
@@ -4750,7 +4854,7 @@
               <a:buNone/>
             </a:pPr>
             <a:r>
-              <a:rPr lang="en-US" altLang="ko-KR" sz="1400" dirty="0" smtClean="0">
+              <a:rPr lang="en-US" altLang="ko-KR" sz="1400" dirty="0">
                 <a:solidFill>
                   <a:srgbClr val="000000"/>
                 </a:solidFill>
@@ -4776,7 +4880,7 @@
           <p:cNvPr id="7" name="Text Box 4">
             <a:extLst>
               <a:ext uri="{FF2B5EF4-FFF2-40B4-BE49-F238E27FC236}">
-                <a16:creationId xmlns="" xmlns:a16="http://schemas.microsoft.com/office/drawing/2014/main" id="{E7750603-E5FA-9F07-E289-DEF2F9B243DD}"/>
+                <a16:creationId xmlns:a16="http://schemas.microsoft.com/office/drawing/2014/main" id="{E7750603-E5FA-9F07-E289-DEF2F9B243DD}"/>
               </a:ext>
             </a:extLst>
           </p:cNvPr>
@@ -4986,7 +5090,7 @@
           <p:cNvPr id="4" name="Date Placeholder 3">
             <a:extLst>
               <a:ext uri="{FF2B5EF4-FFF2-40B4-BE49-F238E27FC236}">
-                <a16:creationId xmlns="" xmlns:a16="http://schemas.microsoft.com/office/drawing/2014/main" id="{80FC24D0-2366-35DB-314D-2821C61BE017}"/>
+                <a16:creationId xmlns:a16="http://schemas.microsoft.com/office/drawing/2014/main" id="{80FC24D0-2366-35DB-314D-2821C61BE017}"/>
               </a:ext>
             </a:extLst>
           </p:cNvPr>
@@ -5004,7 +5108,7 @@
           <a:p>
             <a:fld id="{D662D366-9655-D84B-B77B-79E88E175CB2}" type="datetime1">
               <a:rPr lang="en-US" smtClean="0"/>
-              <a:t>5/26/2025</a:t>
+              <a:t>6/3/25</a:t>
             </a:fld>
             <a:endParaRPr lang="x-none"/>
           </a:p>
@@ -5015,7 +5119,7 @@
           <p:cNvPr id="8" name="Slide Number Placeholder 7">
             <a:extLst>
               <a:ext uri="{FF2B5EF4-FFF2-40B4-BE49-F238E27FC236}">
-                <a16:creationId xmlns="" xmlns:a16="http://schemas.microsoft.com/office/drawing/2014/main" id="{854287FE-9559-FCE7-2EE9-3EA9AD8D715C}"/>
+                <a16:creationId xmlns:a16="http://schemas.microsoft.com/office/drawing/2014/main" id="{854287FE-9559-FCE7-2EE9-3EA9AD8D715C}"/>
               </a:ext>
             </a:extLst>
           </p:cNvPr>
@@ -5044,7 +5148,7 @@
           <p:cNvPr id="9" name="직사각형 2">
             <a:extLst>
               <a:ext uri="{FF2B5EF4-FFF2-40B4-BE49-F238E27FC236}">
-                <a16:creationId xmlns="" xmlns:a16="http://schemas.microsoft.com/office/drawing/2014/main" id="{E690E08F-4346-FB19-6350-D6D35A592CF7}"/>
+                <a16:creationId xmlns:a16="http://schemas.microsoft.com/office/drawing/2014/main" id="{E690E08F-4346-FB19-6350-D6D35A592CF7}"/>
               </a:ext>
             </a:extLst>
           </p:cNvPr>
@@ -5237,10 +5341,62 @@
       </p:grpSpPr>
       <p:sp>
         <p:nvSpPr>
+          <p:cNvPr id="2" name="Title 1">
+            <a:extLst>
+              <a:ext uri="{FF2B5EF4-FFF2-40B4-BE49-F238E27FC236}">
+                <a16:creationId xmlns:a16="http://schemas.microsoft.com/office/drawing/2014/main" id="{1A51E9F9-BEBD-577F-34FA-ADB154D292CA}"/>
+              </a:ext>
+            </a:extLst>
+          </p:cNvPr>
+          <p:cNvSpPr>
+            <a:spLocks noGrp="1"/>
+          </p:cNvSpPr>
+          <p:nvPr>
+            <p:ph type="title"/>
+          </p:nvPr>
+        </p:nvSpPr>
+        <p:spPr>
+          <a:xfrm>
+            <a:off x="335360" y="109669"/>
+            <a:ext cx="10515600" cy="589032"/>
+          </a:xfrm>
+        </p:spPr>
+        <p:txBody>
+          <a:bodyPr>
+            <a:normAutofit/>
+          </a:bodyPr>
+          <a:lstStyle/>
+          <a:p>
+            <a:r>
+              <a:rPr kumimoji="1" lang="en-US" altLang="ko-KR" sz="2200" b="1" i="0" u="none" strike="noStrike" kern="1200" cap="none" spc="0" normalizeH="0" baseline="0" noProof="0" dirty="0">
+                <a:ln>
+                  <a:noFill/>
+                </a:ln>
+                <a:solidFill>
+                  <a:prstClr val="black"/>
+                </a:solidFill>
+                <a:effectLst/>
+                <a:uLnTx/>
+                <a:uFillTx/>
+                <a:latin typeface="Arial" panose="020B0604020202020204" pitchFamily="34" charset="0"/>
+                <a:ea typeface="LG Smart UI SemiBold" panose="020B0700000101010101" pitchFamily="50" charset="-127"/>
+                <a:cs typeface="Arial" panose="020B0604020202020204" pitchFamily="34" charset="0"/>
+              </a:rPr>
+              <a:t>5. Propose new asynchronous mechanism</a:t>
+            </a:r>
+            <a:endParaRPr lang="x-none" sz="1800" dirty="0">
+              <a:latin typeface="Arial" panose="020B0604020202020204" pitchFamily="34" charset="0"/>
+              <a:cs typeface="Arial" panose="020B0604020202020204" pitchFamily="34" charset="0"/>
+            </a:endParaRPr>
+          </a:p>
+        </p:txBody>
+      </p:sp>
+      <p:sp>
+        <p:nvSpPr>
           <p:cNvPr id="4" name="Date Placeholder 3">
             <a:extLst>
               <a:ext uri="{FF2B5EF4-FFF2-40B4-BE49-F238E27FC236}">
-                <a16:creationId xmlns="" xmlns:a16="http://schemas.microsoft.com/office/drawing/2014/main" id="{7A04F02E-579D-059F-8E3A-6360400138B4}"/>
+                <a16:creationId xmlns:a16="http://schemas.microsoft.com/office/drawing/2014/main" id="{6617FDCD-DE07-7435-B9F4-718742774A28}"/>
               </a:ext>
             </a:extLst>
           </p:cNvPr>
@@ -5258,7 +5414,7 @@
           <a:p>
             <a:fld id="{CEDF7557-72DD-A34A-8659-6DD33C33D1E3}" type="datetime1">
               <a:rPr lang="en-US" smtClean="0"/>
-              <a:t>5/26/2025</a:t>
+              <a:t>6/3/25</a:t>
             </a:fld>
             <a:endParaRPr lang="x-none"/>
           </a:p>
@@ -5269,7 +5425,7 @@
           <p:cNvPr id="5" name="Slide Number Placeholder 4">
             <a:extLst>
               <a:ext uri="{FF2B5EF4-FFF2-40B4-BE49-F238E27FC236}">
-                <a16:creationId xmlns="" xmlns:a16="http://schemas.microsoft.com/office/drawing/2014/main" id="{30CA7F85-B2BB-A1A8-4252-B9D8F36EF64E}"/>
+                <a16:creationId xmlns:a16="http://schemas.microsoft.com/office/drawing/2014/main" id="{DD807FC8-D3AC-AACC-7391-249496371E51}"/>
               </a:ext>
             </a:extLst>
           </p:cNvPr>
@@ -5295,10 +5451,71 @@
       </p:sp>
       <p:sp>
         <p:nvSpPr>
-          <p:cNvPr id="2" name="텍스트 개체 틀 3">
-            <a:extLst>
-              <a:ext uri="{FF2B5EF4-FFF2-40B4-BE49-F238E27FC236}">
-                <a16:creationId xmlns="" xmlns:a16="http://schemas.microsoft.com/office/drawing/2014/main" id="{55004233-32C4-042C-7CB3-D8045D31B231}"/>
+          <p:cNvPr id="9" name="직사각형 2">
+            <a:extLst>
+              <a:ext uri="{FF2B5EF4-FFF2-40B4-BE49-F238E27FC236}">
+                <a16:creationId xmlns:a16="http://schemas.microsoft.com/office/drawing/2014/main" id="{73009833-FABA-3E2D-E634-C04C3932BB3F}"/>
+              </a:ext>
+            </a:extLst>
+          </p:cNvPr>
+          <p:cNvSpPr/>
+          <p:nvPr/>
+        </p:nvSpPr>
+        <p:spPr>
+          <a:xfrm>
+            <a:off x="6378814" y="88576"/>
+            <a:ext cx="1447810" cy="276987"/>
+          </a:xfrm>
+          <a:prstGeom prst="rect">
+            <a:avLst/>
+          </a:prstGeom>
+          <a:ln>
+            <a:solidFill>
+              <a:schemeClr val="bg1">
+                <a:lumMod val="85000"/>
+              </a:schemeClr>
+            </a:solidFill>
+          </a:ln>
+        </p:spPr>
+        <p:txBody>
+          <a:bodyPr wrap="none" lIns="91429" tIns="45714" rIns="91429" bIns="45714">
+            <a:spAutoFit/>
+          </a:bodyPr>
+          <a:lstStyle/>
+          <a:p>
+            <a:pPr>
+              <a:defRPr/>
+            </a:pPr>
+            <a:r>
+              <a:rPr lang="en-US" altLang="ko-KR" sz="1200" b="0" dirty="0">
+                <a:solidFill>
+                  <a:prstClr val="white">
+                    <a:lumMod val="75000"/>
+                  </a:prstClr>
+                </a:solidFill>
+                <a:latin typeface="Arial Narrow" pitchFamily="34" charset="0"/>
+                <a:cs typeface="Arial" pitchFamily="34" charset="0"/>
+              </a:rPr>
+              <a:t>LGE Internal Use Only</a:t>
+            </a:r>
+            <a:endParaRPr lang="ko-KR" altLang="en-US" sz="1200" b="0" dirty="0">
+              <a:solidFill>
+                <a:prstClr val="white">
+                  <a:lumMod val="75000"/>
+                </a:prstClr>
+              </a:solidFill>
+              <a:latin typeface="Arial Narrow" pitchFamily="34" charset="0"/>
+              <a:cs typeface="Arial" pitchFamily="34" charset="0"/>
+            </a:endParaRPr>
+          </a:p>
+        </p:txBody>
+      </p:sp>
+      <p:sp>
+        <p:nvSpPr>
+          <p:cNvPr id="8" name="텍스트 개체 틀 3">
+            <a:extLst>
+              <a:ext uri="{FF2B5EF4-FFF2-40B4-BE49-F238E27FC236}">
+                <a16:creationId xmlns:a16="http://schemas.microsoft.com/office/drawing/2014/main" id="{3D5EA90C-B7C2-6192-8E76-268D2FC73076}"/>
               </a:ext>
             </a:extLst>
           </p:cNvPr>
@@ -5309,8 +5526,8 @@
         </p:nvSpPr>
         <p:spPr>
           <a:xfrm>
-            <a:off x="438485" y="672117"/>
-            <a:ext cx="11418155" cy="234744"/>
+            <a:off x="603648" y="844072"/>
+            <a:ext cx="8781511" cy="4707443"/>
           </a:xfrm>
           <a:prstGeom prst="rect">
             <a:avLst/>
@@ -5357,6 +5574,392 @@
               <a:spcBef>
                 <a:spcPct val="50000"/>
               </a:spcBef>
+              <a:buFont typeface="Wingdings" pitchFamily="2" charset="2"/>
+              <a:buChar char="Ø"/>
+              <a:defRPr/>
+            </a:pPr>
+            <a:r>
+              <a:rPr lang="en-US" sz="1800" b="0" dirty="0">
+                <a:latin typeface="Arial" panose="020B0604020202020204" pitchFamily="34" charset="0"/>
+                <a:ea typeface="LG Smart UI SemiBold" panose="020B0700000101010101" pitchFamily="50" charset="-127"/>
+                <a:cs typeface="Arial" panose="020B0604020202020204" pitchFamily="34" charset="0"/>
+              </a:rPr>
+              <a:t>Propose a new async C++ library which is inspired by Promises/A+ specification</a:t>
+            </a:r>
+          </a:p>
+          <a:p>
+            <a:pPr marL="800100" lvl="1" indent="-342900">
+              <a:lnSpc>
+                <a:spcPct val="120000"/>
+              </a:lnSpc>
+              <a:spcBef>
+                <a:spcPct val="50000"/>
+              </a:spcBef>
+              <a:buFont typeface="Wingdings" panose="05000000000000000000" pitchFamily="2" charset="2"/>
+              <a:buChar char="§"/>
+              <a:defRPr/>
+            </a:pPr>
+            <a:r>
+              <a:rPr lang="en-US" sz="1600" dirty="0">
+                <a:latin typeface="Arial" panose="020B0604020202020204" pitchFamily="34" charset="0"/>
+                <a:ea typeface="LG Smart UI SemiBold" panose="020B0700000101010101" pitchFamily="50" charset="-127"/>
+                <a:cs typeface="Arial" panose="020B0604020202020204" pitchFamily="34" charset="0"/>
+              </a:rPr>
+              <a:t>New future and promise mechanism are proposed</a:t>
+            </a:r>
+          </a:p>
+          <a:p>
+            <a:pPr lvl="0">
+              <a:lnSpc>
+                <a:spcPct val="120000"/>
+              </a:lnSpc>
+              <a:spcBef>
+                <a:spcPct val="50000"/>
+              </a:spcBef>
+              <a:buFont typeface="Wingdings" pitchFamily="2" charset="2"/>
+              <a:buChar char="Ø"/>
+              <a:defRPr/>
+            </a:pPr>
+            <a:r>
+              <a:rPr lang="en-US" sz="1800" b="0" dirty="0">
+                <a:latin typeface="Arial" panose="020B0604020202020204" pitchFamily="34" charset="0"/>
+                <a:ea typeface="LG Smart UI SemiBold" panose="020B0700000101010101" pitchFamily="50" charset="-127"/>
+                <a:cs typeface="Arial" panose="020B0604020202020204" pitchFamily="34" charset="0"/>
+              </a:rPr>
+              <a:t>Provide simpler API for user application</a:t>
+            </a:r>
+            <a:endParaRPr lang="en-US" sz="1600" b="0" dirty="0">
+              <a:latin typeface="Arial" panose="020B0604020202020204" pitchFamily="34" charset="0"/>
+              <a:ea typeface="LG Smart UI SemiBold" panose="020B0700000101010101" pitchFamily="50" charset="-127"/>
+              <a:cs typeface="Arial" panose="020B0604020202020204" pitchFamily="34" charset="0"/>
+            </a:endParaRPr>
+          </a:p>
+          <a:p>
+            <a:pPr lvl="0">
+              <a:lnSpc>
+                <a:spcPct val="120000"/>
+              </a:lnSpc>
+              <a:spcBef>
+                <a:spcPct val="50000"/>
+              </a:spcBef>
+              <a:buFont typeface="Wingdings" pitchFamily="2" charset="2"/>
+              <a:buChar char="Ø"/>
+              <a:defRPr/>
+            </a:pPr>
+            <a:r>
+              <a:rPr lang="en-US" sz="1800" b="0" dirty="0">
+                <a:latin typeface="Arial" panose="020B0604020202020204" pitchFamily="34" charset="0"/>
+                <a:ea typeface="LG Smart UI SemiBold" panose="020B0700000101010101" pitchFamily="50" charset="-127"/>
+                <a:cs typeface="Arial" panose="020B0604020202020204" pitchFamily="34" charset="0"/>
+              </a:rPr>
+              <a:t>New async library can detect CPU-bound task</a:t>
+            </a:r>
+          </a:p>
+          <a:p>
+            <a:pPr>
+              <a:lnSpc>
+                <a:spcPct val="120000"/>
+              </a:lnSpc>
+              <a:spcBef>
+                <a:spcPct val="50000"/>
+              </a:spcBef>
+              <a:buFont typeface="Wingdings" pitchFamily="2" charset="2"/>
+              <a:buChar char="Ø"/>
+              <a:defRPr/>
+            </a:pPr>
+            <a:r>
+              <a:rPr lang="en-US" sz="1800" b="0" dirty="0">
+                <a:latin typeface="Arial" panose="020B0604020202020204" pitchFamily="34" charset="0"/>
+                <a:ea typeface="LG Smart UI SemiBold" panose="020B0700000101010101" pitchFamily="50" charset="-127"/>
+                <a:cs typeface="Arial" panose="020B0604020202020204" pitchFamily="34" charset="0"/>
+              </a:rPr>
+              <a:t>Support a chain of asynchronous operations</a:t>
+            </a:r>
+          </a:p>
+          <a:p>
+            <a:pPr lvl="0">
+              <a:lnSpc>
+                <a:spcPct val="120000"/>
+              </a:lnSpc>
+              <a:spcBef>
+                <a:spcPct val="50000"/>
+              </a:spcBef>
+              <a:buFont typeface="Wingdings" pitchFamily="2" charset="2"/>
+              <a:buChar char="Ø"/>
+              <a:defRPr/>
+            </a:pPr>
+            <a:r>
+              <a:rPr lang="en-US" sz="1800" b="0" dirty="0">
+                <a:latin typeface="Arial" panose="020B0604020202020204" pitchFamily="34" charset="0"/>
+                <a:ea typeface="LG Smart UI SemiBold" panose="020B0700000101010101" pitchFamily="50" charset="-127"/>
+                <a:cs typeface="Arial" panose="020B0604020202020204" pitchFamily="34" charset="0"/>
+              </a:rPr>
+              <a:t>Propose new timer mechanism which works effectively in new async library</a:t>
+            </a:r>
+          </a:p>
+          <a:p>
+            <a:pPr lvl="0">
+              <a:lnSpc>
+                <a:spcPct val="120000"/>
+              </a:lnSpc>
+              <a:spcBef>
+                <a:spcPct val="50000"/>
+              </a:spcBef>
+              <a:buFont typeface="Wingdings" pitchFamily="2" charset="2"/>
+              <a:buChar char="Ø"/>
+              <a:defRPr/>
+            </a:pPr>
+            <a:endParaRPr lang="en-US" sz="1400" b="0" dirty="0">
+              <a:solidFill>
+                <a:srgbClr val="FF0000"/>
+              </a:solidFill>
+              <a:latin typeface="Arial" panose="020B0604020202020204" pitchFamily="34" charset="0"/>
+              <a:ea typeface="LG Smart UI SemiBold" panose="020B0700000101010101" pitchFamily="50" charset="-127"/>
+              <a:cs typeface="Arial" panose="020B0604020202020204" pitchFamily="34" charset="0"/>
+            </a:endParaRPr>
+          </a:p>
+          <a:p>
+            <a:pPr marL="457200" indent="-174625">
+              <a:lnSpc>
+                <a:spcPct val="120000"/>
+              </a:lnSpc>
+              <a:spcBef>
+                <a:spcPct val="50000"/>
+              </a:spcBef>
+              <a:buFont typeface="Arial" panose="020B0604020202020204" pitchFamily="34" charset="0"/>
+              <a:buChar char="•"/>
+              <a:defRPr/>
+            </a:pPr>
+            <a:endParaRPr lang="en-US" altLang="ko-KR" sz="1400" b="0" dirty="0">
+              <a:latin typeface="Arial" panose="020B0604020202020204" pitchFamily="34" charset="0"/>
+              <a:ea typeface="LG Smart UI SemiBold" panose="020B0700000101010101" pitchFamily="50" charset="-127"/>
+              <a:cs typeface="Arial" panose="020B0604020202020204" pitchFamily="34" charset="0"/>
+            </a:endParaRPr>
+          </a:p>
+          <a:p>
+            <a:pPr marL="457200" indent="-174625">
+              <a:lnSpc>
+                <a:spcPct val="120000"/>
+              </a:lnSpc>
+              <a:spcBef>
+                <a:spcPct val="50000"/>
+              </a:spcBef>
+              <a:buFont typeface="Arial" panose="020B0604020202020204" pitchFamily="34" charset="0"/>
+              <a:buChar char="•"/>
+              <a:defRPr/>
+            </a:pPr>
+            <a:endParaRPr lang="en-US" sz="1100" dirty="0">
+              <a:latin typeface="LG Smart UI SemiBold" panose="020B0700000101010101" pitchFamily="50" charset="-127"/>
+              <a:ea typeface="LG Smart UI SemiBold" panose="020B0700000101010101" pitchFamily="50" charset="-127"/>
+              <a:cs typeface="Arial" panose="020B0604020202020204" pitchFamily="34" charset="0"/>
+            </a:endParaRPr>
+          </a:p>
+          <a:p>
+            <a:pPr lvl="0">
+              <a:lnSpc>
+                <a:spcPct val="120000"/>
+              </a:lnSpc>
+              <a:spcBef>
+                <a:spcPct val="50000"/>
+              </a:spcBef>
+              <a:buFont typeface="Arial" panose="020B0604020202020204" pitchFamily="34" charset="0"/>
+              <a:buChar char="•"/>
+              <a:defRPr/>
+            </a:pPr>
+            <a:endParaRPr lang="en-US" sz="1100" dirty="0">
+              <a:latin typeface="LG Smart UI SemiBold" panose="020B0700000101010101" pitchFamily="50" charset="-127"/>
+              <a:ea typeface="LG Smart UI SemiBold" panose="020B0700000101010101" pitchFamily="50" charset="-127"/>
+              <a:cs typeface="Arial" panose="020B0604020202020204" pitchFamily="34" charset="0"/>
+            </a:endParaRPr>
+          </a:p>
+          <a:p>
+            <a:pPr lvl="1" indent="0">
+              <a:lnSpc>
+                <a:spcPct val="120000"/>
+              </a:lnSpc>
+              <a:spcBef>
+                <a:spcPct val="50000"/>
+              </a:spcBef>
+              <a:defRPr/>
+            </a:pPr>
+            <a:endParaRPr lang="en-US" sz="1900" dirty="0">
+              <a:latin typeface="LG Smart UI SemiBold" panose="020B0700000101010101" pitchFamily="50" charset="-127"/>
+              <a:ea typeface="LG Smart UI SemiBold" panose="020B0700000101010101" pitchFamily="50" charset="-127"/>
+              <a:cs typeface="Arial" panose="020B0604020202020204" pitchFamily="34" charset="0"/>
+            </a:endParaRPr>
+          </a:p>
+          <a:p>
+            <a:pPr lvl="0">
+              <a:lnSpc>
+                <a:spcPct val="120000"/>
+              </a:lnSpc>
+              <a:spcBef>
+                <a:spcPct val="50000"/>
+              </a:spcBef>
+              <a:buFont typeface="Wingdings" panose="05000000000000000000" pitchFamily="2" charset="2"/>
+              <a:buChar char="§"/>
+              <a:defRPr/>
+            </a:pPr>
+            <a:endParaRPr lang="en-US" altLang="ko-KR" sz="1100" dirty="0">
+              <a:latin typeface="LG Smart UI SemiBold" panose="020B0700000101010101" pitchFamily="50" charset="-127"/>
+              <a:ea typeface="LG Smart UI SemiBold" panose="020B0700000101010101" pitchFamily="50" charset="-127"/>
+              <a:cs typeface="Arial" panose="020B0604020202020204" pitchFamily="34" charset="0"/>
+            </a:endParaRPr>
+          </a:p>
+        </p:txBody>
+      </p:sp>
+    </p:spTree>
+    <p:extLst>
+      <p:ext uri="{BB962C8B-B14F-4D97-AF65-F5344CB8AC3E}">
+        <p14:creationId xmlns:p14="http://schemas.microsoft.com/office/powerpoint/2010/main" val="1160926675"/>
+      </p:ext>
+    </p:extLst>
+  </p:cSld>
+  <p:clrMapOvr>
+    <a:masterClrMapping/>
+  </p:clrMapOvr>
+</p:sld>
+</file>
+
+<file path=ppt/slides/slide11.xml><?xml version="1.0" encoding="utf-8"?>
+<p:sld xmlns:a="http://schemas.openxmlformats.org/drawingml/2006/main" xmlns:r="http://schemas.openxmlformats.org/officeDocument/2006/relationships" xmlns:p="http://schemas.openxmlformats.org/presentationml/2006/main">
+  <p:cSld>
+    <p:spTree>
+      <p:nvGrpSpPr>
+        <p:cNvPr id="1" name=""/>
+        <p:cNvGrpSpPr/>
+        <p:nvPr/>
+      </p:nvGrpSpPr>
+      <p:grpSpPr>
+        <a:xfrm>
+          <a:off x="0" y="0"/>
+          <a:ext cx="0" cy="0"/>
+          <a:chOff x="0" y="0"/>
+          <a:chExt cx="0" cy="0"/>
+        </a:xfrm>
+      </p:grpSpPr>
+      <p:sp>
+        <p:nvSpPr>
+          <p:cNvPr id="4" name="Date Placeholder 3">
+            <a:extLst>
+              <a:ext uri="{FF2B5EF4-FFF2-40B4-BE49-F238E27FC236}">
+                <a16:creationId xmlns:a16="http://schemas.microsoft.com/office/drawing/2014/main" id="{7A04F02E-579D-059F-8E3A-6360400138B4}"/>
+              </a:ext>
+            </a:extLst>
+          </p:cNvPr>
+          <p:cNvSpPr>
+            <a:spLocks noGrp="1"/>
+          </p:cNvSpPr>
+          <p:nvPr>
+            <p:ph type="dt" sz="half" idx="10"/>
+          </p:nvPr>
+        </p:nvSpPr>
+        <p:spPr/>
+        <p:txBody>
+          <a:bodyPr/>
+          <a:lstStyle/>
+          <a:p>
+            <a:fld id="{CEDF7557-72DD-A34A-8659-6DD33C33D1E3}" type="datetime1">
+              <a:rPr lang="en-US" smtClean="0"/>
+              <a:t>6/3/25</a:t>
+            </a:fld>
+            <a:endParaRPr lang="x-none"/>
+          </a:p>
+        </p:txBody>
+      </p:sp>
+      <p:sp>
+        <p:nvSpPr>
+          <p:cNvPr id="5" name="Slide Number Placeholder 4">
+            <a:extLst>
+              <a:ext uri="{FF2B5EF4-FFF2-40B4-BE49-F238E27FC236}">
+                <a16:creationId xmlns:a16="http://schemas.microsoft.com/office/drawing/2014/main" id="{30CA7F85-B2BB-A1A8-4252-B9D8F36EF64E}"/>
+              </a:ext>
+            </a:extLst>
+          </p:cNvPr>
+          <p:cNvSpPr>
+            <a:spLocks noGrp="1"/>
+          </p:cNvSpPr>
+          <p:nvPr>
+            <p:ph type="sldNum" sz="quarter" idx="12"/>
+          </p:nvPr>
+        </p:nvSpPr>
+        <p:spPr/>
+        <p:txBody>
+          <a:bodyPr/>
+          <a:lstStyle/>
+          <a:p>
+            <a:fld id="{9BEF5734-750F-6F44-80C1-1680C2239495}" type="slidenum">
+              <a:rPr lang="x-none" smtClean="0"/>
+              <a:t>11</a:t>
+            </a:fld>
+            <a:endParaRPr lang="x-none"/>
+          </a:p>
+        </p:txBody>
+      </p:sp>
+      <p:sp>
+        <p:nvSpPr>
+          <p:cNvPr id="2" name="텍스트 개체 틀 3">
+            <a:extLst>
+              <a:ext uri="{FF2B5EF4-FFF2-40B4-BE49-F238E27FC236}">
+                <a16:creationId xmlns:a16="http://schemas.microsoft.com/office/drawing/2014/main" id="{55004233-32C4-042C-7CB3-D8045D31B231}"/>
+              </a:ext>
+            </a:extLst>
+          </p:cNvPr>
+          <p:cNvSpPr txBox="1">
+            <a:spLocks/>
+          </p:cNvSpPr>
+          <p:nvPr/>
+        </p:nvSpPr>
+        <p:spPr>
+          <a:xfrm>
+            <a:off x="438485" y="672117"/>
+            <a:ext cx="11418155" cy="234744"/>
+          </a:xfrm>
+          <a:prstGeom prst="rect">
+            <a:avLst/>
+          </a:prstGeom>
+          <a:noFill/>
+          <a:ln w="9525" algn="ctr">
+            <a:noFill/>
+            <a:miter lim="800000"/>
+            <a:headEnd/>
+            <a:tailEnd/>
+          </a:ln>
+        </p:spPr>
+        <p:txBody>
+          <a:bodyPr wrap="square" lIns="0" tIns="0" rIns="0" bIns="0">
+            <a:spAutoFit/>
+          </a:bodyPr>
+          <a:lstStyle>
+            <a:defPPr>
+              <a:defRPr lang="ko-KR"/>
+            </a:defPPr>
+            <a:lvl1pPr marL="271463" indent="-271463">
+              <a:lnSpc>
+                <a:spcPct val="110000"/>
+              </a:lnSpc>
+              <a:spcBef>
+                <a:spcPts val="300"/>
+              </a:spcBef>
+              <a:buFont typeface="함초롬돋움" panose="020B0604000101010101" pitchFamily="50" charset="-127"/>
+              <a:buChar char="❑"/>
+              <a:defRPr sz="1200" b="1">
+                <a:solidFill>
+                  <a:srgbClr val="000000"/>
+                </a:solidFill>
+                <a:latin typeface="Arial Narrow"/>
+                <a:ea typeface="LG스마트체 Regular"/>
+              </a:defRPr>
+            </a:lvl1pPr>
+          </a:lstStyle>
+          <a:p>
+            <a:pPr lvl="0">
+              <a:lnSpc>
+                <a:spcPct val="120000"/>
+              </a:lnSpc>
+              <a:spcBef>
+                <a:spcPct val="50000"/>
+              </a:spcBef>
               <a:defRPr/>
             </a:pPr>
             <a:r>
@@ -5383,7 +5986,7 @@
           <p:cNvPr id="3" name="TextBox 2">
             <a:extLst>
               <a:ext uri="{FF2B5EF4-FFF2-40B4-BE49-F238E27FC236}">
-                <a16:creationId xmlns="" xmlns:a16="http://schemas.microsoft.com/office/drawing/2014/main" id="{808F9C1D-3AE3-757C-537B-D3F6DC744C84}"/>
+                <a16:creationId xmlns:a16="http://schemas.microsoft.com/office/drawing/2014/main" id="{808F9C1D-3AE3-757C-537B-D3F6DC744C84}"/>
               </a:ext>
             </a:extLst>
           </p:cNvPr>
@@ -5418,18 +6021,7 @@
                 <a:ea typeface="LG Smart UI SemiBold" panose="020B0700000101010101" pitchFamily="50" charset="-127"/>
                 <a:cs typeface="Arial" panose="020B0604020202020204" pitchFamily="34" charset="0"/>
               </a:rPr>
-              <a:t>3. Overall Design - Task </a:t>
-            </a:r>
-            <a:r>
-              <a:rPr kumimoji="1" lang="en-US" altLang="ko-KR" sz="2200" b="1" dirty="0">
-                <a:solidFill>
-                  <a:prstClr val="black"/>
-                </a:solidFill>
-                <a:latin typeface="Arial" panose="020B0604020202020204" pitchFamily="34" charset="0"/>
-                <a:ea typeface="LG Smart UI SemiBold" panose="020B0700000101010101" pitchFamily="50" charset="-127"/>
-                <a:cs typeface="Arial" panose="020B0604020202020204" pitchFamily="34" charset="0"/>
-              </a:rPr>
-              <a:t>Executor</a:t>
+              <a:t>6. Overall Design - Task Executor</a:t>
             </a:r>
             <a:endParaRPr kumimoji="1" lang="en-US" sz="2200" b="1" dirty="0">
               <a:solidFill>
@@ -5480,7 +6072,7 @@
           <p:cNvPr id="10" name="직사각형 2">
             <a:extLst>
               <a:ext uri="{FF2B5EF4-FFF2-40B4-BE49-F238E27FC236}">
-                <a16:creationId xmlns="" xmlns:a16="http://schemas.microsoft.com/office/drawing/2014/main" id="{1312C874-7819-36B9-4AF0-CBE809C4FCC2}"/>
+                <a16:creationId xmlns:a16="http://schemas.microsoft.com/office/drawing/2014/main" id="{1312C874-7819-36B9-4AF0-CBE809C4FCC2}"/>
               </a:ext>
             </a:extLst>
           </p:cNvPr>
@@ -5541,7 +6133,7 @@
           <p:cNvPr id="11" name="Picture 10">
             <a:extLst>
               <a:ext uri="{FF2B5EF4-FFF2-40B4-BE49-F238E27FC236}">
-                <a16:creationId xmlns="" xmlns:a16="http://schemas.microsoft.com/office/drawing/2014/main" id="{B90A8410-4873-6CB3-96C8-4520C3053630}"/>
+                <a16:creationId xmlns:a16="http://schemas.microsoft.com/office/drawing/2014/main" id="{B90A8410-4873-6CB3-96C8-4520C3053630}"/>
               </a:ext>
             </a:extLst>
           </p:cNvPr>
@@ -5585,7 +6177,7 @@
 </p:sld>
 </file>
 
-<file path=ppt/slides/slide11.xml><?xml version="1.0" encoding="utf-8"?>
+<file path=ppt/slides/slide12.xml><?xml version="1.0" encoding="utf-8"?>
 <p:sld xmlns:a="http://schemas.openxmlformats.org/drawingml/2006/main" xmlns:r="http://schemas.openxmlformats.org/officeDocument/2006/relationships" xmlns:p="http://schemas.openxmlformats.org/presentationml/2006/main">
   <p:cSld>
     <p:spTree>
@@ -5607,7 +6199,7 @@
           <p:cNvPr id="4" name="Date Placeholder 3">
             <a:extLst>
               <a:ext uri="{FF2B5EF4-FFF2-40B4-BE49-F238E27FC236}">
-                <a16:creationId xmlns="" xmlns:a16="http://schemas.microsoft.com/office/drawing/2014/main" id="{7A04F02E-579D-059F-8E3A-6360400138B4}"/>
+                <a16:creationId xmlns:a16="http://schemas.microsoft.com/office/drawing/2014/main" id="{7A04F02E-579D-059F-8E3A-6360400138B4}"/>
               </a:ext>
             </a:extLst>
           </p:cNvPr>
@@ -5625,7 +6217,7 @@
           <a:p>
             <a:fld id="{CEDF7557-72DD-A34A-8659-6DD33C33D1E3}" type="datetime1">
               <a:rPr lang="en-US" smtClean="0"/>
-              <a:t>5/26/2025</a:t>
+              <a:t>6/3/25</a:t>
             </a:fld>
             <a:endParaRPr lang="x-none"/>
           </a:p>
@@ -5636,7 +6228,7 @@
           <p:cNvPr id="5" name="Slide Number Placeholder 4">
             <a:extLst>
               <a:ext uri="{FF2B5EF4-FFF2-40B4-BE49-F238E27FC236}">
-                <a16:creationId xmlns="" xmlns:a16="http://schemas.microsoft.com/office/drawing/2014/main" id="{30CA7F85-B2BB-A1A8-4252-B9D8F36EF64E}"/>
+                <a16:creationId xmlns:a16="http://schemas.microsoft.com/office/drawing/2014/main" id="{30CA7F85-B2BB-A1A8-4252-B9D8F36EF64E}"/>
               </a:ext>
             </a:extLst>
           </p:cNvPr>
@@ -5654,7 +6246,7 @@
           <a:p>
             <a:fld id="{9BEF5734-750F-6F44-80C1-1680C2239495}" type="slidenum">
               <a:rPr lang="x-none" smtClean="0"/>
-              <a:t>11</a:t>
+              <a:t>12</a:t>
             </a:fld>
             <a:endParaRPr lang="x-none"/>
           </a:p>
@@ -5665,7 +6257,7 @@
           <p:cNvPr id="2" name="텍스트 개체 틀 3">
             <a:extLst>
               <a:ext uri="{FF2B5EF4-FFF2-40B4-BE49-F238E27FC236}">
-                <a16:creationId xmlns="" xmlns:a16="http://schemas.microsoft.com/office/drawing/2014/main" id="{2C9D8AF8-3732-02C1-AAD5-D3389EBA7654}"/>
+                <a16:creationId xmlns:a16="http://schemas.microsoft.com/office/drawing/2014/main" id="{2C9D8AF8-3732-02C1-AAD5-D3389EBA7654}"/>
               </a:ext>
             </a:extLst>
           </p:cNvPr>
@@ -5750,7 +6342,7 @@
           <p:cNvPr id="3" name="TextBox 2">
             <a:extLst>
               <a:ext uri="{FF2B5EF4-FFF2-40B4-BE49-F238E27FC236}">
-                <a16:creationId xmlns="" xmlns:a16="http://schemas.microsoft.com/office/drawing/2014/main" id="{3A395BEF-CF30-8CC7-226B-9909D4028EAD}"/>
+                <a16:creationId xmlns:a16="http://schemas.microsoft.com/office/drawing/2014/main" id="{3A395BEF-CF30-8CC7-226B-9909D4028EAD}"/>
               </a:ext>
             </a:extLst>
           </p:cNvPr>
@@ -5785,7 +6377,7 @@
                 <a:ea typeface="LG Smart UI SemiBold" panose="020B0700000101010101" pitchFamily="50" charset="-127"/>
                 <a:cs typeface="Arial" panose="020B0604020202020204" pitchFamily="34" charset="0"/>
               </a:rPr>
-              <a:t>3. Overall Design - </a:t>
+              <a:t>6. Overall Design - </a:t>
             </a:r>
             <a:r>
               <a:rPr kumimoji="1" lang="en-US" altLang="ko-KR" sz="2200" b="1" dirty="0" err="1">
@@ -5807,18 +6399,7 @@
                 <a:ea typeface="LG Smart UI SemiBold" panose="020B0700000101010101" pitchFamily="50" charset="-127"/>
                 <a:cs typeface="Arial" panose="020B0604020202020204" pitchFamily="34" charset="0"/>
               </a:rPr>
-              <a:t> </a:t>
-            </a:r>
-            <a:r>
-              <a:rPr kumimoji="1" lang="en-US" altLang="ko-KR" sz="2200" b="1" dirty="0">
-                <a:solidFill>
-                  <a:prstClr val="black"/>
-                </a:solidFill>
-                <a:latin typeface="Arial" panose="020B0604020202020204" pitchFamily="34" charset="0"/>
-                <a:ea typeface="LG Smart UI SemiBold" panose="020B0700000101010101" pitchFamily="50" charset="-127"/>
-                <a:cs typeface="Arial" panose="020B0604020202020204" pitchFamily="34" charset="0"/>
-              </a:rPr>
-              <a:t>Helper</a:t>
+              <a:t> Helper</a:t>
             </a:r>
             <a:endParaRPr kumimoji="1" lang="en-US" sz="2200" b="1" dirty="0">
               <a:solidFill>
@@ -5869,7 +6450,7 @@
           <p:cNvPr id="7" name="직사각형 2">
             <a:extLst>
               <a:ext uri="{FF2B5EF4-FFF2-40B4-BE49-F238E27FC236}">
-                <a16:creationId xmlns="" xmlns:a16="http://schemas.microsoft.com/office/drawing/2014/main" id="{0C6A59C0-6EDC-BC38-17EA-0C1682E49E4A}"/>
+                <a16:creationId xmlns:a16="http://schemas.microsoft.com/office/drawing/2014/main" id="{0C6A59C0-6EDC-BC38-17EA-0C1682E49E4A}"/>
               </a:ext>
             </a:extLst>
           </p:cNvPr>
@@ -5966,7 +6547,7 @@
 </p:sld>
 </file>
 
-<file path=ppt/slides/slide12.xml><?xml version="1.0" encoding="utf-8"?>
+<file path=ppt/slides/slide13.xml><?xml version="1.0" encoding="utf-8"?>
 <p:sld xmlns:a="http://schemas.openxmlformats.org/drawingml/2006/main" xmlns:r="http://schemas.openxmlformats.org/officeDocument/2006/relationships" xmlns:p="http://schemas.openxmlformats.org/presentationml/2006/main">
   <p:cSld>
     <p:spTree>
@@ -5988,7 +6569,7 @@
           <p:cNvPr id="4" name="Date Placeholder 3">
             <a:extLst>
               <a:ext uri="{FF2B5EF4-FFF2-40B4-BE49-F238E27FC236}">
-                <a16:creationId xmlns="" xmlns:a16="http://schemas.microsoft.com/office/drawing/2014/main" id="{7A04F02E-579D-059F-8E3A-6360400138B4}"/>
+                <a16:creationId xmlns:a16="http://schemas.microsoft.com/office/drawing/2014/main" id="{7A04F02E-579D-059F-8E3A-6360400138B4}"/>
               </a:ext>
             </a:extLst>
           </p:cNvPr>
@@ -6006,7 +6587,7 @@
           <a:p>
             <a:fld id="{CEDF7557-72DD-A34A-8659-6DD33C33D1E3}" type="datetime1">
               <a:rPr lang="en-US" smtClean="0"/>
-              <a:t>5/26/2025</a:t>
+              <a:t>6/3/25</a:t>
             </a:fld>
             <a:endParaRPr lang="x-none"/>
           </a:p>
@@ -6017,7 +6598,7 @@
           <p:cNvPr id="5" name="Slide Number Placeholder 4">
             <a:extLst>
               <a:ext uri="{FF2B5EF4-FFF2-40B4-BE49-F238E27FC236}">
-                <a16:creationId xmlns="" xmlns:a16="http://schemas.microsoft.com/office/drawing/2014/main" id="{30CA7F85-B2BB-A1A8-4252-B9D8F36EF64E}"/>
+                <a16:creationId xmlns:a16="http://schemas.microsoft.com/office/drawing/2014/main" id="{30CA7F85-B2BB-A1A8-4252-B9D8F36EF64E}"/>
               </a:ext>
             </a:extLst>
           </p:cNvPr>
@@ -6035,7 +6616,7 @@
           <a:p>
             <a:fld id="{9BEF5734-750F-6F44-80C1-1680C2239495}" type="slidenum">
               <a:rPr lang="x-none" smtClean="0"/>
-              <a:t>12</a:t>
+              <a:t>13</a:t>
             </a:fld>
             <a:endParaRPr lang="x-none"/>
           </a:p>
@@ -6046,7 +6627,7 @@
           <p:cNvPr id="2" name="텍스트 개체 틀 3">
             <a:extLst>
               <a:ext uri="{FF2B5EF4-FFF2-40B4-BE49-F238E27FC236}">
-                <a16:creationId xmlns="" xmlns:a16="http://schemas.microsoft.com/office/drawing/2014/main" id="{80E6DA31-9C00-8F36-5C4C-1888F8716427}"/>
+                <a16:creationId xmlns:a16="http://schemas.microsoft.com/office/drawing/2014/main" id="{80E6DA31-9C00-8F36-5C4C-1888F8716427}"/>
               </a:ext>
             </a:extLst>
           </p:cNvPr>
@@ -6153,7 +6734,7 @@
           <p:cNvPr id="3" name="TextBox 2">
             <a:extLst>
               <a:ext uri="{FF2B5EF4-FFF2-40B4-BE49-F238E27FC236}">
-                <a16:creationId xmlns="" xmlns:a16="http://schemas.microsoft.com/office/drawing/2014/main" id="{D8485431-5FD0-03AB-FBFC-9D8CDECDE00E}"/>
+                <a16:creationId xmlns:a16="http://schemas.microsoft.com/office/drawing/2014/main" id="{D8485431-5FD0-03AB-FBFC-9D8CDECDE00E}"/>
               </a:ext>
             </a:extLst>
           </p:cNvPr>
@@ -6188,7 +6769,7 @@
                 <a:ea typeface="LG Smart UI SemiBold" panose="020B0700000101010101" pitchFamily="50" charset="-127"/>
                 <a:cs typeface="Arial" panose="020B0604020202020204" pitchFamily="34" charset="0"/>
               </a:rPr>
-              <a:t>3. Overall Design - </a:t>
+              <a:t>6. Overall Design - </a:t>
             </a:r>
             <a:r>
               <a:rPr kumimoji="1" lang="en-US" altLang="ko-KR" sz="2200" b="1" dirty="0" err="1">
@@ -6210,18 +6791,7 @@
                 <a:ea typeface="LG Smart UI SemiBold" panose="020B0700000101010101" pitchFamily="50" charset="-127"/>
                 <a:cs typeface="Arial" panose="020B0604020202020204" pitchFamily="34" charset="0"/>
               </a:rPr>
-              <a:t> </a:t>
-            </a:r>
-            <a:r>
-              <a:rPr kumimoji="1" lang="en-US" altLang="ko-KR" sz="2200" b="1" dirty="0">
-                <a:solidFill>
-                  <a:prstClr val="black"/>
-                </a:solidFill>
-                <a:latin typeface="Arial" panose="020B0604020202020204" pitchFamily="34" charset="0"/>
-                <a:ea typeface="LG Smart UI SemiBold" panose="020B0700000101010101" pitchFamily="50" charset="-127"/>
-                <a:cs typeface="Arial" panose="020B0604020202020204" pitchFamily="34" charset="0"/>
-              </a:rPr>
-              <a:t>Helper</a:t>
+              <a:t> Helper</a:t>
             </a:r>
             <a:endParaRPr kumimoji="1" lang="en-US" sz="2200" b="1" dirty="0">
               <a:solidFill>
@@ -6272,7 +6842,7 @@
           <p:cNvPr id="7" name="직사각형 2">
             <a:extLst>
               <a:ext uri="{FF2B5EF4-FFF2-40B4-BE49-F238E27FC236}">
-                <a16:creationId xmlns="" xmlns:a16="http://schemas.microsoft.com/office/drawing/2014/main" id="{5496B446-6A55-794B-34A0-CBC4B2495872}"/>
+                <a16:creationId xmlns:a16="http://schemas.microsoft.com/office/drawing/2014/main" id="{5496B446-6A55-794B-34A0-CBC4B2495872}"/>
               </a:ext>
             </a:extLst>
           </p:cNvPr>
@@ -6369,7 +6939,7 @@
 </p:sld>
 </file>
 
-<file path=ppt/slides/slide13.xml><?xml version="1.0" encoding="utf-8"?>
+<file path=ppt/slides/slide14.xml><?xml version="1.0" encoding="utf-8"?>
 <p:sld xmlns:a="http://schemas.openxmlformats.org/drawingml/2006/main" xmlns:r="http://schemas.openxmlformats.org/officeDocument/2006/relationships" xmlns:p="http://schemas.openxmlformats.org/presentationml/2006/main">
   <p:cSld>
     <p:spTree>
@@ -6391,7 +6961,7 @@
           <p:cNvPr id="4" name="Date Placeholder 3">
             <a:extLst>
               <a:ext uri="{FF2B5EF4-FFF2-40B4-BE49-F238E27FC236}">
-                <a16:creationId xmlns="" xmlns:a16="http://schemas.microsoft.com/office/drawing/2014/main" id="{7A04F02E-579D-059F-8E3A-6360400138B4}"/>
+                <a16:creationId xmlns:a16="http://schemas.microsoft.com/office/drawing/2014/main" id="{7A04F02E-579D-059F-8E3A-6360400138B4}"/>
               </a:ext>
             </a:extLst>
           </p:cNvPr>
@@ -6409,7 +6979,7 @@
           <a:p>
             <a:fld id="{CEDF7557-72DD-A34A-8659-6DD33C33D1E3}" type="datetime1">
               <a:rPr lang="en-US" smtClean="0"/>
-              <a:t>5/26/2025</a:t>
+              <a:t>6/3/25</a:t>
             </a:fld>
             <a:endParaRPr lang="x-none"/>
           </a:p>
@@ -6420,7 +6990,7 @@
           <p:cNvPr id="5" name="Slide Number Placeholder 4">
             <a:extLst>
               <a:ext uri="{FF2B5EF4-FFF2-40B4-BE49-F238E27FC236}">
-                <a16:creationId xmlns="" xmlns:a16="http://schemas.microsoft.com/office/drawing/2014/main" id="{30CA7F85-B2BB-A1A8-4252-B9D8F36EF64E}"/>
+                <a16:creationId xmlns:a16="http://schemas.microsoft.com/office/drawing/2014/main" id="{30CA7F85-B2BB-A1A8-4252-B9D8F36EF64E}"/>
               </a:ext>
             </a:extLst>
           </p:cNvPr>
@@ -6438,7 +7008,7 @@
           <a:p>
             <a:fld id="{9BEF5734-750F-6F44-80C1-1680C2239495}" type="slidenum">
               <a:rPr lang="x-none" smtClean="0"/>
-              <a:t>13</a:t>
+              <a:t>14</a:t>
             </a:fld>
             <a:endParaRPr lang="x-none"/>
           </a:p>
@@ -6449,7 +7019,7 @@
           <p:cNvPr id="2" name="텍스트 개체 틀 3">
             <a:extLst>
               <a:ext uri="{FF2B5EF4-FFF2-40B4-BE49-F238E27FC236}">
-                <a16:creationId xmlns="" xmlns:a16="http://schemas.microsoft.com/office/drawing/2014/main" id="{80E6DA31-9C00-8F36-5C4C-1888F8716427}"/>
+                <a16:creationId xmlns:a16="http://schemas.microsoft.com/office/drawing/2014/main" id="{80E6DA31-9C00-8F36-5C4C-1888F8716427}"/>
               </a:ext>
             </a:extLst>
           </p:cNvPr>
@@ -6534,7 +7104,7 @@
           <p:cNvPr id="3" name="TextBox 2">
             <a:extLst>
               <a:ext uri="{FF2B5EF4-FFF2-40B4-BE49-F238E27FC236}">
-                <a16:creationId xmlns="" xmlns:a16="http://schemas.microsoft.com/office/drawing/2014/main" id="{D8485431-5FD0-03AB-FBFC-9D8CDECDE00E}"/>
+                <a16:creationId xmlns:a16="http://schemas.microsoft.com/office/drawing/2014/main" id="{D8485431-5FD0-03AB-FBFC-9D8CDECDE00E}"/>
               </a:ext>
             </a:extLst>
           </p:cNvPr>
@@ -6544,7 +7114,7 @@
         <p:spPr>
           <a:xfrm>
             <a:off x="335360" y="98395"/>
-            <a:ext cx="5220580" cy="707886"/>
+            <a:ext cx="5220580" cy="1046440"/>
           </a:xfrm>
           <a:prstGeom prst="rect">
             <a:avLst/>
@@ -6569,41 +7139,13 @@
                 <a:ea typeface="LG Smart UI SemiBold" panose="020B0700000101010101" pitchFamily="50" charset="-127"/>
                 <a:cs typeface="Arial" panose="020B0604020202020204" pitchFamily="34" charset="0"/>
               </a:rPr>
-              <a:t>3. Overall Design - </a:t>
-            </a:r>
-            <a:r>
-              <a:rPr kumimoji="1" lang="en-US" altLang="ko-KR" sz="2200" b="1" dirty="0" err="1">
-                <a:solidFill>
-                  <a:prstClr val="black"/>
-                </a:solidFill>
-                <a:latin typeface="Arial" panose="020B0604020202020204" pitchFamily="34" charset="0"/>
-                <a:ea typeface="LG Smart UI SemiBold" panose="020B0700000101010101" pitchFamily="50" charset="-127"/>
-                <a:cs typeface="Arial" panose="020B0604020202020204" pitchFamily="34" charset="0"/>
-              </a:rPr>
-              <a:t>Async</a:t>
-            </a:r>
-            <a:r>
-              <a:rPr kumimoji="1" lang="en-US" altLang="ko-KR" sz="2200" b="1" dirty="0">
-                <a:solidFill>
-                  <a:prstClr val="black"/>
-                </a:solidFill>
-                <a:latin typeface="Arial" panose="020B0604020202020204" pitchFamily="34" charset="0"/>
-                <a:ea typeface="LG Smart UI SemiBold" panose="020B0700000101010101" pitchFamily="50" charset="-127"/>
-                <a:cs typeface="Arial" panose="020B0604020202020204" pitchFamily="34" charset="0"/>
-              </a:rPr>
-              <a:t> </a:t>
-            </a:r>
-            <a:r>
-              <a:rPr kumimoji="1" lang="en-US" altLang="ko-KR" sz="2200" b="1" dirty="0">
-                <a:solidFill>
-                  <a:prstClr val="black"/>
-                </a:solidFill>
-                <a:latin typeface="Arial" panose="020B0604020202020204" pitchFamily="34" charset="0"/>
-                <a:ea typeface="LG Smart UI SemiBold" panose="020B0700000101010101" pitchFamily="50" charset="-127"/>
-                <a:cs typeface="Arial" panose="020B0604020202020204" pitchFamily="34" charset="0"/>
-              </a:rPr>
-              <a:t>Helper</a:t>
-            </a:r>
+              <a:t>6. Overall Design - Async Helper</a:t>
+            </a:r>
+          </a:p>
+          <a:p>
+            <a:pPr>
+              <a:defRPr/>
+            </a:pPr>
             <a:endParaRPr kumimoji="1" lang="en-US" sz="2200" b="1" dirty="0">
               <a:solidFill>
                 <a:prstClr val="black"/>
@@ -6653,7 +7195,7 @@
           <p:cNvPr id="7" name="직사각형 2">
             <a:extLst>
               <a:ext uri="{FF2B5EF4-FFF2-40B4-BE49-F238E27FC236}">
-                <a16:creationId xmlns="" xmlns:a16="http://schemas.microsoft.com/office/drawing/2014/main" id="{5496B446-6A55-794B-34A0-CBC4B2495872}"/>
+                <a16:creationId xmlns:a16="http://schemas.microsoft.com/office/drawing/2014/main" id="{5496B446-6A55-794B-34A0-CBC4B2495872}"/>
               </a:ext>
             </a:extLst>
           </p:cNvPr>
@@ -6714,7 +7256,7 @@
           <p:cNvPr id="6" name="Picture 5">
             <a:extLst>
               <a:ext uri="{FF2B5EF4-FFF2-40B4-BE49-F238E27FC236}">
-                <a16:creationId xmlns="" xmlns:a16="http://schemas.microsoft.com/office/drawing/2014/main" id="{54680490-6D61-A7E6-7312-D7664529A01C}"/>
+                <a16:creationId xmlns:a16="http://schemas.microsoft.com/office/drawing/2014/main" id="{54680490-6D61-A7E6-7312-D7664529A01C}"/>
               </a:ext>
             </a:extLst>
           </p:cNvPr>
@@ -6758,7 +7300,7 @@
 </p:sld>
 </file>
 
-<file path=ppt/slides/slide14.xml><?xml version="1.0" encoding="utf-8"?>
+<file path=ppt/slides/slide15.xml><?xml version="1.0" encoding="utf-8"?>
 <p:sld xmlns:a="http://schemas.openxmlformats.org/drawingml/2006/main" xmlns:r="http://schemas.openxmlformats.org/officeDocument/2006/relationships" xmlns:p="http://schemas.openxmlformats.org/presentationml/2006/main">
   <p:cSld>
     <p:spTree>
@@ -6780,7 +7322,7 @@
           <p:cNvPr id="4" name="Date Placeholder 3">
             <a:extLst>
               <a:ext uri="{FF2B5EF4-FFF2-40B4-BE49-F238E27FC236}">
-                <a16:creationId xmlns="" xmlns:a16="http://schemas.microsoft.com/office/drawing/2014/main" id="{7A04F02E-579D-059F-8E3A-6360400138B4}"/>
+                <a16:creationId xmlns:a16="http://schemas.microsoft.com/office/drawing/2014/main" id="{7A04F02E-579D-059F-8E3A-6360400138B4}"/>
               </a:ext>
             </a:extLst>
           </p:cNvPr>
@@ -6798,7 +7340,7 @@
           <a:p>
             <a:fld id="{CEDF7557-72DD-A34A-8659-6DD33C33D1E3}" type="datetime1">
               <a:rPr lang="en-US" smtClean="0"/>
-              <a:t>5/26/2025</a:t>
+              <a:t>6/3/25</a:t>
             </a:fld>
             <a:endParaRPr lang="x-none"/>
           </a:p>
@@ -6809,7 +7351,7 @@
           <p:cNvPr id="5" name="Slide Number Placeholder 4">
             <a:extLst>
               <a:ext uri="{FF2B5EF4-FFF2-40B4-BE49-F238E27FC236}">
-                <a16:creationId xmlns="" xmlns:a16="http://schemas.microsoft.com/office/drawing/2014/main" id="{30CA7F85-B2BB-A1A8-4252-B9D8F36EF64E}"/>
+                <a16:creationId xmlns:a16="http://schemas.microsoft.com/office/drawing/2014/main" id="{30CA7F85-B2BB-A1A8-4252-B9D8F36EF64E}"/>
               </a:ext>
             </a:extLst>
           </p:cNvPr>
@@ -6827,7 +7369,7 @@
           <a:p>
             <a:fld id="{9BEF5734-750F-6F44-80C1-1680C2239495}" type="slidenum">
               <a:rPr lang="x-none" smtClean="0"/>
-              <a:t>14</a:t>
+              <a:t>15</a:t>
             </a:fld>
             <a:endParaRPr lang="x-none"/>
           </a:p>
@@ -6838,7 +7380,7 @@
           <p:cNvPr id="2" name="텍스트 개체 틀 3">
             <a:extLst>
               <a:ext uri="{FF2B5EF4-FFF2-40B4-BE49-F238E27FC236}">
-                <a16:creationId xmlns="" xmlns:a16="http://schemas.microsoft.com/office/drawing/2014/main" id="{80E6DA31-9C00-8F36-5C4C-1888F8716427}"/>
+                <a16:creationId xmlns:a16="http://schemas.microsoft.com/office/drawing/2014/main" id="{80E6DA31-9C00-8F36-5C4C-1888F8716427}"/>
               </a:ext>
             </a:extLst>
           </p:cNvPr>
@@ -6923,7 +7465,7 @@
           <p:cNvPr id="3" name="TextBox 2">
             <a:extLst>
               <a:ext uri="{FF2B5EF4-FFF2-40B4-BE49-F238E27FC236}">
-                <a16:creationId xmlns="" xmlns:a16="http://schemas.microsoft.com/office/drawing/2014/main" id="{D8485431-5FD0-03AB-FBFC-9D8CDECDE00E}"/>
+                <a16:creationId xmlns:a16="http://schemas.microsoft.com/office/drawing/2014/main" id="{D8485431-5FD0-03AB-FBFC-9D8CDECDE00E}"/>
               </a:ext>
             </a:extLst>
           </p:cNvPr>
@@ -6958,7 +7500,7 @@
                 <a:ea typeface="LG Smart UI SemiBold" panose="020B0700000101010101" pitchFamily="50" charset="-127"/>
                 <a:cs typeface="Arial" panose="020B0604020202020204" pitchFamily="34" charset="0"/>
               </a:rPr>
-              <a:t>3. Overall Design - </a:t>
+              <a:t>6. Overall Design - </a:t>
             </a:r>
             <a:r>
               <a:rPr kumimoji="1" lang="en-US" altLang="ko-KR" sz="2200" b="1" dirty="0" err="1">
@@ -6980,18 +7522,7 @@
                 <a:ea typeface="LG Smart UI SemiBold" panose="020B0700000101010101" pitchFamily="50" charset="-127"/>
                 <a:cs typeface="Arial" panose="020B0604020202020204" pitchFamily="34" charset="0"/>
               </a:rPr>
-              <a:t> </a:t>
-            </a:r>
-            <a:r>
-              <a:rPr kumimoji="1" lang="en-US" altLang="ko-KR" sz="2200" b="1" dirty="0">
-                <a:solidFill>
-                  <a:prstClr val="black"/>
-                </a:solidFill>
-                <a:latin typeface="Arial" panose="020B0604020202020204" pitchFamily="34" charset="0"/>
-                <a:ea typeface="LG Smart UI SemiBold" panose="020B0700000101010101" pitchFamily="50" charset="-127"/>
-                <a:cs typeface="Arial" panose="020B0604020202020204" pitchFamily="34" charset="0"/>
-              </a:rPr>
-              <a:t>Helper</a:t>
+              <a:t> Helper</a:t>
             </a:r>
             <a:endParaRPr kumimoji="1" lang="en-US" sz="2200" b="1" dirty="0">
               <a:solidFill>
@@ -7042,7 +7573,7 @@
           <p:cNvPr id="7" name="직사각형 2">
             <a:extLst>
               <a:ext uri="{FF2B5EF4-FFF2-40B4-BE49-F238E27FC236}">
-                <a16:creationId xmlns="" xmlns:a16="http://schemas.microsoft.com/office/drawing/2014/main" id="{5496B446-6A55-794B-34A0-CBC4B2495872}"/>
+                <a16:creationId xmlns:a16="http://schemas.microsoft.com/office/drawing/2014/main" id="{5496B446-6A55-794B-34A0-CBC4B2495872}"/>
               </a:ext>
             </a:extLst>
           </p:cNvPr>
@@ -7103,7 +7634,7 @@
           <p:cNvPr id="8" name="Picture 7">
             <a:extLst>
               <a:ext uri="{FF2B5EF4-FFF2-40B4-BE49-F238E27FC236}">
-                <a16:creationId xmlns="" xmlns:a16="http://schemas.microsoft.com/office/drawing/2014/main" id="{A139716A-E033-F891-6CA2-E7C604395EA9}"/>
+                <a16:creationId xmlns:a16="http://schemas.microsoft.com/office/drawing/2014/main" id="{A139716A-E033-F891-6CA2-E7C604395EA9}"/>
               </a:ext>
             </a:extLst>
           </p:cNvPr>
@@ -7147,7 +7678,7 @@
 </p:sld>
 </file>
 
-<file path=ppt/slides/slide15.xml><?xml version="1.0" encoding="utf-8"?>
+<file path=ppt/slides/slide16.xml><?xml version="1.0" encoding="utf-8"?>
 <p:sld xmlns:a="http://schemas.openxmlformats.org/drawingml/2006/main" xmlns:r="http://schemas.openxmlformats.org/officeDocument/2006/relationships" xmlns:p="http://schemas.openxmlformats.org/presentationml/2006/main">
   <p:cSld>
     <p:spTree>
@@ -7188,18 +7719,7 @@
                 <a:ea typeface="LG Smart UI SemiBold" panose="020B0700000101010101" pitchFamily="50" charset="-127"/>
                 <a:cs typeface="Arial" panose="020B0604020202020204" pitchFamily="34" charset="0"/>
               </a:rPr>
-              <a:t>4. Implementation and verification</a:t>
-            </a:r>
-            <a:r>
-              <a:rPr kumimoji="1" lang="en-US" sz="2200" b="1" dirty="0">
-                <a:solidFill>
-                  <a:prstClr val="black"/>
-                </a:solidFill>
-                <a:latin typeface="Arial" panose="020B0604020202020204" pitchFamily="34" charset="0"/>
-                <a:ea typeface="LG Smart UI SemiBold" panose="020B0700000101010101" pitchFamily="50" charset="-127"/>
-                <a:cs typeface="Arial" panose="020B0604020202020204" pitchFamily="34" charset="0"/>
-              </a:rPr>
-              <a:t/>
+              <a:t>7. Implementation and verification</a:t>
             </a:r>
             <a:br>
               <a:rPr kumimoji="1" lang="en-US" sz="2200" b="1" dirty="0">
@@ -7250,14 +7770,6 @@
               </a:rPr>
               <a:t>In progress</a:t>
             </a:r>
-            <a:endParaRPr lang="en-US" sz="1800" b="1" dirty="0">
-              <a:solidFill>
-                <a:prstClr val="black"/>
-              </a:solidFill>
-              <a:latin typeface="Arial" panose="020B0604020202020204" pitchFamily="34" charset="0"/>
-              <a:ea typeface="LG Smart UI SemiBold" panose="020B0700000101010101" pitchFamily="50" charset="-127"/>
-              <a:cs typeface="Arial" panose="020B0604020202020204" pitchFamily="34" charset="0"/>
-            </a:endParaRPr>
           </a:p>
         </p:txBody>
       </p:sp>
@@ -7278,7 +7790,7 @@
           <a:p>
             <a:fld id="{CEDF7557-72DD-A34A-8659-6DD33C33D1E3}" type="datetime1">
               <a:rPr lang="en-US" smtClean="0"/>
-              <a:t>5/26/2025</a:t>
+              <a:t>6/3/25</a:t>
             </a:fld>
             <a:endParaRPr lang="x-none"/>
           </a:p>
@@ -7301,7 +7813,7 @@
           <a:p>
             <a:fld id="{9BEF5734-750F-6F44-80C1-1680C2239495}" type="slidenum">
               <a:rPr lang="x-none" smtClean="0"/>
-              <a:t>15</a:t>
+              <a:t>16</a:t>
             </a:fld>
             <a:endParaRPr lang="x-none"/>
           </a:p>
@@ -7320,7 +7832,7 @@
 </p:sld>
 </file>
 
-<file path=ppt/slides/slide16.xml><?xml version="1.0" encoding="utf-8"?>
+<file path=ppt/slides/slide17.xml><?xml version="1.0" encoding="utf-8"?>
 <p:sld xmlns:a="http://schemas.openxmlformats.org/drawingml/2006/main" xmlns:r="http://schemas.openxmlformats.org/officeDocument/2006/relationships" xmlns:p="http://schemas.openxmlformats.org/presentationml/2006/main">
   <p:cSld>
     <p:spTree>
@@ -7342,7 +7854,7 @@
           <p:cNvPr id="4" name="Date Placeholder 3">
             <a:extLst>
               <a:ext uri="{FF2B5EF4-FFF2-40B4-BE49-F238E27FC236}">
-                <a16:creationId xmlns="" xmlns:a16="http://schemas.microsoft.com/office/drawing/2014/main" id="{F92F8347-8274-D8E0-28D9-167D10703700}"/>
+                <a16:creationId xmlns:a16="http://schemas.microsoft.com/office/drawing/2014/main" id="{F92F8347-8274-D8E0-28D9-167D10703700}"/>
               </a:ext>
             </a:extLst>
           </p:cNvPr>
@@ -7360,7 +7872,7 @@
           <a:p>
             <a:fld id="{CEDF7557-72DD-A34A-8659-6DD33C33D1E3}" type="datetime1">
               <a:rPr lang="en-US" smtClean="0"/>
-              <a:t>5/26/2025</a:t>
+              <a:t>6/3/25</a:t>
             </a:fld>
             <a:endParaRPr lang="x-none"/>
           </a:p>
@@ -7371,7 +7883,7 @@
           <p:cNvPr id="5" name="Slide Number Placeholder 4">
             <a:extLst>
               <a:ext uri="{FF2B5EF4-FFF2-40B4-BE49-F238E27FC236}">
-                <a16:creationId xmlns="" xmlns:a16="http://schemas.microsoft.com/office/drawing/2014/main" id="{0ECF6D89-3A7B-0998-1C64-647D0F0726B0}"/>
+                <a16:creationId xmlns:a16="http://schemas.microsoft.com/office/drawing/2014/main" id="{0ECF6D89-3A7B-0998-1C64-647D0F0726B0}"/>
               </a:ext>
             </a:extLst>
           </p:cNvPr>
@@ -7389,7 +7901,7 @@
           <a:p>
             <a:fld id="{9BEF5734-750F-6F44-80C1-1680C2239495}" type="slidenum">
               <a:rPr lang="x-none" smtClean="0"/>
-              <a:t>16</a:t>
+              <a:t>17</a:t>
             </a:fld>
             <a:endParaRPr lang="x-none"/>
           </a:p>
@@ -7400,7 +7912,7 @@
           <p:cNvPr id="6" name="TextBox 5">
             <a:extLst>
               <a:ext uri="{FF2B5EF4-FFF2-40B4-BE49-F238E27FC236}">
-                <a16:creationId xmlns="" xmlns:a16="http://schemas.microsoft.com/office/drawing/2014/main" id="{CAB09008-3330-08CC-AA0F-505351DB59C9}"/>
+                <a16:creationId xmlns:a16="http://schemas.microsoft.com/office/drawing/2014/main" id="{CAB09008-3330-08CC-AA0F-505351DB59C9}"/>
               </a:ext>
             </a:extLst>
           </p:cNvPr>
@@ -7468,7 +7980,7 @@
           <p:cNvPr id="4" name="Date Placeholder 3">
             <a:extLst>
               <a:ext uri="{FF2B5EF4-FFF2-40B4-BE49-F238E27FC236}">
-                <a16:creationId xmlns="" xmlns:a16="http://schemas.microsoft.com/office/drawing/2014/main" id="{F1B137C1-2D8C-F1B9-A9D7-36CC7D46AD11}"/>
+                <a16:creationId xmlns:a16="http://schemas.microsoft.com/office/drawing/2014/main" id="{F1B137C1-2D8C-F1B9-A9D7-36CC7D46AD11}"/>
               </a:ext>
             </a:extLst>
           </p:cNvPr>
@@ -7486,7 +7998,7 @@
           <a:p>
             <a:fld id="{860E4AA8-6D35-FA4B-B26B-8ACCED751F8A}" type="datetime1">
               <a:rPr lang="en-US" smtClean="0"/>
-              <a:t>5/26/2025</a:t>
+              <a:t>6/3/25</a:t>
             </a:fld>
             <a:endParaRPr lang="x-none"/>
           </a:p>
@@ -7497,7 +8009,7 @@
           <p:cNvPr id="5" name="Slide Number Placeholder 4">
             <a:extLst>
               <a:ext uri="{FF2B5EF4-FFF2-40B4-BE49-F238E27FC236}">
-                <a16:creationId xmlns="" xmlns:a16="http://schemas.microsoft.com/office/drawing/2014/main" id="{D7D465E5-DE39-9C97-6CA5-39B1EC8EAB06}"/>
+                <a16:creationId xmlns:a16="http://schemas.microsoft.com/office/drawing/2014/main" id="{D7D465E5-DE39-9C97-6CA5-39B1EC8EAB06}"/>
               </a:ext>
             </a:extLst>
           </p:cNvPr>
@@ -7526,7 +8038,7 @@
           <p:cNvPr id="6" name="TextBox 5">
             <a:extLst>
               <a:ext uri="{FF2B5EF4-FFF2-40B4-BE49-F238E27FC236}">
-                <a16:creationId xmlns="" xmlns:a16="http://schemas.microsoft.com/office/drawing/2014/main" id="{1A75E75C-8ECD-E8A6-44C9-D298ABCE38EC}"/>
+                <a16:creationId xmlns:a16="http://schemas.microsoft.com/office/drawing/2014/main" id="{1A75E75C-8ECD-E8A6-44C9-D298ABCE38EC}"/>
               </a:ext>
             </a:extLst>
           </p:cNvPr>
@@ -7599,7 +8111,7 @@
           <p:cNvPr id="7" name="텍스트 개체 틀 3">
             <a:extLst>
               <a:ext uri="{FF2B5EF4-FFF2-40B4-BE49-F238E27FC236}">
-                <a16:creationId xmlns="" xmlns:a16="http://schemas.microsoft.com/office/drawing/2014/main" id="{F3565576-2823-0234-4FAA-28A0461B9504}"/>
+                <a16:creationId xmlns:a16="http://schemas.microsoft.com/office/drawing/2014/main" id="{F3565576-2823-0234-4FAA-28A0461B9504}"/>
               </a:ext>
             </a:extLst>
           </p:cNvPr>
@@ -7611,7 +8123,7 @@
         <p:spPr>
           <a:xfrm>
             <a:off x="1652294" y="1543523"/>
-            <a:ext cx="3858211" cy="4154984"/>
+            <a:ext cx="3858211" cy="3408947"/>
           </a:xfrm>
           <a:prstGeom prst="rect">
             <a:avLst/>
@@ -7701,7 +8213,7 @@
                 <a:ea typeface="LG Smart UI SemiBold" panose="020B0700000101010101" pitchFamily="50" charset="-127"/>
                 <a:cs typeface="Arial" panose="020B0604020202020204" pitchFamily="34" charset="0"/>
               </a:rPr>
-              <a:t>Architectural Drivers</a:t>
+              <a:t>Current Design</a:t>
             </a:r>
           </a:p>
           <a:p>
@@ -7719,84 +8231,25 @@
                 <a:ea typeface="LG Smart UI SemiBold" panose="020B0700000101010101" pitchFamily="50" charset="-127"/>
                 <a:cs typeface="Arial" panose="020B0604020202020204" pitchFamily="34" charset="0"/>
               </a:rPr>
-              <a:t>Architectural Decision</a:t>
-            </a:r>
-            <a:br>
-              <a:rPr lang="en-US" altLang="ko-KR" sz="1800" dirty="0">
+              <a:t>Problem of Current Design</a:t>
+            </a:r>
+          </a:p>
+          <a:p>
+            <a:pPr>
+              <a:lnSpc>
+                <a:spcPct val="150000"/>
+              </a:lnSpc>
+              <a:spcBef>
+                <a:spcPct val="50000"/>
+              </a:spcBef>
+            </a:pPr>
+            <a:r>
+              <a:rPr kumimoji="1" lang="en-US" altLang="ko-KR" sz="1800" dirty="0">
                 <a:latin typeface="Arial" panose="020B0604020202020204" pitchFamily="34" charset="0"/>
                 <a:ea typeface="LG Smart UI SemiBold" panose="020B0700000101010101" pitchFamily="50" charset="-127"/>
                 <a:cs typeface="Arial" panose="020B0604020202020204" pitchFamily="34" charset="0"/>
               </a:rPr>
-            </a:br>
-            <a:r>
-              <a:rPr lang="en-US" altLang="ko-KR" sz="1800" dirty="0">
-                <a:latin typeface="Arial" panose="020B0604020202020204" pitchFamily="34" charset="0"/>
-                <a:ea typeface="LG Smart UI SemiBold" panose="020B0700000101010101" pitchFamily="50" charset="-127"/>
-                <a:cs typeface="Arial" panose="020B0604020202020204" pitchFamily="34" charset="0"/>
-              </a:rPr>
-              <a:t>- Performance</a:t>
-            </a:r>
-            <a:br>
-              <a:rPr lang="en-US" altLang="ko-KR" sz="1800" dirty="0">
-                <a:latin typeface="Arial" panose="020B0604020202020204" pitchFamily="34" charset="0"/>
-                <a:ea typeface="LG Smart UI SemiBold" panose="020B0700000101010101" pitchFamily="50" charset="-127"/>
-                <a:cs typeface="Arial" panose="020B0604020202020204" pitchFamily="34" charset="0"/>
-              </a:rPr>
-            </a:br>
-            <a:r>
-              <a:rPr lang="en-US" altLang="ko-KR" sz="1800" dirty="0">
-                <a:latin typeface="Arial" panose="020B0604020202020204" pitchFamily="34" charset="0"/>
-                <a:ea typeface="LG Smart UI SemiBold" panose="020B0700000101010101" pitchFamily="50" charset="-127"/>
-                <a:cs typeface="Arial" panose="020B0604020202020204" pitchFamily="34" charset="0"/>
-              </a:rPr>
-              <a:t>- Modifiability</a:t>
-            </a:r>
-            <a:br>
-              <a:rPr lang="en-US" altLang="ko-KR" sz="1800" dirty="0">
-                <a:latin typeface="Arial" panose="020B0604020202020204" pitchFamily="34" charset="0"/>
-                <a:ea typeface="LG Smart UI SemiBold" panose="020B0700000101010101" pitchFamily="50" charset="-127"/>
-                <a:cs typeface="Arial" panose="020B0604020202020204" pitchFamily="34" charset="0"/>
-              </a:rPr>
-            </a:br>
-            <a:r>
-              <a:rPr lang="en-US" altLang="ko-KR" sz="1800" dirty="0">
-                <a:latin typeface="Arial" panose="020B0604020202020204" pitchFamily="34" charset="0"/>
-                <a:ea typeface="LG Smart UI SemiBold" panose="020B0700000101010101" pitchFamily="50" charset="-127"/>
-                <a:cs typeface="Arial" panose="020B0604020202020204" pitchFamily="34" charset="0"/>
-              </a:rPr>
-              <a:t>- Availability</a:t>
-            </a:r>
-            <a:br>
-              <a:rPr lang="en-US" altLang="ko-KR" sz="1800" dirty="0">
-                <a:latin typeface="Arial" panose="020B0604020202020204" pitchFamily="34" charset="0"/>
-                <a:ea typeface="LG Smart UI SemiBold" panose="020B0700000101010101" pitchFamily="50" charset="-127"/>
-                <a:cs typeface="Arial" panose="020B0604020202020204" pitchFamily="34" charset="0"/>
-              </a:rPr>
-            </a:br>
-            <a:r>
-              <a:rPr lang="en-US" altLang="ko-KR" sz="1800" dirty="0">
-                <a:latin typeface="Arial" panose="020B0604020202020204" pitchFamily="34" charset="0"/>
-                <a:ea typeface="LG Smart UI SemiBold" panose="020B0700000101010101" pitchFamily="50" charset="-127"/>
-                <a:cs typeface="Arial" panose="020B0604020202020204" pitchFamily="34" charset="0"/>
-              </a:rPr>
-              <a:t>- Architectural Verification</a:t>
-            </a:r>
-            <a:r>
-              <a:rPr kumimoji="1" lang="en-US" altLang="ko-KR" sz="1800" b="1" i="0" u="none" strike="noStrike" kern="1200" cap="none" spc="0" normalizeH="0" baseline="0" noProof="0" dirty="0">
-                <a:ln>
-                  <a:noFill/>
-                </a:ln>
-                <a:solidFill>
-                  <a:srgbClr val="000000"/>
-                </a:solidFill>
-                <a:effectLst/>
-                <a:uLnTx/>
-                <a:uFillTx/>
-                <a:latin typeface="LG Smart UI SemiBold" panose="020B0700000101010101" pitchFamily="50" charset="-127"/>
-                <a:ea typeface="LG Smart UI SemiBold" panose="020B0700000101010101" pitchFamily="50" charset="-127"/>
-                <a:cs typeface="Arial" panose="020B0604020202020204" pitchFamily="34" charset="0"/>
-              </a:rPr>
-              <a:t/>
+              <a:t>Limitation of C++ standard library</a:t>
             </a:r>
             <a:br>
               <a:rPr kumimoji="1" lang="en-US" altLang="ko-KR" sz="1800" b="1" i="0" u="none" strike="noStrike" kern="1200" cap="none" spc="0" normalizeH="0" baseline="0" noProof="0" dirty="0">
@@ -7836,7 +8289,7 @@
           <p:cNvPr id="8" name="직사각형 2">
             <a:extLst>
               <a:ext uri="{FF2B5EF4-FFF2-40B4-BE49-F238E27FC236}">
-                <a16:creationId xmlns="" xmlns:a16="http://schemas.microsoft.com/office/drawing/2014/main" id="{EA014A94-2F6A-90C9-35CB-01B9B8482A2C}"/>
+                <a16:creationId xmlns:a16="http://schemas.microsoft.com/office/drawing/2014/main" id="{EA014A94-2F6A-90C9-35CB-01B9B8482A2C}"/>
               </a:ext>
             </a:extLst>
           </p:cNvPr>
@@ -7897,7 +8350,7 @@
           <p:cNvPr id="9" name="텍스트 개체 틀 3">
             <a:extLst>
               <a:ext uri="{FF2B5EF4-FFF2-40B4-BE49-F238E27FC236}">
-                <a16:creationId xmlns="" xmlns:a16="http://schemas.microsoft.com/office/drawing/2014/main" id="{F3565576-2823-0234-4FAA-28A0461B9504}"/>
+                <a16:creationId xmlns:a16="http://schemas.microsoft.com/office/drawing/2014/main" id="{F3565576-2823-0234-4FAA-28A0461B9504}"/>
               </a:ext>
             </a:extLst>
           </p:cNvPr>
@@ -7909,7 +8362,7 @@
         <p:spPr>
           <a:xfrm>
             <a:off x="6502531" y="1543523"/>
-            <a:ext cx="3479669" cy="3323987"/>
+            <a:ext cx="3479669" cy="2716449"/>
           </a:xfrm>
           <a:prstGeom prst="rect">
             <a:avLst/>
@@ -7963,37 +8416,25 @@
                 <a:ea typeface="LG Smart UI SemiBold" panose="020B0700000101010101" pitchFamily="50" charset="-127"/>
                 <a:cs typeface="Arial" panose="020B0604020202020204" pitchFamily="34" charset="0"/>
               </a:rPr>
-              <a:t>Architectural Representation</a:t>
-            </a:r>
-            <a:br>
+              <a:t>Propose new async mechanism</a:t>
+            </a:r>
+          </a:p>
+          <a:p>
+            <a:pPr>
+              <a:lnSpc>
+                <a:spcPct val="150000"/>
+              </a:lnSpc>
+              <a:spcBef>
+                <a:spcPct val="50000"/>
+              </a:spcBef>
+            </a:pPr>
+            <a:r>
               <a:rPr lang="en-US" altLang="ko-KR" sz="1800" dirty="0">
                 <a:latin typeface="Arial" panose="020B0604020202020204" pitchFamily="34" charset="0"/>
                 <a:ea typeface="LG Smart UI SemiBold" panose="020B0700000101010101" pitchFamily="50" charset="-127"/>
                 <a:cs typeface="Arial" panose="020B0604020202020204" pitchFamily="34" charset="0"/>
               </a:rPr>
-            </a:br>
-            <a:r>
-              <a:rPr lang="en-US" altLang="ko-KR" sz="1800" dirty="0">
-                <a:latin typeface="Arial" panose="020B0604020202020204" pitchFamily="34" charset="0"/>
-                <a:ea typeface="LG Smart UI SemiBold" panose="020B0700000101010101" pitchFamily="50" charset="-127"/>
-                <a:cs typeface="Arial" panose="020B0604020202020204" pitchFamily="34" charset="0"/>
-              </a:rPr>
-              <a:t>- Static View</a:t>
-            </a:r>
-            <a:br>
-              <a:rPr lang="en-US" altLang="ko-KR" sz="1800" dirty="0">
-                <a:latin typeface="Arial" panose="020B0604020202020204" pitchFamily="34" charset="0"/>
-                <a:ea typeface="LG Smart UI SemiBold" panose="020B0700000101010101" pitchFamily="50" charset="-127"/>
-                <a:cs typeface="Arial" panose="020B0604020202020204" pitchFamily="34" charset="0"/>
-              </a:rPr>
-            </a:br>
-            <a:r>
-              <a:rPr lang="en-US" altLang="ko-KR" sz="1800" dirty="0">
-                <a:latin typeface="Arial" panose="020B0604020202020204" pitchFamily="34" charset="0"/>
-                <a:ea typeface="LG Smart UI SemiBold" panose="020B0700000101010101" pitchFamily="50" charset="-127"/>
-                <a:cs typeface="Arial" panose="020B0604020202020204" pitchFamily="34" charset="0"/>
-              </a:rPr>
-              <a:t>- Dynamic View</a:t>
+              <a:t>Overall Design</a:t>
             </a:r>
           </a:p>
           <a:p>
@@ -8011,69 +8452,7 @@
                 <a:ea typeface="LG Smart UI SemiBold" panose="020B0700000101010101" pitchFamily="50" charset="-127"/>
                 <a:cs typeface="Arial" panose="020B0604020202020204" pitchFamily="34" charset="0"/>
               </a:rPr>
-              <a:t>Validation</a:t>
-            </a:r>
-          </a:p>
-          <a:p>
-            <a:pPr lvl="0">
-              <a:lnSpc>
-                <a:spcPct val="150000"/>
-              </a:lnSpc>
-              <a:spcBef>
-                <a:spcPct val="50000"/>
-              </a:spcBef>
-            </a:pPr>
-            <a:r>
-              <a:rPr lang="en-US" altLang="ko-KR" sz="1800" dirty="0">
-                <a:latin typeface="Arial" panose="020B0604020202020204" pitchFamily="34" charset="0"/>
-                <a:ea typeface="LG Smart UI SemiBold" panose="020B0700000101010101" pitchFamily="50" charset="-127"/>
-                <a:cs typeface="Arial" panose="020B0604020202020204" pitchFamily="34" charset="0"/>
-              </a:rPr>
-              <a:t>Project Summary</a:t>
-            </a:r>
-          </a:p>
-          <a:p>
-            <a:pPr lvl="0">
-              <a:lnSpc>
-                <a:spcPct val="150000"/>
-              </a:lnSpc>
-              <a:spcBef>
-                <a:spcPct val="50000"/>
-              </a:spcBef>
-            </a:pPr>
-            <a:r>
-              <a:rPr kumimoji="1" lang="en-US" altLang="ko-KR" sz="1800" b="1" i="0" u="none" strike="noStrike" kern="1200" cap="none" spc="0" normalizeH="0" baseline="0" noProof="0" dirty="0">
-                <a:ln>
-                  <a:noFill/>
-                </a:ln>
-                <a:solidFill>
-                  <a:prstClr val="black"/>
-                </a:solidFill>
-                <a:effectLst/>
-                <a:uLnTx/>
-                <a:uFillTx/>
-                <a:latin typeface="Arial" panose="020B0604020202020204" pitchFamily="34" charset="0"/>
-                <a:ea typeface="LG Smart UI SemiBold" panose="020B0700000101010101" pitchFamily="50" charset="-127"/>
-                <a:cs typeface="Arial" panose="020B0604020202020204" pitchFamily="34" charset="0"/>
-              </a:rPr>
-              <a:t>Appendix</a:t>
-            </a:r>
-            <a:r>
-              <a:rPr kumimoji="1" lang="en-US" altLang="ko-KR" sz="1800" b="1" i="0" u="none" strike="noStrike" kern="1200" cap="none" spc="0" normalizeH="0" baseline="0" noProof="0" dirty="0">
-                <a:ln>
-                  <a:noFill/>
-                </a:ln>
-                <a:solidFill>
-                  <a:srgbClr val="000000"/>
-                </a:solidFill>
-                <a:effectLst/>
-                <a:uLnTx/>
-                <a:uFillTx/>
-                <a:latin typeface="LG Smart UI SemiBold" panose="020B0700000101010101" pitchFamily="50" charset="-127"/>
-                <a:ea typeface="LG Smart UI SemiBold" panose="020B0700000101010101" pitchFamily="50" charset="-127"/>
-                <a:cs typeface="Arial" panose="020B0604020202020204" pitchFamily="34" charset="0"/>
-              </a:rPr>
-              <a:t/>
+              <a:t>Implementation and Verification</a:t>
             </a:r>
             <a:br>
               <a:rPr kumimoji="1" lang="en-US" altLang="ko-KR" sz="1800" b="1" i="0" u="none" strike="noStrike" kern="1200" cap="none" spc="0" normalizeH="0" baseline="0" noProof="0" dirty="0">
@@ -8143,7 +8522,7 @@
           <p:cNvPr id="2" name="Title 1">
             <a:extLst>
               <a:ext uri="{FF2B5EF4-FFF2-40B4-BE49-F238E27FC236}">
-                <a16:creationId xmlns="" xmlns:a16="http://schemas.microsoft.com/office/drawing/2014/main" id="{99D12A77-ACC0-88FA-CBF8-21FA89D6733E}"/>
+                <a16:creationId xmlns:a16="http://schemas.microsoft.com/office/drawing/2014/main" id="{99D12A77-ACC0-88FA-CBF8-21FA89D6733E}"/>
               </a:ext>
             </a:extLst>
           </p:cNvPr>
@@ -8182,23 +8561,6 @@
                 <a:cs typeface="Arial" panose="020B0604020202020204" pitchFamily="34" charset="0"/>
               </a:rPr>
               <a:t>1. Project Overview</a:t>
-            </a:r>
-            <a:r>
-              <a:rPr kumimoji="1" lang="en-US" altLang="ko-KR" sz="4400" b="1" i="0" u="none" strike="noStrike" kern="1200" cap="none" spc="0" normalizeH="0" baseline="0" noProof="0" dirty="0">
-                <a:ln>
-                  <a:noFill/>
-                </a:ln>
-                <a:solidFill>
-                  <a:prstClr val="black"/>
-                </a:solidFill>
-                <a:effectLst/>
-                <a:uLnTx/>
-                <a:uFillTx/>
-                <a:latin typeface="+mn-lt"/>
-                <a:ea typeface="LG Smart UI SemiBold" panose="020B0700000101010101" pitchFamily="50" charset="-127"/>
-                <a:cs typeface="+mn-cs"/>
-              </a:rPr>
-              <a:t/>
             </a:r>
             <a:br>
               <a:rPr kumimoji="1" lang="en-US" altLang="ko-KR" sz="4400" b="1" i="0" u="none" strike="noStrike" kern="1200" cap="none" spc="0" normalizeH="0" baseline="0" noProof="0" dirty="0">
@@ -8225,7 +8587,7 @@
           <p:cNvPr id="4" name="Date Placeholder 3">
             <a:extLst>
               <a:ext uri="{FF2B5EF4-FFF2-40B4-BE49-F238E27FC236}">
-                <a16:creationId xmlns="" xmlns:a16="http://schemas.microsoft.com/office/drawing/2014/main" id="{A8A58353-B76D-2D2D-2B59-77F8619C3E5E}"/>
+                <a16:creationId xmlns:a16="http://schemas.microsoft.com/office/drawing/2014/main" id="{A8A58353-B76D-2D2D-2B59-77F8619C3E5E}"/>
               </a:ext>
             </a:extLst>
           </p:cNvPr>
@@ -8243,7 +8605,7 @@
           <a:p>
             <a:fld id="{CEDF7557-72DD-A34A-8659-6DD33C33D1E3}" type="datetime1">
               <a:rPr lang="en-US" smtClean="0"/>
-              <a:t>5/26/2025</a:t>
+              <a:t>6/3/25</a:t>
             </a:fld>
             <a:endParaRPr lang="x-none"/>
           </a:p>
@@ -8254,7 +8616,7 @@
           <p:cNvPr id="5" name="Slide Number Placeholder 4">
             <a:extLst>
               <a:ext uri="{FF2B5EF4-FFF2-40B4-BE49-F238E27FC236}">
-                <a16:creationId xmlns="" xmlns:a16="http://schemas.microsoft.com/office/drawing/2014/main" id="{83B7E359-F277-275B-0318-CEA36B30A8F5}"/>
+                <a16:creationId xmlns:a16="http://schemas.microsoft.com/office/drawing/2014/main" id="{83B7E359-F277-275B-0318-CEA36B30A8F5}"/>
               </a:ext>
             </a:extLst>
           </p:cNvPr>
@@ -8283,7 +8645,7 @@
           <p:cNvPr id="6" name="텍스트 개체 틀 3">
             <a:extLst>
               <a:ext uri="{FF2B5EF4-FFF2-40B4-BE49-F238E27FC236}">
-                <a16:creationId xmlns="" xmlns:a16="http://schemas.microsoft.com/office/drawing/2014/main" id="{3D5EA90C-B7C2-6192-8E76-268D2FC73076}"/>
+                <a16:creationId xmlns:a16="http://schemas.microsoft.com/office/drawing/2014/main" id="{3D5EA90C-B7C2-6192-8E76-268D2FC73076}"/>
               </a:ext>
             </a:extLst>
           </p:cNvPr>
@@ -8352,23 +8714,7 @@
                 <a:ea typeface="LG Smart UI SemiBold" panose="020B0700000101010101" pitchFamily="50" charset="-127"/>
                 <a:cs typeface="Arial" panose="020B0604020202020204" pitchFamily="34" charset="0"/>
               </a:rPr>
-              <a:t>What is </a:t>
-            </a:r>
-            <a:r>
-              <a:rPr lang="en-US" sz="1800" b="0" dirty="0" smtClean="0">
-                <a:latin typeface="Arial" panose="020B0604020202020204" pitchFamily="34" charset="0"/>
-                <a:ea typeface="LG Smart UI SemiBold" panose="020B0700000101010101" pitchFamily="50" charset="-127"/>
-                <a:cs typeface="Arial" panose="020B0604020202020204" pitchFamily="34" charset="0"/>
-              </a:rPr>
-              <a:t>Tiger platform for Telematics</a:t>
-            </a:r>
-            <a:r>
-              <a:rPr lang="en-US" sz="1800" b="0" dirty="0">
-                <a:latin typeface="Arial" panose="020B0604020202020204" pitchFamily="34" charset="0"/>
-                <a:ea typeface="LG Smart UI SemiBold" panose="020B0700000101010101" pitchFamily="50" charset="-127"/>
-                <a:cs typeface="Arial" panose="020B0604020202020204" pitchFamily="34" charset="0"/>
-              </a:rPr>
-              <a:t>?</a:t>
+              <a:t>What is Tiger platform for Telematics?</a:t>
             </a:r>
           </a:p>
           <a:p>
@@ -8384,7 +8730,7 @@
               <a:defRPr/>
             </a:pPr>
             <a:r>
-              <a:rPr lang="en-US" sz="1400" b="0" dirty="0" smtClean="0">
+              <a:rPr lang="en-US" sz="1400" b="0" dirty="0">
                 <a:latin typeface="Arial" panose="020B0604020202020204" pitchFamily="34" charset="0"/>
                 <a:ea typeface="LG Smart UI SemiBold" panose="020B0700000101010101" pitchFamily="50" charset="-127"/>
                 <a:cs typeface="Arial" panose="020B0604020202020204" pitchFamily="34" charset="0"/>
@@ -8392,7 +8738,7 @@
               <a:t>Provide core services such as diagnostic service, route </a:t>
             </a:r>
             <a:r>
-              <a:rPr lang="en-US" sz="1400" b="0" dirty="0" err="1" smtClean="0">
+              <a:rPr lang="en-US" sz="1400" b="0" dirty="0" err="1">
                 <a:latin typeface="Arial" panose="020B0604020202020204" pitchFamily="34" charset="0"/>
                 <a:ea typeface="LG Smart UI SemiBold" panose="020B0700000101010101" pitchFamily="50" charset="-127"/>
                 <a:cs typeface="Arial" panose="020B0604020202020204" pitchFamily="34" charset="0"/>
@@ -8400,7 +8746,7 @@
               <a:t>service,etc</a:t>
             </a:r>
             <a:r>
-              <a:rPr lang="en-US" sz="1400" b="0" dirty="0" smtClean="0">
+              <a:rPr lang="en-US" sz="1400" b="0" dirty="0">
                 <a:latin typeface="Arial" panose="020B0604020202020204" pitchFamily="34" charset="0"/>
                 <a:ea typeface="LG Smart UI SemiBold" panose="020B0700000101010101" pitchFamily="50" charset="-127"/>
                 <a:cs typeface="Arial" panose="020B0604020202020204" pitchFamily="34" charset="0"/>
@@ -8421,7 +8767,7 @@
               <a:defRPr/>
             </a:pPr>
             <a:r>
-              <a:rPr lang="en-US" sz="1400" b="0" dirty="0" smtClean="0">
+              <a:rPr lang="en-US" sz="1400" b="0" dirty="0">
                 <a:solidFill>
                   <a:srgbClr val="FF0000"/>
                 </a:solidFill>
@@ -8445,7 +8791,7 @@
               <a:defRPr/>
             </a:pPr>
             <a:r>
-              <a:rPr lang="en-US" sz="1400" b="0" dirty="0" smtClean="0">
+              <a:rPr lang="en-US" sz="1400" b="0" dirty="0">
                 <a:solidFill>
                   <a:srgbClr val="FF0000"/>
                 </a:solidFill>
@@ -8551,7 +8897,7 @@
           <p:cNvPr id="7" name="Picture 6">
             <a:extLst>
               <a:ext uri="{FF2B5EF4-FFF2-40B4-BE49-F238E27FC236}">
-                <a16:creationId xmlns="" xmlns:a16="http://schemas.microsoft.com/office/drawing/2014/main" id="{2536BA38-2215-DF7C-DB50-F1F0810702F6}"/>
+                <a16:creationId xmlns:a16="http://schemas.microsoft.com/office/drawing/2014/main" id="{2536BA38-2215-DF7C-DB50-F1F0810702F6}"/>
               </a:ext>
             </a:extLst>
           </p:cNvPr>
@@ -8587,7 +8933,7 @@
           <p:cNvPr id="8" name="직사각형 2">
             <a:extLst>
               <a:ext uri="{FF2B5EF4-FFF2-40B4-BE49-F238E27FC236}">
-                <a16:creationId xmlns="" xmlns:a16="http://schemas.microsoft.com/office/drawing/2014/main" id="{5A16B166-7AEE-44F2-BE31-9EC1E8A70FF3}"/>
+                <a16:creationId xmlns:a16="http://schemas.microsoft.com/office/drawing/2014/main" id="{5A16B166-7AEE-44F2-BE31-9EC1E8A70FF3}"/>
               </a:ext>
             </a:extLst>
           </p:cNvPr>
@@ -8678,7 +9024,7 @@
           <p:cNvPr id="2" name="Title 1">
             <a:extLst>
               <a:ext uri="{FF2B5EF4-FFF2-40B4-BE49-F238E27FC236}">
-                <a16:creationId xmlns="" xmlns:a16="http://schemas.microsoft.com/office/drawing/2014/main" id="{1A51E9F9-BEBD-577F-34FA-ADB154D292CA}"/>
+                <a16:creationId xmlns:a16="http://schemas.microsoft.com/office/drawing/2014/main" id="{1A51E9F9-BEBD-577F-34FA-ADB154D292CA}"/>
               </a:ext>
             </a:extLst>
           </p:cNvPr>
@@ -8701,23 +9047,6 @@
           </a:bodyPr>
           <a:lstStyle/>
           <a:p>
-            <a:r>
-              <a:rPr kumimoji="1" lang="en-US" altLang="ko-KR" sz="2200" b="1" i="0" u="none" strike="noStrike" kern="1200" cap="none" spc="0" normalizeH="0" baseline="0" noProof="0" dirty="0" smtClean="0">
-                <a:ln>
-                  <a:noFill/>
-                </a:ln>
-                <a:solidFill>
-                  <a:prstClr val="black"/>
-                </a:solidFill>
-                <a:effectLst/>
-                <a:uLnTx/>
-                <a:uFillTx/>
-                <a:latin typeface="Arial" panose="020B0604020202020204" pitchFamily="34" charset="0"/>
-                <a:ea typeface="LG Smart UI SemiBold" panose="020B0700000101010101" pitchFamily="50" charset="-127"/>
-                <a:cs typeface="Arial" panose="020B0604020202020204" pitchFamily="34" charset="0"/>
-              </a:rPr>
-              <a:t>2. </a:t>
-            </a:r>
             <a:r>
               <a:rPr kumimoji="1" lang="en-US" altLang="ko-KR" sz="2200" b="1" i="0" u="none" strike="noStrike" kern="1200" cap="none" spc="0" normalizeH="0" baseline="0" noProof="0" dirty="0">
                 <a:ln>
@@ -8733,24 +9062,7 @@
                 <a:ea typeface="LG Smart UI SemiBold" panose="020B0700000101010101" pitchFamily="50" charset="-127"/>
                 <a:cs typeface="Arial" panose="020B0604020202020204" pitchFamily="34" charset="0"/>
               </a:rPr>
-              <a:t>Project Context – System Context Diagram</a:t>
-            </a:r>
-            <a:r>
-              <a:rPr kumimoji="1" lang="en-US" altLang="ko-KR" sz="1800" b="1" i="0" u="none" strike="noStrike" kern="1200" cap="none" spc="0" normalizeH="0" baseline="0" noProof="0" dirty="0">
-                <a:ln>
-                  <a:noFill/>
-                </a:ln>
-                <a:solidFill>
-                  <a:prstClr val="black"/>
-                </a:solidFill>
-                <a:effectLst/>
-                <a:uLnTx/>
-                <a:uFillTx/>
-                <a:latin typeface="Arial" panose="020B0604020202020204" pitchFamily="34" charset="0"/>
-                <a:ea typeface="LG Smart UI SemiBold" panose="020B0700000101010101" pitchFamily="50" charset="-127"/>
-                <a:cs typeface="Arial" panose="020B0604020202020204" pitchFamily="34" charset="0"/>
-              </a:rPr>
-              <a:t/>
+              <a:t>2. Project Context </a:t>
             </a:r>
             <a:br>
               <a:rPr kumimoji="1" lang="en-US" altLang="ko-KR" sz="1800" b="1" i="0" u="none" strike="noStrike" kern="1200" cap="none" spc="0" normalizeH="0" baseline="0" noProof="0" dirty="0">
@@ -8780,7 +9092,7 @@
           <p:cNvPr id="4" name="Date Placeholder 3">
             <a:extLst>
               <a:ext uri="{FF2B5EF4-FFF2-40B4-BE49-F238E27FC236}">
-                <a16:creationId xmlns="" xmlns:a16="http://schemas.microsoft.com/office/drawing/2014/main" id="{6617FDCD-DE07-7435-B9F4-718742774A28}"/>
+                <a16:creationId xmlns:a16="http://schemas.microsoft.com/office/drawing/2014/main" id="{6617FDCD-DE07-7435-B9F4-718742774A28}"/>
               </a:ext>
             </a:extLst>
           </p:cNvPr>
@@ -8798,7 +9110,7 @@
           <a:p>
             <a:fld id="{CEDF7557-72DD-A34A-8659-6DD33C33D1E3}" type="datetime1">
               <a:rPr lang="en-US" smtClean="0"/>
-              <a:t>5/26/2025</a:t>
+              <a:t>6/3/25</a:t>
             </a:fld>
             <a:endParaRPr lang="x-none"/>
           </a:p>
@@ -8809,7 +9121,7 @@
           <p:cNvPr id="5" name="Slide Number Placeholder 4">
             <a:extLst>
               <a:ext uri="{FF2B5EF4-FFF2-40B4-BE49-F238E27FC236}">
-                <a16:creationId xmlns="" xmlns:a16="http://schemas.microsoft.com/office/drawing/2014/main" id="{DD807FC8-D3AC-AACC-7391-249496371E51}"/>
+                <a16:creationId xmlns:a16="http://schemas.microsoft.com/office/drawing/2014/main" id="{DD807FC8-D3AC-AACC-7391-249496371E51}"/>
               </a:ext>
             </a:extLst>
           </p:cNvPr>
@@ -8838,7 +9150,7 @@
           <p:cNvPr id="6" name="텍스트 개체 틀 3">
             <a:extLst>
               <a:ext uri="{FF2B5EF4-FFF2-40B4-BE49-F238E27FC236}">
-                <a16:creationId xmlns="" xmlns:a16="http://schemas.microsoft.com/office/drawing/2014/main" id="{6A5E1AC0-F29A-2479-EBAC-245113042FC9}"/>
+                <a16:creationId xmlns:a16="http://schemas.microsoft.com/office/drawing/2014/main" id="{6A5E1AC0-F29A-2479-EBAC-245113042FC9}"/>
               </a:ext>
             </a:extLst>
           </p:cNvPr>
@@ -8907,14 +9219,6 @@
               </a:rPr>
               <a:t>System Context Diagram</a:t>
             </a:r>
-            <a:r>
-              <a:rPr lang="en-US" altLang="ko-KR" sz="1400" dirty="0">
-                <a:latin typeface="LG Smart UI SemiBold" panose="020B0700000101010101" pitchFamily="50" charset="-127"/>
-                <a:ea typeface="LG Smart UI SemiBold" panose="020B0700000101010101" pitchFamily="50" charset="-127"/>
-                <a:cs typeface="Arial" panose="020B0604020202020204" pitchFamily="34" charset="0"/>
-              </a:rPr>
-              <a:t/>
-            </a:r>
             <a:br>
               <a:rPr lang="en-US" altLang="ko-KR" sz="1400" dirty="0">
                 <a:latin typeface="LG Smart UI SemiBold" panose="020B0700000101010101" pitchFamily="50" charset="-127"/>
@@ -8935,7 +9239,7 @@
           <p:cNvPr id="8" name="텍스트 개체 틀 3">
             <a:extLst>
               <a:ext uri="{FF2B5EF4-FFF2-40B4-BE49-F238E27FC236}">
-                <a16:creationId xmlns="" xmlns:a16="http://schemas.microsoft.com/office/drawing/2014/main" id="{3C31B1D0-E86C-D49A-8622-4819921EB882}"/>
+                <a16:creationId xmlns:a16="http://schemas.microsoft.com/office/drawing/2014/main" id="{3C31B1D0-E86C-D49A-8622-4819921EB882}"/>
               </a:ext>
             </a:extLst>
           </p:cNvPr>
@@ -8946,7 +9250,7 @@
         </p:nvSpPr>
         <p:spPr>
           <a:xfrm>
-            <a:off x="8610600" y="95260"/>
+            <a:off x="8832304" y="719794"/>
             <a:ext cx="3024336" cy="2862322"/>
           </a:xfrm>
           <a:prstGeom prst="rect">
@@ -9028,7 +9332,7 @@
               <a:defRPr/>
             </a:pPr>
             <a:r>
-              <a:rPr lang="en-US" altLang="ko-KR" sz="1400" dirty="0" smtClean="0">
+              <a:rPr lang="en-US" altLang="ko-KR" sz="1400" dirty="0">
                 <a:solidFill>
                   <a:srgbClr val="FF0000"/>
                 </a:solidFill>
@@ -9039,7 +9343,7 @@
               <a:t>Tiger SW framework</a:t>
             </a:r>
             <a:r>
-              <a:rPr lang="en-US" altLang="ko-KR" sz="1400" b="0" dirty="0" smtClean="0">
+              <a:rPr lang="en-US" altLang="ko-KR" sz="1400" b="0" dirty="0">
                 <a:latin typeface="Arial" panose="020B0604020202020204" pitchFamily="34" charset="0"/>
                 <a:ea typeface="LG Smart UI SemiBold" panose="020B0700000101010101" pitchFamily="50" charset="-127"/>
                 <a:cs typeface="Arial" panose="020B0604020202020204" pitchFamily="34" charset="0"/>
@@ -9060,7 +9364,7 @@
               <a:defRPr/>
             </a:pPr>
             <a:r>
-              <a:rPr lang="en-US" altLang="ko-KR" b="0" dirty="0" smtClean="0">
+              <a:rPr lang="en-US" altLang="ko-KR" b="0" dirty="0">
                 <a:latin typeface="Arial" panose="020B0604020202020204" pitchFamily="34" charset="0"/>
                 <a:ea typeface="LG Smart UI SemiBold" panose="020B0700000101010101" pitchFamily="50" charset="-127"/>
                 <a:cs typeface="Arial" panose="020B0604020202020204" pitchFamily="34" charset="0"/>
@@ -9076,7 +9380,7 @@
               <a:t>P</a:t>
             </a:r>
             <a:r>
-              <a:rPr lang="en-US" altLang="ko-KR" sz="1400" b="0" dirty="0" smtClean="0">
+              <a:rPr lang="en-US" altLang="ko-KR" sz="1400" b="0" dirty="0">
                 <a:latin typeface="Arial" panose="020B0604020202020204" pitchFamily="34" charset="0"/>
                 <a:ea typeface="LG Smart UI SemiBold" panose="020B0700000101010101" pitchFamily="50" charset="-127"/>
                 <a:cs typeface="Arial" panose="020B0604020202020204" pitchFamily="34" charset="0"/>
@@ -9102,17 +9406,9 @@
                 <a:ea typeface="LG Smart UI SemiBold" panose="020B0700000101010101" pitchFamily="50" charset="-127"/>
                 <a:cs typeface="Arial" panose="020B0604020202020204" pitchFamily="34" charset="0"/>
               </a:rPr>
-              <a:t> </a:t>
-            </a:r>
-            <a:r>
-              <a:rPr lang="en-US" altLang="ko-KR" sz="1400" dirty="0" smtClean="0">
-                <a:latin typeface="Arial" panose="020B0604020202020204" pitchFamily="34" charset="0"/>
-                <a:ea typeface="LG Smart UI SemiBold" panose="020B0700000101010101" pitchFamily="50" charset="-127"/>
-                <a:cs typeface="Arial" panose="020B0604020202020204" pitchFamily="34" charset="0"/>
-              </a:rPr>
-              <a:t>Provide utility for processing asynchronous operations</a:t>
-            </a:r>
-            <a:endParaRPr lang="en-US" altLang="ko-KR" sz="1400" b="0" dirty="0" smtClean="0">
+              <a:t> Provide utility for processing asynchronous operations</a:t>
+            </a:r>
+            <a:endParaRPr lang="en-US" altLang="ko-KR" sz="1400" b="0" dirty="0">
               <a:latin typeface="Arial" panose="020B0604020202020204" pitchFamily="34" charset="0"/>
               <a:ea typeface="LG Smart UI SemiBold" panose="020B0700000101010101" pitchFamily="50" charset="-127"/>
               <a:cs typeface="Arial" panose="020B0604020202020204" pitchFamily="34" charset="0"/>
@@ -9143,7 +9439,7 @@
           <p:cNvPr id="9" name="직사각형 2">
             <a:extLst>
               <a:ext uri="{FF2B5EF4-FFF2-40B4-BE49-F238E27FC236}">
-                <a16:creationId xmlns="" xmlns:a16="http://schemas.microsoft.com/office/drawing/2014/main" id="{73009833-FABA-3E2D-E634-C04C3932BB3F}"/>
+                <a16:creationId xmlns:a16="http://schemas.microsoft.com/office/drawing/2014/main" id="{73009833-FABA-3E2D-E634-C04C3932BB3F}"/>
               </a:ext>
             </a:extLst>
           </p:cNvPr>
@@ -9264,7 +9560,7 @@
           <p:cNvPr id="2" name="Title 1">
             <a:extLst>
               <a:ext uri="{FF2B5EF4-FFF2-40B4-BE49-F238E27FC236}">
-                <a16:creationId xmlns="" xmlns:a16="http://schemas.microsoft.com/office/drawing/2014/main" id="{1A51E9F9-BEBD-577F-34FA-ADB154D292CA}"/>
+                <a16:creationId xmlns:a16="http://schemas.microsoft.com/office/drawing/2014/main" id="{1A51E9F9-BEBD-577F-34FA-ADB154D292CA}"/>
               </a:ext>
             </a:extLst>
           </p:cNvPr>
@@ -9288,7 +9584,7 @@
           <a:lstStyle/>
           <a:p>
             <a:r>
-              <a:rPr kumimoji="1" lang="en-US" altLang="ko-KR" sz="2200" b="1" i="0" u="none" strike="noStrike" kern="1200" cap="none" spc="0" normalizeH="0" baseline="0" noProof="0" dirty="0" smtClean="0">
+              <a:rPr kumimoji="1" lang="en-US" altLang="ko-KR" sz="2200" b="1" i="0" u="none" strike="noStrike" kern="1200" cap="none" spc="0" normalizeH="0" baseline="0" noProof="0" dirty="0">
                 <a:ln>
                   <a:noFill/>
                 </a:ln>
@@ -9305,7 +9601,7 @@
               <a:t>2.</a:t>
             </a:r>
             <a:r>
-              <a:rPr kumimoji="1" lang="en-US" altLang="ko-KR" sz="2200" b="1" i="0" u="none" strike="noStrike" kern="1200" cap="none" spc="0" normalizeH="0" noProof="0" dirty="0" smtClean="0">
+              <a:rPr kumimoji="1" lang="en-US" altLang="ko-KR" sz="2200" b="1" i="0" u="none" strike="noStrike" kern="1200" cap="none" spc="0" normalizeH="0" noProof="0" dirty="0">
                 <a:ln>
                   <a:noFill/>
                 </a:ln>
@@ -9322,7 +9618,7 @@
               <a:t> </a:t>
             </a:r>
             <a:r>
-              <a:rPr kumimoji="1" lang="en-US" altLang="ko-KR" sz="2200" b="1" i="0" u="none" strike="noStrike" kern="1200" cap="none" spc="0" normalizeH="0" baseline="0" noProof="0" dirty="0" smtClean="0">
+              <a:rPr kumimoji="1" lang="en-US" altLang="ko-KR" sz="2200" b="1" i="0" u="none" strike="noStrike" kern="1200" cap="none" spc="0" normalizeH="0" baseline="0" noProof="0" dirty="0">
                 <a:ln>
                   <a:noFill/>
                 </a:ln>
@@ -9336,58 +9632,7 @@
                 <a:ea typeface="LG Smart UI SemiBold" panose="020B0700000101010101" pitchFamily="50" charset="-127"/>
                 <a:cs typeface="Arial" panose="020B0604020202020204" pitchFamily="34" charset="0"/>
               </a:rPr>
-              <a:t>Current </a:t>
-            </a:r>
-            <a:r>
-              <a:rPr kumimoji="1" lang="en-US" altLang="ko-KR" sz="2200" b="1" i="0" u="none" strike="noStrike" kern="1200" cap="none" spc="0" normalizeH="0" baseline="0" noProof="0" dirty="0" smtClean="0">
-                <a:ln>
-                  <a:noFill/>
-                </a:ln>
-                <a:solidFill>
-                  <a:prstClr val="black"/>
-                </a:solidFill>
-                <a:effectLst/>
-                <a:uLnTx/>
-                <a:uFillTx/>
-                <a:latin typeface="Arial" panose="020B0604020202020204" pitchFamily="34" charset="0"/>
-                <a:ea typeface="LG Smart UI SemiBold" panose="020B0700000101010101" pitchFamily="50" charset="-127"/>
-                <a:cs typeface="Arial" panose="020B0604020202020204" pitchFamily="34" charset="0"/>
-              </a:rPr>
-              <a:t>design</a:t>
-            </a:r>
-            <a:r>
-              <a:rPr kumimoji="1" lang="en-US" altLang="ko-KR" sz="2200" b="1" i="0" u="none" strike="noStrike" kern="1200" cap="none" spc="0" normalizeH="0" noProof="0" dirty="0" smtClean="0">
-                <a:ln>
-                  <a:noFill/>
-                </a:ln>
-                <a:solidFill>
-                  <a:prstClr val="black"/>
-                </a:solidFill>
-                <a:effectLst/>
-                <a:uLnTx/>
-                <a:uFillTx/>
-                <a:latin typeface="Arial" panose="020B0604020202020204" pitchFamily="34" charset="0"/>
-                <a:ea typeface="LG Smart UI SemiBold" panose="020B0700000101010101" pitchFamily="50" charset="-127"/>
-                <a:cs typeface="Arial" panose="020B0604020202020204" pitchFamily="34" charset="0"/>
-              </a:rPr>
-              <a:t> for asynchronous operation</a:t>
-            </a:r>
-            <a:r>
-              <a:rPr kumimoji="1" lang="en-US" altLang="ko-KR" sz="1800" b="1" i="0" u="none" strike="noStrike" kern="1200" cap="none" spc="0" normalizeH="0" baseline="0" noProof="0" dirty="0">
-                <a:ln>
-                  <a:noFill/>
-                </a:ln>
-                <a:solidFill>
-                  <a:prstClr val="black"/>
-                </a:solidFill>
-                <a:effectLst/>
-                <a:uLnTx/>
-                <a:uFillTx/>
-                <a:latin typeface="Arial" panose="020B0604020202020204" pitchFamily="34" charset="0"/>
-                <a:ea typeface="LG Smart UI SemiBold" panose="020B0700000101010101" pitchFamily="50" charset="-127"/>
-                <a:cs typeface="Arial" panose="020B0604020202020204" pitchFamily="34" charset="0"/>
-              </a:rPr>
-              <a:t/>
+              <a:t>Current design</a:t>
             </a:r>
             <a:br>
               <a:rPr kumimoji="1" lang="en-US" altLang="ko-KR" sz="1800" b="1" i="0" u="none" strike="noStrike" kern="1200" cap="none" spc="0" normalizeH="0" baseline="0" noProof="0" dirty="0">
@@ -9417,7 +9662,7 @@
           <p:cNvPr id="4" name="Date Placeholder 3">
             <a:extLst>
               <a:ext uri="{FF2B5EF4-FFF2-40B4-BE49-F238E27FC236}">
-                <a16:creationId xmlns="" xmlns:a16="http://schemas.microsoft.com/office/drawing/2014/main" id="{6617FDCD-DE07-7435-B9F4-718742774A28}"/>
+                <a16:creationId xmlns:a16="http://schemas.microsoft.com/office/drawing/2014/main" id="{6617FDCD-DE07-7435-B9F4-718742774A28}"/>
               </a:ext>
             </a:extLst>
           </p:cNvPr>
@@ -9435,7 +9680,7 @@
           <a:p>
             <a:fld id="{CEDF7557-72DD-A34A-8659-6DD33C33D1E3}" type="datetime1">
               <a:rPr lang="en-US" smtClean="0"/>
-              <a:t>5/26/2025</a:t>
+              <a:t>6/3/25</a:t>
             </a:fld>
             <a:endParaRPr lang="x-none"/>
           </a:p>
@@ -9446,7 +9691,7 @@
           <p:cNvPr id="5" name="Slide Number Placeholder 4">
             <a:extLst>
               <a:ext uri="{FF2B5EF4-FFF2-40B4-BE49-F238E27FC236}">
-                <a16:creationId xmlns="" xmlns:a16="http://schemas.microsoft.com/office/drawing/2014/main" id="{DD807FC8-D3AC-AACC-7391-249496371E51}"/>
+                <a16:creationId xmlns:a16="http://schemas.microsoft.com/office/drawing/2014/main" id="{DD807FC8-D3AC-AACC-7391-249496371E51}"/>
               </a:ext>
             </a:extLst>
           </p:cNvPr>
@@ -9475,7 +9720,7 @@
           <p:cNvPr id="9" name="직사각형 2">
             <a:extLst>
               <a:ext uri="{FF2B5EF4-FFF2-40B4-BE49-F238E27FC236}">
-                <a16:creationId xmlns="" xmlns:a16="http://schemas.microsoft.com/office/drawing/2014/main" id="{73009833-FABA-3E2D-E634-C04C3932BB3F}"/>
+                <a16:creationId xmlns:a16="http://schemas.microsoft.com/office/drawing/2014/main" id="{73009833-FABA-3E2D-E634-C04C3932BB3F}"/>
               </a:ext>
             </a:extLst>
           </p:cNvPr>
@@ -9579,6 +9824,41 @@
           </a:prstGeom>
         </p:spPr>
       </p:pic>
+      <p:sp>
+        <p:nvSpPr>
+          <p:cNvPr id="3" name="TextBox 2">
+            <a:extLst>
+              <a:ext uri="{FF2B5EF4-FFF2-40B4-BE49-F238E27FC236}">
+                <a16:creationId xmlns:a16="http://schemas.microsoft.com/office/drawing/2014/main" id="{ECBFDA6F-A5F2-4778-C7F2-5CBA0453A786}"/>
+              </a:ext>
+            </a:extLst>
+          </p:cNvPr>
+          <p:cNvSpPr txBox="1"/>
+          <p:nvPr/>
+        </p:nvSpPr>
+        <p:spPr>
+          <a:xfrm>
+            <a:off x="497183" y="439548"/>
+            <a:ext cx="3425233" cy="369332"/>
+          </a:xfrm>
+          <a:prstGeom prst="rect">
+            <a:avLst/>
+          </a:prstGeom>
+          <a:noFill/>
+        </p:spPr>
+        <p:txBody>
+          <a:bodyPr wrap="none" rtlCol="0">
+            <a:spAutoFit/>
+          </a:bodyPr>
+          <a:lstStyle/>
+          <a:p>
+            <a:r>
+              <a:rPr lang="en-VN" dirty="0"/>
+              <a:t>- How Async operation is handled?</a:t>
+            </a:r>
+          </a:p>
+        </p:txBody>
+      </p:sp>
     </p:spTree>
     <p:extLst>
       <p:ext uri="{BB962C8B-B14F-4D97-AF65-F5344CB8AC3E}">
@@ -9614,7 +9894,7 @@
           <p:cNvPr id="2" name="Title 1">
             <a:extLst>
               <a:ext uri="{FF2B5EF4-FFF2-40B4-BE49-F238E27FC236}">
-                <a16:creationId xmlns="" xmlns:a16="http://schemas.microsoft.com/office/drawing/2014/main" id="{1A51E9F9-BEBD-577F-34FA-ADB154D292CA}"/>
+                <a16:creationId xmlns:a16="http://schemas.microsoft.com/office/drawing/2014/main" id="{1A51E9F9-BEBD-577F-34FA-ADB154D292CA}"/>
               </a:ext>
             </a:extLst>
           </p:cNvPr>
@@ -9652,75 +9932,7 @@
                 <a:ea typeface="LG Smart UI SemiBold" panose="020B0700000101010101" pitchFamily="50" charset="-127"/>
                 <a:cs typeface="Arial" panose="020B0604020202020204" pitchFamily="34" charset="0"/>
               </a:rPr>
-              <a:t>2</a:t>
-            </a:r>
-            <a:r>
-              <a:rPr kumimoji="1" lang="en-US" altLang="ko-KR" sz="2200" b="1" i="0" u="none" strike="noStrike" kern="1200" cap="none" spc="0" normalizeH="0" baseline="0" noProof="0" dirty="0" smtClean="0">
-                <a:ln>
-                  <a:noFill/>
-                </a:ln>
-                <a:solidFill>
-                  <a:prstClr val="black"/>
-                </a:solidFill>
-                <a:effectLst/>
-                <a:uLnTx/>
-                <a:uFillTx/>
-                <a:latin typeface="Arial" panose="020B0604020202020204" pitchFamily="34" charset="0"/>
-                <a:ea typeface="LG Smart UI SemiBold" panose="020B0700000101010101" pitchFamily="50" charset="-127"/>
-                <a:cs typeface="Arial" panose="020B0604020202020204" pitchFamily="34" charset="0"/>
-              </a:rPr>
-              <a:t>. </a:t>
-            </a:r>
-            <a:r>
-              <a:rPr kumimoji="1" lang="en-US" altLang="ko-KR" sz="2200" b="1" i="0" u="none" strike="noStrike" kern="1200" cap="none" spc="0" normalizeH="0" baseline="0" noProof="0" dirty="0" smtClean="0">
-                <a:ln>
-                  <a:noFill/>
-                </a:ln>
-                <a:solidFill>
-                  <a:prstClr val="black"/>
-                </a:solidFill>
-                <a:effectLst/>
-                <a:uLnTx/>
-                <a:uFillTx/>
-                <a:latin typeface="Arial" panose="020B0604020202020204" pitchFamily="34" charset="0"/>
-                <a:ea typeface="LG Smart UI SemiBold" panose="020B0700000101010101" pitchFamily="50" charset="-127"/>
-                <a:cs typeface="Arial" panose="020B0604020202020204" pitchFamily="34" charset="0"/>
-              </a:rPr>
-              <a:t>Current design</a:t>
-            </a:r>
-            <a:r>
-              <a:rPr kumimoji="1" lang="en-US" altLang="ko-KR" sz="2200" b="1" i="0" u="none" strike="noStrike" kern="1200" cap="none" spc="0" normalizeH="0" noProof="0" dirty="0" smtClean="0">
-                <a:ln>
-                  <a:noFill/>
-                </a:ln>
-                <a:solidFill>
-                  <a:prstClr val="black"/>
-                </a:solidFill>
-                <a:effectLst/>
-                <a:uLnTx/>
-                <a:uFillTx/>
-                <a:latin typeface="Arial" panose="020B0604020202020204" pitchFamily="34" charset="0"/>
-                <a:ea typeface="LG Smart UI SemiBold" panose="020B0700000101010101" pitchFamily="50" charset="-127"/>
-                <a:cs typeface="Arial" panose="020B0604020202020204" pitchFamily="34" charset="0"/>
-              </a:rPr>
-              <a:t> for asynchronous operation</a:t>
-            </a:r>
-            <a:r>
-              <a:rPr kumimoji="1" lang="en-US" altLang="ko-KR" sz="1800" b="1" i="0" u="none" strike="noStrike" kern="1200" cap="none" spc="0" normalizeH="0" baseline="0" noProof="0" dirty="0">
-                <a:ln>
-                  <a:noFill/>
-                </a:ln>
-                <a:solidFill>
-                  <a:prstClr val="black"/>
-                </a:solidFill>
-                <a:effectLst/>
-                <a:uLnTx/>
-                <a:uFillTx/>
-                <a:latin typeface="Arial" panose="020B0604020202020204" pitchFamily="34" charset="0"/>
-                <a:ea typeface="LG Smart UI SemiBold" panose="020B0700000101010101" pitchFamily="50" charset="-127"/>
-                <a:cs typeface="Arial" panose="020B0604020202020204" pitchFamily="34" charset="0"/>
-              </a:rPr>
-              <a:t/>
+              <a:t>2. Current design</a:t>
             </a:r>
             <a:br>
               <a:rPr kumimoji="1" lang="en-US" altLang="ko-KR" sz="1800" b="1" i="0" u="none" strike="noStrike" kern="1200" cap="none" spc="0" normalizeH="0" baseline="0" noProof="0" dirty="0">
@@ -9750,7 +9962,7 @@
           <p:cNvPr id="4" name="Date Placeholder 3">
             <a:extLst>
               <a:ext uri="{FF2B5EF4-FFF2-40B4-BE49-F238E27FC236}">
-                <a16:creationId xmlns="" xmlns:a16="http://schemas.microsoft.com/office/drawing/2014/main" id="{6617FDCD-DE07-7435-B9F4-718742774A28}"/>
+                <a16:creationId xmlns:a16="http://schemas.microsoft.com/office/drawing/2014/main" id="{6617FDCD-DE07-7435-B9F4-718742774A28}"/>
               </a:ext>
             </a:extLst>
           </p:cNvPr>
@@ -9768,7 +9980,7 @@
           <a:p>
             <a:fld id="{CEDF7557-72DD-A34A-8659-6DD33C33D1E3}" type="datetime1">
               <a:rPr lang="en-US" smtClean="0"/>
-              <a:t>5/26/2025</a:t>
+              <a:t>6/3/25</a:t>
             </a:fld>
             <a:endParaRPr lang="x-none"/>
           </a:p>
@@ -9779,7 +9991,7 @@
           <p:cNvPr id="5" name="Slide Number Placeholder 4">
             <a:extLst>
               <a:ext uri="{FF2B5EF4-FFF2-40B4-BE49-F238E27FC236}">
-                <a16:creationId xmlns="" xmlns:a16="http://schemas.microsoft.com/office/drawing/2014/main" id="{DD807FC8-D3AC-AACC-7391-249496371E51}"/>
+                <a16:creationId xmlns:a16="http://schemas.microsoft.com/office/drawing/2014/main" id="{DD807FC8-D3AC-AACC-7391-249496371E51}"/>
               </a:ext>
             </a:extLst>
           </p:cNvPr>
@@ -9808,7 +10020,7 @@
           <p:cNvPr id="9" name="직사각형 2">
             <a:extLst>
               <a:ext uri="{FF2B5EF4-FFF2-40B4-BE49-F238E27FC236}">
-                <a16:creationId xmlns="" xmlns:a16="http://schemas.microsoft.com/office/drawing/2014/main" id="{73009833-FABA-3E2D-E634-C04C3932BB3F}"/>
+                <a16:creationId xmlns:a16="http://schemas.microsoft.com/office/drawing/2014/main" id="{73009833-FABA-3E2D-E634-C04C3932BB3F}"/>
               </a:ext>
             </a:extLst>
           </p:cNvPr>
@@ -9923,7 +10135,7 @@
           <p:cNvPr id="2" name="Title 1">
             <a:extLst>
               <a:ext uri="{FF2B5EF4-FFF2-40B4-BE49-F238E27FC236}">
-                <a16:creationId xmlns="" xmlns:a16="http://schemas.microsoft.com/office/drawing/2014/main" id="{1A51E9F9-BEBD-577F-34FA-ADB154D292CA}"/>
+                <a16:creationId xmlns:a16="http://schemas.microsoft.com/office/drawing/2014/main" id="{1A51E9F9-BEBD-577F-34FA-ADB154D292CA}"/>
               </a:ext>
             </a:extLst>
           </p:cNvPr>
@@ -9961,109 +10173,7 @@
                 <a:ea typeface="LG Smart UI SemiBold" panose="020B0700000101010101" pitchFamily="50" charset="-127"/>
                 <a:cs typeface="Arial" panose="020B0604020202020204" pitchFamily="34" charset="0"/>
               </a:rPr>
-              <a:t>2</a:t>
-            </a:r>
-            <a:r>
-              <a:rPr kumimoji="1" lang="en-US" altLang="ko-KR" sz="2200" b="1" i="0" u="none" strike="noStrike" kern="1200" cap="none" spc="0" normalizeH="0" baseline="0" noProof="0" dirty="0" smtClean="0">
-                <a:ln>
-                  <a:noFill/>
-                </a:ln>
-                <a:solidFill>
-                  <a:prstClr val="black"/>
-                </a:solidFill>
-                <a:effectLst/>
-                <a:uLnTx/>
-                <a:uFillTx/>
-                <a:latin typeface="Arial" panose="020B0604020202020204" pitchFamily="34" charset="0"/>
-                <a:ea typeface="LG Smart UI SemiBold" panose="020B0700000101010101" pitchFamily="50" charset="-127"/>
-                <a:cs typeface="Arial" panose="020B0604020202020204" pitchFamily="34" charset="0"/>
-              </a:rPr>
-              <a:t>. </a:t>
-            </a:r>
-            <a:r>
-              <a:rPr kumimoji="1" lang="en-US" altLang="ko-KR" sz="2200" b="1" i="0" u="none" strike="noStrike" kern="1200" cap="none" spc="0" normalizeH="0" baseline="0" noProof="0" dirty="0" smtClean="0">
-                <a:ln>
-                  <a:noFill/>
-                </a:ln>
-                <a:solidFill>
-                  <a:prstClr val="black"/>
-                </a:solidFill>
-                <a:effectLst/>
-                <a:uLnTx/>
-                <a:uFillTx/>
-                <a:latin typeface="Arial" panose="020B0604020202020204" pitchFamily="34" charset="0"/>
-                <a:ea typeface="LG Smart UI SemiBold" panose="020B0700000101010101" pitchFamily="50" charset="-127"/>
-                <a:cs typeface="Arial" panose="020B0604020202020204" pitchFamily="34" charset="0"/>
-              </a:rPr>
-              <a:t>Current design</a:t>
-            </a:r>
-            <a:r>
-              <a:rPr kumimoji="1" lang="en-US" altLang="ko-KR" sz="2200" b="1" i="0" u="none" strike="noStrike" kern="1200" cap="none" spc="0" normalizeH="0" noProof="0" dirty="0" smtClean="0">
-                <a:ln>
-                  <a:noFill/>
-                </a:ln>
-                <a:solidFill>
-                  <a:prstClr val="black"/>
-                </a:solidFill>
-                <a:effectLst/>
-                <a:uLnTx/>
-                <a:uFillTx/>
-                <a:latin typeface="Arial" panose="020B0604020202020204" pitchFamily="34" charset="0"/>
-                <a:ea typeface="LG Smart UI SemiBold" panose="020B0700000101010101" pitchFamily="50" charset="-127"/>
-                <a:cs typeface="Arial" panose="020B0604020202020204" pitchFamily="34" charset="0"/>
-              </a:rPr>
-              <a:t> </a:t>
-            </a:r>
-            <a:r>
-              <a:rPr kumimoji="1" lang="en-US" altLang="ko-KR" sz="2200" b="1" i="0" u="none" strike="noStrike" kern="1200" cap="none" spc="0" normalizeH="0" noProof="0" dirty="0" smtClean="0">
-                <a:ln>
-                  <a:noFill/>
-                </a:ln>
-                <a:solidFill>
-                  <a:prstClr val="black"/>
-                </a:solidFill>
-                <a:effectLst/>
-                <a:uLnTx/>
-                <a:uFillTx/>
-                <a:latin typeface="Arial" panose="020B0604020202020204" pitchFamily="34" charset="0"/>
-                <a:ea typeface="LG Smart UI SemiBold" panose="020B0700000101010101" pitchFamily="50" charset="-127"/>
-                <a:cs typeface="Arial" panose="020B0604020202020204" pitchFamily="34" charset="0"/>
-              </a:rPr>
-              <a:t>for asynchronous </a:t>
-            </a:r>
-            <a:r>
-              <a:rPr kumimoji="1" lang="en-US" altLang="ko-KR" sz="2200" b="1" i="0" u="none" strike="noStrike" kern="1200" cap="none" spc="0" normalizeH="0" noProof="0" dirty="0" smtClean="0">
-                <a:ln>
-                  <a:noFill/>
-                </a:ln>
-                <a:solidFill>
-                  <a:prstClr val="black"/>
-                </a:solidFill>
-                <a:effectLst/>
-                <a:uLnTx/>
-                <a:uFillTx/>
-                <a:latin typeface="Arial" panose="020B0604020202020204" pitchFamily="34" charset="0"/>
-                <a:ea typeface="LG Smart UI SemiBold" panose="020B0700000101010101" pitchFamily="50" charset="-127"/>
-                <a:cs typeface="Arial" panose="020B0604020202020204" pitchFamily="34" charset="0"/>
-              </a:rPr>
-              <a:t>operation</a:t>
-            </a:r>
-            <a:r>
-              <a:rPr kumimoji="1" lang="en-US" altLang="ko-KR" sz="1800" b="1" i="0" u="none" strike="noStrike" kern="1200" cap="none" spc="0" normalizeH="0" baseline="0" noProof="0" dirty="0">
-                <a:ln>
-                  <a:noFill/>
-                </a:ln>
-                <a:solidFill>
-                  <a:prstClr val="black"/>
-                </a:solidFill>
-                <a:effectLst/>
-                <a:uLnTx/>
-                <a:uFillTx/>
-                <a:latin typeface="Arial" panose="020B0604020202020204" pitchFamily="34" charset="0"/>
-                <a:ea typeface="LG Smart UI SemiBold" panose="020B0700000101010101" pitchFamily="50" charset="-127"/>
-                <a:cs typeface="Arial" panose="020B0604020202020204" pitchFamily="34" charset="0"/>
-              </a:rPr>
-              <a:t/>
+              <a:t>2. Current design</a:t>
             </a:r>
             <a:br>
               <a:rPr kumimoji="1" lang="en-US" altLang="ko-KR" sz="1800" b="1" i="0" u="none" strike="noStrike" kern="1200" cap="none" spc="0" normalizeH="0" baseline="0" noProof="0" dirty="0">
@@ -10093,7 +10203,7 @@
           <p:cNvPr id="4" name="Date Placeholder 3">
             <a:extLst>
               <a:ext uri="{FF2B5EF4-FFF2-40B4-BE49-F238E27FC236}">
-                <a16:creationId xmlns="" xmlns:a16="http://schemas.microsoft.com/office/drawing/2014/main" id="{6617FDCD-DE07-7435-B9F4-718742774A28}"/>
+                <a16:creationId xmlns:a16="http://schemas.microsoft.com/office/drawing/2014/main" id="{6617FDCD-DE07-7435-B9F4-718742774A28}"/>
               </a:ext>
             </a:extLst>
           </p:cNvPr>
@@ -10111,7 +10221,7 @@
           <a:p>
             <a:fld id="{CEDF7557-72DD-A34A-8659-6DD33C33D1E3}" type="datetime1">
               <a:rPr lang="en-US" smtClean="0"/>
-              <a:t>5/26/2025</a:t>
+              <a:t>6/3/25</a:t>
             </a:fld>
             <a:endParaRPr lang="x-none"/>
           </a:p>
@@ -10122,7 +10232,7 @@
           <p:cNvPr id="5" name="Slide Number Placeholder 4">
             <a:extLst>
               <a:ext uri="{FF2B5EF4-FFF2-40B4-BE49-F238E27FC236}">
-                <a16:creationId xmlns="" xmlns:a16="http://schemas.microsoft.com/office/drawing/2014/main" id="{DD807FC8-D3AC-AACC-7391-249496371E51}"/>
+                <a16:creationId xmlns:a16="http://schemas.microsoft.com/office/drawing/2014/main" id="{DD807FC8-D3AC-AACC-7391-249496371E51}"/>
               </a:ext>
             </a:extLst>
           </p:cNvPr>
@@ -10151,7 +10261,7 @@
           <p:cNvPr id="9" name="직사각형 2">
             <a:extLst>
               <a:ext uri="{FF2B5EF4-FFF2-40B4-BE49-F238E27FC236}">
-                <a16:creationId xmlns="" xmlns:a16="http://schemas.microsoft.com/office/drawing/2014/main" id="{73009833-FABA-3E2D-E634-C04C3932BB3F}"/>
+                <a16:creationId xmlns:a16="http://schemas.microsoft.com/office/drawing/2014/main" id="{73009833-FABA-3E2D-E634-C04C3932BB3F}"/>
               </a:ext>
             </a:extLst>
           </p:cNvPr>
@@ -10266,7 +10376,7 @@
           <p:cNvPr id="2" name="Title 1">
             <a:extLst>
               <a:ext uri="{FF2B5EF4-FFF2-40B4-BE49-F238E27FC236}">
-                <a16:creationId xmlns="" xmlns:a16="http://schemas.microsoft.com/office/drawing/2014/main" id="{1A51E9F9-BEBD-577F-34FA-ADB154D292CA}"/>
+                <a16:creationId xmlns:a16="http://schemas.microsoft.com/office/drawing/2014/main" id="{1A51E9F9-BEBD-577F-34FA-ADB154D292CA}"/>
               </a:ext>
             </a:extLst>
           </p:cNvPr>
@@ -10289,6 +10399,17 @@
           </a:bodyPr>
           <a:lstStyle/>
           <a:p>
+            <a:r>
+              <a:rPr kumimoji="1" lang="en-US" altLang="ko-KR" sz="2200" b="1" dirty="0">
+                <a:solidFill>
+                  <a:prstClr val="black"/>
+                </a:solidFill>
+                <a:latin typeface="Arial" panose="020B0604020202020204" pitchFamily="34" charset="0"/>
+                <a:ea typeface="LG Smart UI SemiBold" panose="020B0700000101010101" pitchFamily="50" charset="-127"/>
+                <a:cs typeface="Arial" panose="020B0604020202020204" pitchFamily="34" charset="0"/>
+              </a:rPr>
+              <a:t>3</a:t>
+            </a:r>
             <a:r>
               <a:rPr kumimoji="1" lang="en-US" altLang="ko-KR" sz="2200" b="1" i="0" u="none" strike="noStrike" kern="1200" cap="none" spc="0" normalizeH="0" baseline="0" noProof="0" dirty="0">
                 <a:ln>
@@ -10304,58 +10425,7 @@
                 <a:ea typeface="LG Smart UI SemiBold" panose="020B0700000101010101" pitchFamily="50" charset="-127"/>
                 <a:cs typeface="Arial" panose="020B0604020202020204" pitchFamily="34" charset="0"/>
               </a:rPr>
-              <a:t>2</a:t>
-            </a:r>
-            <a:r>
-              <a:rPr kumimoji="1" lang="en-US" altLang="ko-KR" sz="2200" b="1" i="0" u="none" strike="noStrike" kern="1200" cap="none" spc="0" normalizeH="0" baseline="0" noProof="0" dirty="0" smtClean="0">
-                <a:ln>
-                  <a:noFill/>
-                </a:ln>
-                <a:solidFill>
-                  <a:prstClr val="black"/>
-                </a:solidFill>
-                <a:effectLst/>
-                <a:uLnTx/>
-                <a:uFillTx/>
-                <a:latin typeface="Arial" panose="020B0604020202020204" pitchFamily="34" charset="0"/>
-                <a:ea typeface="LG Smart UI SemiBold" panose="020B0700000101010101" pitchFamily="50" charset="-127"/>
-                <a:cs typeface="Arial" panose="020B0604020202020204" pitchFamily="34" charset="0"/>
-              </a:rPr>
-              <a:t>. </a:t>
-            </a:r>
-            <a:r>
-              <a:rPr kumimoji="1" lang="en-US" altLang="ko-KR" sz="2200" b="1" i="0" u="none" strike="noStrike" kern="1200" cap="none" spc="0" normalizeH="0" baseline="0" noProof="0" dirty="0" smtClean="0">
-                <a:ln>
-                  <a:noFill/>
-                </a:ln>
-                <a:solidFill>
-                  <a:prstClr val="black"/>
-                </a:solidFill>
-                <a:effectLst/>
-                <a:uLnTx/>
-                <a:uFillTx/>
-                <a:latin typeface="Arial" panose="020B0604020202020204" pitchFamily="34" charset="0"/>
-                <a:ea typeface="LG Smart UI SemiBold" panose="020B0700000101010101" pitchFamily="50" charset="-127"/>
-                <a:cs typeface="Arial" panose="020B0604020202020204" pitchFamily="34" charset="0"/>
-              </a:rPr>
-              <a:t>Problem of current </a:t>
-            </a:r>
-            <a:r>
-              <a:rPr kumimoji="1" lang="en-US" altLang="ko-KR" sz="2200" b="1" i="0" u="none" strike="noStrike" kern="1200" cap="none" spc="0" normalizeH="0" baseline="0" noProof="0" dirty="0" smtClean="0">
-                <a:ln>
-                  <a:noFill/>
-                </a:ln>
-                <a:solidFill>
-                  <a:prstClr val="black"/>
-                </a:solidFill>
-                <a:effectLst/>
-                <a:uLnTx/>
-                <a:uFillTx/>
-                <a:latin typeface="Arial" panose="020B0604020202020204" pitchFamily="34" charset="0"/>
-                <a:ea typeface="LG Smart UI SemiBold" panose="020B0700000101010101" pitchFamily="50" charset="-127"/>
-                <a:cs typeface="Arial" panose="020B0604020202020204" pitchFamily="34" charset="0"/>
-              </a:rPr>
-              <a:t>design</a:t>
+              <a:t>. Problem of current design</a:t>
             </a:r>
             <a:endParaRPr lang="x-none" sz="1800" dirty="0">
               <a:latin typeface="Arial" panose="020B0604020202020204" pitchFamily="34" charset="0"/>
@@ -10369,7 +10439,7 @@
           <p:cNvPr id="4" name="Date Placeholder 3">
             <a:extLst>
               <a:ext uri="{FF2B5EF4-FFF2-40B4-BE49-F238E27FC236}">
-                <a16:creationId xmlns="" xmlns:a16="http://schemas.microsoft.com/office/drawing/2014/main" id="{6617FDCD-DE07-7435-B9F4-718742774A28}"/>
+                <a16:creationId xmlns:a16="http://schemas.microsoft.com/office/drawing/2014/main" id="{6617FDCD-DE07-7435-B9F4-718742774A28}"/>
               </a:ext>
             </a:extLst>
           </p:cNvPr>
@@ -10387,7 +10457,7 @@
           <a:p>
             <a:fld id="{CEDF7557-72DD-A34A-8659-6DD33C33D1E3}" type="datetime1">
               <a:rPr lang="en-US" smtClean="0"/>
-              <a:t>5/26/2025</a:t>
+              <a:t>6/3/25</a:t>
             </a:fld>
             <a:endParaRPr lang="x-none"/>
           </a:p>
@@ -10398,7 +10468,7 @@
           <p:cNvPr id="5" name="Slide Number Placeholder 4">
             <a:extLst>
               <a:ext uri="{FF2B5EF4-FFF2-40B4-BE49-F238E27FC236}">
-                <a16:creationId xmlns="" xmlns:a16="http://schemas.microsoft.com/office/drawing/2014/main" id="{DD807FC8-D3AC-AACC-7391-249496371E51}"/>
+                <a16:creationId xmlns:a16="http://schemas.microsoft.com/office/drawing/2014/main" id="{DD807FC8-D3AC-AACC-7391-249496371E51}"/>
               </a:ext>
             </a:extLst>
           </p:cNvPr>
@@ -10427,7 +10497,7 @@
           <p:cNvPr id="9" name="직사각형 2">
             <a:extLst>
               <a:ext uri="{FF2B5EF4-FFF2-40B4-BE49-F238E27FC236}">
-                <a16:creationId xmlns="" xmlns:a16="http://schemas.microsoft.com/office/drawing/2014/main" id="{73009833-FABA-3E2D-E634-C04C3932BB3F}"/>
+                <a16:creationId xmlns:a16="http://schemas.microsoft.com/office/drawing/2014/main" id="{73009833-FABA-3E2D-E634-C04C3932BB3F}"/>
               </a:ext>
             </a:extLst>
           </p:cNvPr>
@@ -10488,7 +10558,7 @@
           <p:cNvPr id="8" name="텍스트 개체 틀 3">
             <a:extLst>
               <a:ext uri="{FF2B5EF4-FFF2-40B4-BE49-F238E27FC236}">
-                <a16:creationId xmlns="" xmlns:a16="http://schemas.microsoft.com/office/drawing/2014/main" id="{3D5EA90C-B7C2-6192-8E76-268D2FC73076}"/>
+                <a16:creationId xmlns:a16="http://schemas.microsoft.com/office/drawing/2014/main" id="{3D5EA90C-B7C2-6192-8E76-268D2FC73076}"/>
               </a:ext>
             </a:extLst>
           </p:cNvPr>
@@ -10552,20 +10622,12 @@
               <a:defRPr/>
             </a:pPr>
             <a:r>
-              <a:rPr lang="en-US" sz="1800" b="0" dirty="0" smtClean="0">
+              <a:rPr lang="en-US" sz="1800" b="0" dirty="0">
                 <a:latin typeface="Arial" panose="020B0604020202020204" pitchFamily="34" charset="0"/>
                 <a:ea typeface="LG Smart UI SemiBold" panose="020B0700000101010101" pitchFamily="50" charset="-127"/>
                 <a:cs typeface="Arial" panose="020B0604020202020204" pitchFamily="34" charset="0"/>
               </a:rPr>
-              <a:t>Only support message-based asynchronous </a:t>
-            </a:r>
-            <a:r>
-              <a:rPr lang="en-US" sz="1800" b="0" dirty="0" smtClean="0">
-                <a:latin typeface="Arial" panose="020B0604020202020204" pitchFamily="34" charset="0"/>
-                <a:ea typeface="LG Smart UI SemiBold" panose="020B0700000101010101" pitchFamily="50" charset="-127"/>
-                <a:cs typeface="Arial" panose="020B0604020202020204" pitchFamily="34" charset="0"/>
-              </a:rPr>
-              <a:t>operation</a:t>
+              <a:t>Only support message-based asynchronous operation</a:t>
             </a:r>
           </a:p>
           <a:p>
@@ -10581,34 +10643,13 @@
               <a:defRPr/>
             </a:pPr>
             <a:r>
-              <a:rPr lang="en-US" sz="1600" dirty="0" smtClean="0">
-                <a:latin typeface="Arial" panose="020B0604020202020204" pitchFamily="34" charset="0"/>
-                <a:ea typeface="LG Smart UI SemiBold" panose="020B0700000101010101" pitchFamily="50" charset="-127"/>
-                <a:cs typeface="Arial" panose="020B0604020202020204" pitchFamily="34" charset="0"/>
-              </a:rPr>
-              <a:t>Lack </a:t>
-            </a:r>
-            <a:r>
               <a:rPr lang="en-US" sz="1600" dirty="0">
                 <a:latin typeface="Arial" panose="020B0604020202020204" pitchFamily="34" charset="0"/>
                 <a:ea typeface="LG Smart UI SemiBold" panose="020B0700000101010101" pitchFamily="50" charset="-127"/>
                 <a:cs typeface="Arial" panose="020B0604020202020204" pitchFamily="34" charset="0"/>
               </a:rPr>
-              <a:t>support for function-based type (callable </a:t>
-            </a:r>
-            <a:r>
-              <a:rPr lang="en-US" sz="1600" dirty="0" smtClean="0">
-                <a:latin typeface="Arial" panose="020B0604020202020204" pitchFamily="34" charset="0"/>
-                <a:ea typeface="LG Smart UI SemiBold" panose="020B0700000101010101" pitchFamily="50" charset="-127"/>
-                <a:cs typeface="Arial" panose="020B0604020202020204" pitchFamily="34" charset="0"/>
-              </a:rPr>
-              <a:t>objects)</a:t>
-            </a:r>
-            <a:endParaRPr lang="en-US" sz="1600" dirty="0" smtClean="0">
-              <a:latin typeface="Arial" panose="020B0604020202020204" pitchFamily="34" charset="0"/>
-              <a:ea typeface="LG Smart UI SemiBold" panose="020B0700000101010101" pitchFamily="50" charset="-127"/>
-              <a:cs typeface="Arial" panose="020B0604020202020204" pitchFamily="34" charset="0"/>
-            </a:endParaRPr>
+              <a:t>Lack support for function-based type (callable objects)</a:t>
+            </a:r>
           </a:p>
           <a:p>
             <a:pPr lvl="0">
@@ -10623,20 +10664,12 @@
               <a:defRPr/>
             </a:pPr>
             <a:r>
-              <a:rPr lang="en-US" sz="1800" b="0" dirty="0" smtClean="0">
+              <a:rPr lang="en-US" sz="1800" b="0" dirty="0">
                 <a:latin typeface="Arial" panose="020B0604020202020204" pitchFamily="34" charset="0"/>
                 <a:ea typeface="LG Smart UI SemiBold" panose="020B0700000101010101" pitchFamily="50" charset="-127"/>
                 <a:cs typeface="Arial" panose="020B0604020202020204" pitchFamily="34" charset="0"/>
               </a:rPr>
-              <a:t>Using </a:t>
-            </a:r>
-            <a:r>
-              <a:rPr lang="en-US" sz="1800" b="0" dirty="0" smtClean="0">
-                <a:latin typeface="Arial" panose="020B0604020202020204" pitchFamily="34" charset="0"/>
-                <a:ea typeface="LG Smart UI SemiBold" panose="020B0700000101010101" pitchFamily="50" charset="-127"/>
-                <a:cs typeface="Arial" panose="020B0604020202020204" pitchFamily="34" charset="0"/>
-              </a:rPr>
-              <a:t>Tiger library is complex for user application</a:t>
+              <a:t>Using current async operation in Tiger library is complex</a:t>
             </a:r>
           </a:p>
           <a:p>
@@ -10652,7 +10685,7 @@
               <a:defRPr/>
             </a:pPr>
             <a:r>
-              <a:rPr lang="en-US" sz="1600" dirty="0" smtClean="0">
+              <a:rPr lang="en-US" sz="1600" dirty="0">
                 <a:latin typeface="Arial" panose="020B0604020202020204" pitchFamily="34" charset="0"/>
                 <a:ea typeface="LG Smart UI SemiBold" panose="020B0700000101010101" pitchFamily="50" charset="-127"/>
                 <a:cs typeface="Arial" panose="020B0604020202020204" pitchFamily="34" charset="0"/>
@@ -10673,7 +10706,7 @@
               <a:defRPr/>
             </a:pPr>
             <a:r>
-              <a:rPr lang="en-US" sz="1600" b="0" dirty="0" smtClean="0">
+              <a:rPr lang="en-US" sz="1600" b="0" dirty="0">
                 <a:latin typeface="Arial" panose="020B0604020202020204" pitchFamily="34" charset="0"/>
                 <a:ea typeface="LG Smart UI SemiBold" panose="020B0700000101010101" pitchFamily="50" charset="-127"/>
                 <a:cs typeface="Arial" panose="020B0604020202020204" pitchFamily="34" charset="0"/>
@@ -10694,26 +10727,13 @@
               <a:defRPr/>
             </a:pPr>
             <a:r>
-              <a:rPr lang="en-US" sz="1800" b="0" dirty="0" smtClean="0">
+              <a:rPr lang="en-US" sz="1800" b="0" dirty="0">
                 <a:latin typeface="Arial" panose="020B0604020202020204" pitchFamily="34" charset="0"/>
                 <a:ea typeface="LG Smart UI SemiBold" panose="020B0700000101010101" pitchFamily="50" charset="-127"/>
                 <a:cs typeface="Arial" panose="020B0604020202020204" pitchFamily="34" charset="0"/>
               </a:rPr>
-              <a:t>Tiger library doesn’t detect CPU-bound </a:t>
-            </a:r>
-            <a:r>
-              <a:rPr lang="en-US" sz="1800" b="0" dirty="0" smtClean="0">
-                <a:latin typeface="Arial" panose="020B0604020202020204" pitchFamily="34" charset="0"/>
-                <a:ea typeface="LG Smart UI SemiBold" panose="020B0700000101010101" pitchFamily="50" charset="-127"/>
-                <a:cs typeface="Arial" panose="020B0604020202020204" pitchFamily="34" charset="0"/>
-              </a:rPr>
-              <a:t>task efficiently</a:t>
-            </a:r>
-            <a:endParaRPr lang="en-US" sz="1800" b="0" dirty="0" smtClean="0">
-              <a:latin typeface="Arial" panose="020B0604020202020204" pitchFamily="34" charset="0"/>
-              <a:ea typeface="LG Smart UI SemiBold" panose="020B0700000101010101" pitchFamily="50" charset="-127"/>
-              <a:cs typeface="Arial" panose="020B0604020202020204" pitchFamily="34" charset="0"/>
-            </a:endParaRPr>
+              <a:t>Tiger library doesn’t detect CPU-bound task efficiently</a:t>
+            </a:r>
           </a:p>
           <a:p>
             <a:pPr marL="800100" lvl="1" indent="-342900">
@@ -10749,20 +10769,12 @@
               <a:defRPr/>
             </a:pPr>
             <a:r>
-              <a:rPr lang="en-US" sz="1800" b="0" dirty="0" smtClean="0">
+              <a:rPr lang="en-US" sz="1800" b="0" dirty="0">
                 <a:latin typeface="Arial" panose="020B0604020202020204" pitchFamily="34" charset="0"/>
                 <a:ea typeface="LG Smart UI SemiBold" panose="020B0700000101010101" pitchFamily="50" charset="-127"/>
                 <a:cs typeface="Arial" panose="020B0604020202020204" pitchFamily="34" charset="0"/>
               </a:rPr>
-              <a:t>Timer mechanism on Tiger library is based on Linux </a:t>
-            </a:r>
-            <a:r>
-              <a:rPr lang="en-US" sz="1800" b="0" dirty="0" smtClean="0">
-                <a:latin typeface="Arial" panose="020B0604020202020204" pitchFamily="34" charset="0"/>
-                <a:ea typeface="LG Smart UI SemiBold" panose="020B0700000101010101" pitchFamily="50" charset="-127"/>
-                <a:cs typeface="Arial" panose="020B0604020202020204" pitchFamily="34" charset="0"/>
-              </a:rPr>
-              <a:t>Thread</a:t>
+              <a:t>Timer mechanism on Tiger library is based on Linux Thread</a:t>
             </a:r>
           </a:p>
           <a:p>
@@ -10783,17 +10795,9 @@
                 <a:ea typeface="LG Smart UI SemiBold" panose="020B0700000101010101" pitchFamily="50" charset="-127"/>
                 <a:cs typeface="Arial" panose="020B0604020202020204" pitchFamily="34" charset="0"/>
               </a:rPr>
-              <a:t>Lead to exhausts system </a:t>
-            </a:r>
-            <a:r>
-              <a:rPr lang="en-US" sz="1600" dirty="0" smtClean="0">
-                <a:latin typeface="Arial" panose="020B0604020202020204" pitchFamily="34" charset="0"/>
-                <a:ea typeface="LG Smart UI SemiBold" panose="020B0700000101010101" pitchFamily="50" charset="-127"/>
-                <a:cs typeface="Arial" panose="020B0604020202020204" pitchFamily="34" charset="0"/>
-              </a:rPr>
-              <a:t>resources</a:t>
-            </a:r>
-            <a:endParaRPr lang="en-US" sz="2400" b="0" dirty="0" smtClean="0">
+              <a:t>Lead to exhausts system resources because of creating each new thread for new timer</a:t>
+            </a:r>
+            <a:endParaRPr lang="en-US" sz="2400" b="0" dirty="0">
               <a:latin typeface="Arial" panose="020B0604020202020204" pitchFamily="34" charset="0"/>
               <a:ea typeface="LG Smart UI SemiBold" panose="020B0700000101010101" pitchFamily="50" charset="-127"/>
               <a:cs typeface="Arial" panose="020B0604020202020204" pitchFamily="34" charset="0"/>
@@ -10812,7 +10816,7 @@
               <a:defRPr/>
             </a:pPr>
             <a:r>
-              <a:rPr lang="en-US" sz="1800" b="0" dirty="0" smtClean="0">
+              <a:rPr lang="en-US" sz="1800" b="0" dirty="0">
                 <a:latin typeface="Arial" panose="020B0604020202020204" pitchFamily="34" charset="0"/>
                 <a:ea typeface="LG Smart UI SemiBold" panose="020B0700000101010101" pitchFamily="50" charset="-127"/>
                 <a:cs typeface="Arial" panose="020B0604020202020204" pitchFamily="34" charset="0"/>
@@ -10832,7 +10836,7 @@
               <a:buChar char="Ø"/>
               <a:defRPr/>
             </a:pPr>
-            <a:endParaRPr lang="en-US" sz="1800" b="0" dirty="0" smtClean="0">
+            <a:endParaRPr lang="en-US" sz="1800" b="0" dirty="0">
               <a:latin typeface="Arial" panose="020B0604020202020204" pitchFamily="34" charset="0"/>
               <a:ea typeface="LG Smart UI SemiBold" panose="020B0700000101010101" pitchFamily="50" charset="-127"/>
               <a:cs typeface="Arial" panose="020B0604020202020204" pitchFamily="34" charset="0"/>
@@ -10850,7 +10854,7 @@
               <a:buChar char="Ø"/>
               <a:defRPr/>
             </a:pPr>
-            <a:endParaRPr lang="en-US" sz="1400" b="0" dirty="0" smtClean="0">
+            <a:endParaRPr lang="en-US" sz="1400" b="0" dirty="0">
               <a:solidFill>
                 <a:srgbClr val="FF0000"/>
               </a:solidFill>
@@ -10870,7 +10874,7 @@
               <a:buNone/>
               <a:defRPr/>
             </a:pPr>
-            <a:endParaRPr lang="en-US" altLang="ko-KR" sz="1400" b="0" dirty="0" smtClean="0">
+            <a:endParaRPr lang="en-US" altLang="ko-KR" sz="1400" b="0" dirty="0">
               <a:latin typeface="Arial" panose="020B0604020202020204" pitchFamily="34" charset="0"/>
               <a:ea typeface="LG Smart UI SemiBold" panose="020B0700000101010101" pitchFamily="50" charset="-127"/>
               <a:cs typeface="Arial" panose="020B0604020202020204" pitchFamily="34" charset="0"/>
@@ -10966,7 +10970,13 @@
   <p:cSld>
     <p:spTree>
       <p:nvGrpSpPr>
-        <p:cNvPr id="1" name=""/>
+        <p:cNvPr id="1" name="">
+          <a:extLst>
+            <a:ext uri="{FF2B5EF4-FFF2-40B4-BE49-F238E27FC236}">
+              <a16:creationId xmlns:a16="http://schemas.microsoft.com/office/drawing/2014/main" id="{AB0CA3DE-7078-E260-5CCD-73ACAE1AE4AA}"/>
+            </a:ext>
+          </a:extLst>
+        </p:cNvPr>
         <p:cNvGrpSpPr/>
         <p:nvPr/>
       </p:nvGrpSpPr>
@@ -10983,7 +10993,7 @@
           <p:cNvPr id="2" name="Title 1">
             <a:extLst>
               <a:ext uri="{FF2B5EF4-FFF2-40B4-BE49-F238E27FC236}">
-                <a16:creationId xmlns="" xmlns:a16="http://schemas.microsoft.com/office/drawing/2014/main" id="{1A51E9F9-BEBD-577F-34FA-ADB154D292CA}"/>
+                <a16:creationId xmlns:a16="http://schemas.microsoft.com/office/drawing/2014/main" id="{165D97F0-6777-4951-ADBD-485D2A430FBC}"/>
               </a:ext>
             </a:extLst>
           </p:cNvPr>
@@ -10996,7 +11006,7 @@
         </p:nvSpPr>
         <p:spPr>
           <a:xfrm>
-            <a:off x="335360" y="109669"/>
+            <a:off x="0" y="88252"/>
             <a:ext cx="10515600" cy="589032"/>
           </a:xfrm>
         </p:spPr>
@@ -11021,41 +11031,7 @@
                 <a:ea typeface="LG Smart UI SemiBold" panose="020B0700000101010101" pitchFamily="50" charset="-127"/>
                 <a:cs typeface="Arial" panose="020B0604020202020204" pitchFamily="34" charset="0"/>
               </a:rPr>
-              <a:t>2</a:t>
-            </a:r>
-            <a:r>
-              <a:rPr kumimoji="1" lang="en-US" altLang="ko-KR" sz="2200" b="1" i="0" u="none" strike="noStrike" kern="1200" cap="none" spc="0" normalizeH="0" baseline="0" noProof="0" dirty="0" smtClean="0">
-                <a:ln>
-                  <a:noFill/>
-                </a:ln>
-                <a:solidFill>
-                  <a:prstClr val="black"/>
-                </a:solidFill>
-                <a:effectLst/>
-                <a:uLnTx/>
-                <a:uFillTx/>
-                <a:latin typeface="Arial" panose="020B0604020202020204" pitchFamily="34" charset="0"/>
-                <a:ea typeface="LG Smart UI SemiBold" panose="020B0700000101010101" pitchFamily="50" charset="-127"/>
-                <a:cs typeface="Arial" panose="020B0604020202020204" pitchFamily="34" charset="0"/>
-              </a:rPr>
-              <a:t>. </a:t>
-            </a:r>
-            <a:r>
-              <a:rPr kumimoji="1" lang="en-US" altLang="ko-KR" sz="2200" b="1" i="0" u="none" strike="noStrike" kern="1200" cap="none" spc="0" normalizeH="0" baseline="0" noProof="0" dirty="0" smtClean="0">
-                <a:ln>
-                  <a:noFill/>
-                </a:ln>
-                <a:solidFill>
-                  <a:prstClr val="black"/>
-                </a:solidFill>
-                <a:effectLst/>
-                <a:uLnTx/>
-                <a:uFillTx/>
-                <a:latin typeface="Arial" panose="020B0604020202020204" pitchFamily="34" charset="0"/>
-                <a:ea typeface="LG Smart UI SemiBold" panose="020B0700000101010101" pitchFamily="50" charset="-127"/>
-                <a:cs typeface="Arial" panose="020B0604020202020204" pitchFamily="34" charset="0"/>
-              </a:rPr>
-              <a:t>Propose new asynchronous mechanism</a:t>
+              <a:t>4. Limitation of C++ standard library</a:t>
             </a:r>
             <a:endParaRPr lang="x-none" sz="1800" dirty="0">
               <a:latin typeface="Arial" panose="020B0604020202020204" pitchFamily="34" charset="0"/>
@@ -11069,7 +11045,7 @@
           <p:cNvPr id="4" name="Date Placeholder 3">
             <a:extLst>
               <a:ext uri="{FF2B5EF4-FFF2-40B4-BE49-F238E27FC236}">
-                <a16:creationId xmlns="" xmlns:a16="http://schemas.microsoft.com/office/drawing/2014/main" id="{6617FDCD-DE07-7435-B9F4-718742774A28}"/>
+                <a16:creationId xmlns:a16="http://schemas.microsoft.com/office/drawing/2014/main" id="{9EADF2B9-45C4-5976-3F00-8C098DF1B4CC}"/>
               </a:ext>
             </a:extLst>
           </p:cNvPr>
@@ -11087,7 +11063,7 @@
           <a:p>
             <a:fld id="{CEDF7557-72DD-A34A-8659-6DD33C33D1E3}" type="datetime1">
               <a:rPr lang="en-US" smtClean="0"/>
-              <a:t>5/26/2025</a:t>
+              <a:t>6/3/25</a:t>
             </a:fld>
             <a:endParaRPr lang="x-none"/>
           </a:p>
@@ -11098,7 +11074,7 @@
           <p:cNvPr id="5" name="Slide Number Placeholder 4">
             <a:extLst>
               <a:ext uri="{FF2B5EF4-FFF2-40B4-BE49-F238E27FC236}">
-                <a16:creationId xmlns="" xmlns:a16="http://schemas.microsoft.com/office/drawing/2014/main" id="{DD807FC8-D3AC-AACC-7391-249496371E51}"/>
+                <a16:creationId xmlns:a16="http://schemas.microsoft.com/office/drawing/2014/main" id="{DC95A5D6-FD58-E64C-DB41-F79EB7FE8057}"/>
               </a:ext>
             </a:extLst>
           </p:cNvPr>
@@ -11127,7 +11103,7 @@
           <p:cNvPr id="9" name="직사각형 2">
             <a:extLst>
               <a:ext uri="{FF2B5EF4-FFF2-40B4-BE49-F238E27FC236}">
-                <a16:creationId xmlns="" xmlns:a16="http://schemas.microsoft.com/office/drawing/2014/main" id="{73009833-FABA-3E2D-E634-C04C3932BB3F}"/>
+                <a16:creationId xmlns:a16="http://schemas.microsoft.com/office/drawing/2014/main" id="{E7952FD9-F1C5-741C-9728-34E05AB794F0}"/>
               </a:ext>
             </a:extLst>
           </p:cNvPr>
@@ -11188,7 +11164,7 @@
           <p:cNvPr id="8" name="텍스트 개체 틀 3">
             <a:extLst>
               <a:ext uri="{FF2B5EF4-FFF2-40B4-BE49-F238E27FC236}">
-                <a16:creationId xmlns="" xmlns:a16="http://schemas.microsoft.com/office/drawing/2014/main" id="{3D5EA90C-B7C2-6192-8E76-268D2FC73076}"/>
+                <a16:creationId xmlns:a16="http://schemas.microsoft.com/office/drawing/2014/main" id="{51E366EE-E0E1-102B-F262-18428AEA310E}"/>
               </a:ext>
             </a:extLst>
           </p:cNvPr>
@@ -11199,8 +11175,8 @@
         </p:nvSpPr>
         <p:spPr>
           <a:xfrm>
-            <a:off x="603648" y="844072"/>
-            <a:ext cx="8781511" cy="5022914"/>
+            <a:off x="0" y="776771"/>
+            <a:ext cx="8781511" cy="5944704"/>
           </a:xfrm>
           <a:prstGeom prst="rect">
             <a:avLst/>
@@ -11252,81 +11228,12 @@
               <a:defRPr/>
             </a:pPr>
             <a:r>
-              <a:rPr lang="en-US" sz="1800" b="0" dirty="0" smtClean="0">
-                <a:latin typeface="Arial" panose="020B0604020202020204" pitchFamily="34" charset="0"/>
-                <a:ea typeface="LG Smart UI SemiBold" panose="020B0700000101010101" pitchFamily="50" charset="-127"/>
-                <a:cs typeface="Arial" panose="020B0604020202020204" pitchFamily="34" charset="0"/>
-              </a:rPr>
-              <a:t>Support future, promise objects inspired by </a:t>
-            </a:r>
-            <a:r>
               <a:rPr lang="en-US" sz="1800" b="0" dirty="0">
                 <a:latin typeface="Arial" panose="020B0604020202020204" pitchFamily="34" charset="0"/>
                 <a:ea typeface="LG Smart UI SemiBold" panose="020B0700000101010101" pitchFamily="50" charset="-127"/>
                 <a:cs typeface="Arial" panose="020B0604020202020204" pitchFamily="34" charset="0"/>
               </a:rPr>
-              <a:t>Promises/A+ </a:t>
-            </a:r>
-            <a:r>
-              <a:rPr lang="en-US" sz="1800" b="0" dirty="0" smtClean="0">
-                <a:latin typeface="Arial" panose="020B0604020202020204" pitchFamily="34" charset="0"/>
-                <a:ea typeface="LG Smart UI SemiBold" panose="020B0700000101010101" pitchFamily="50" charset="-127"/>
-                <a:cs typeface="Arial" panose="020B0604020202020204" pitchFamily="34" charset="0"/>
-              </a:rPr>
-              <a:t>specification</a:t>
-            </a:r>
-          </a:p>
-          <a:p>
-            <a:pPr marL="800100" lvl="1" indent="-342900">
-              <a:lnSpc>
-                <a:spcPct val="120000"/>
-              </a:lnSpc>
-              <a:spcBef>
-                <a:spcPct val="50000"/>
-              </a:spcBef>
-              <a:buFont typeface="Wingdings" panose="05000000000000000000" pitchFamily="2" charset="2"/>
-              <a:buChar char="§"/>
-              <a:defRPr/>
-            </a:pPr>
-            <a:r>
-              <a:rPr lang="en-US" sz="1600" dirty="0">
-                <a:latin typeface="Arial" panose="020B0604020202020204" pitchFamily="34" charset="0"/>
-                <a:ea typeface="LG Smart UI SemiBold" panose="020B0700000101010101" pitchFamily="50" charset="-127"/>
-                <a:cs typeface="Arial" panose="020B0604020202020204" pitchFamily="34" charset="0"/>
-              </a:rPr>
-              <a:t>Current C++ standard library doesn’t offer this method, </a:t>
-            </a:r>
-            <a:r>
-              <a:rPr lang="en-US" sz="1600" dirty="0" smtClean="0">
-                <a:latin typeface="Arial" panose="020B0604020202020204" pitchFamily="34" charset="0"/>
-                <a:ea typeface="LG Smart UI SemiBold" panose="020B0700000101010101" pitchFamily="50" charset="-127"/>
-                <a:cs typeface="Arial" panose="020B0604020202020204" pitchFamily="34" charset="0"/>
-              </a:rPr>
-              <a:t>a new </a:t>
-            </a:r>
-            <a:r>
-              <a:rPr lang="en-US" sz="1600" dirty="0">
-                <a:latin typeface="Arial" panose="020B0604020202020204" pitchFamily="34" charset="0"/>
-                <a:ea typeface="LG Smart UI SemiBold" panose="020B0700000101010101" pitchFamily="50" charset="-127"/>
-                <a:cs typeface="Arial" panose="020B0604020202020204" pitchFamily="34" charset="0"/>
-              </a:rPr>
-              <a:t>design and implantation </a:t>
-            </a:r>
-            <a:r>
-              <a:rPr lang="en-US" sz="1600" dirty="0" smtClean="0">
-                <a:latin typeface="Arial" panose="020B0604020202020204" pitchFamily="34" charset="0"/>
-                <a:ea typeface="LG Smart UI SemiBold" panose="020B0700000101010101" pitchFamily="50" charset="-127"/>
-                <a:cs typeface="Arial" panose="020B0604020202020204" pitchFamily="34" charset="0"/>
-              </a:rPr>
-              <a:t>are </a:t>
-            </a:r>
-            <a:r>
-              <a:rPr lang="en-US" sz="1600" dirty="0">
-                <a:latin typeface="Arial" panose="020B0604020202020204" pitchFamily="34" charset="0"/>
-                <a:ea typeface="LG Smart UI SemiBold" panose="020B0700000101010101" pitchFamily="50" charset="-127"/>
-                <a:cs typeface="Arial" panose="020B0604020202020204" pitchFamily="34" charset="0"/>
-              </a:rPr>
-              <a:t>proposed.</a:t>
+              <a:t>Current C++ library doesn’t provide well async operation mechanism</a:t>
             </a:r>
           </a:p>
           <a:p>
@@ -11342,18 +11249,49 @@
               <a:defRPr/>
             </a:pPr>
             <a:r>
-              <a:rPr lang="en-US" sz="1800" b="0" dirty="0" smtClean="0">
+              <a:rPr lang="en-US" sz="1800" b="0" dirty="0">
                 <a:latin typeface="Arial" panose="020B0604020202020204" pitchFamily="34" charset="0"/>
                 <a:ea typeface="LG Smart UI SemiBold" panose="020B0700000101010101" pitchFamily="50" charset="-127"/>
                 <a:cs typeface="Arial" panose="020B0604020202020204" pitchFamily="34" charset="0"/>
               </a:rPr>
-              <a:t>Provide simpler API for user application</a:t>
-            </a:r>
-            <a:endParaRPr lang="en-US" sz="1600" b="0" dirty="0" smtClean="0">
-              <a:latin typeface="Arial" panose="020B0604020202020204" pitchFamily="34" charset="0"/>
-              <a:ea typeface="LG Smart UI SemiBold" panose="020B0700000101010101" pitchFamily="50" charset="-127"/>
-              <a:cs typeface="Arial" panose="020B0604020202020204" pitchFamily="34" charset="0"/>
-            </a:endParaRPr>
+              <a:t>C++ library offer std::async() or std::future/std::promise </a:t>
+            </a:r>
+          </a:p>
+          <a:p>
+            <a:pPr marL="742950" lvl="1" indent="-285750">
+              <a:lnSpc>
+                <a:spcPct val="120000"/>
+              </a:lnSpc>
+              <a:spcBef>
+                <a:spcPct val="50000"/>
+              </a:spcBef>
+              <a:buFont typeface="Wingdings" pitchFamily="2" charset="2"/>
+              <a:buChar char="§"/>
+              <a:defRPr/>
+            </a:pPr>
+            <a:r>
+              <a:rPr lang="en-US" sz="1600" dirty="0">
+                <a:latin typeface="Arial" panose="020B0604020202020204" pitchFamily="34" charset="0"/>
+                <a:ea typeface="LG Smart UI SemiBold" panose="020B0700000101010101" pitchFamily="50" charset="-127"/>
+                <a:cs typeface="Arial" panose="020B0604020202020204" pitchFamily="34" charset="0"/>
+              </a:rPr>
+              <a:t>Require new thread for each async operation, which causes expensive</a:t>
+            </a:r>
+            <a:br>
+              <a:rPr lang="en-US" sz="1600" dirty="0">
+                <a:latin typeface="Arial" panose="020B0604020202020204" pitchFamily="34" charset="0"/>
+                <a:ea typeface="LG Smart UI SemiBold" panose="020B0700000101010101" pitchFamily="50" charset="-127"/>
+                <a:cs typeface="Arial" panose="020B0604020202020204" pitchFamily="34" charset="0"/>
+              </a:rPr>
+            </a:br>
+            <a:r>
+              <a:rPr lang="en-US" sz="1600" dirty="0">
+                <a:latin typeface="Arial" panose="020B0604020202020204" pitchFamily="34" charset="0"/>
+                <a:ea typeface="LG Smart UI SemiBold" panose="020B0700000101010101" pitchFamily="50" charset="-127"/>
+                <a:cs typeface="Arial" panose="020B0604020202020204" pitchFamily="34" charset="0"/>
+              </a:rPr>
+              <a:t>cost of OS for thread context switching and allocate/destroy threads.</a:t>
+            </a:r>
           </a:p>
           <a:p>
             <a:pPr lvl="0">
@@ -11368,56 +11306,16 @@
               <a:defRPr/>
             </a:pPr>
             <a:r>
-              <a:rPr lang="en-US" sz="1800" b="0" dirty="0" smtClean="0">
+              <a:rPr lang="en-US" sz="1800" b="0" dirty="0">
                 <a:latin typeface="Arial" panose="020B0604020202020204" pitchFamily="34" charset="0"/>
                 <a:ea typeface="LG Smart UI SemiBold" panose="020B0700000101010101" pitchFamily="50" charset="-127"/>
                 <a:cs typeface="Arial" panose="020B0604020202020204" pitchFamily="34" charset="0"/>
               </a:rPr>
-              <a:t>New </a:t>
-            </a:r>
-            <a:r>
-              <a:rPr lang="en-US" sz="1800" b="0" dirty="0" err="1">
-                <a:latin typeface="Arial" panose="020B0604020202020204" pitchFamily="34" charset="0"/>
-                <a:ea typeface="LG Smart UI SemiBold" panose="020B0700000101010101" pitchFamily="50" charset="-127"/>
-                <a:cs typeface="Arial" panose="020B0604020202020204" pitchFamily="34" charset="0"/>
-              </a:rPr>
-              <a:t>A</a:t>
-            </a:r>
-            <a:r>
-              <a:rPr lang="en-US" sz="1800" b="0" dirty="0" err="1" smtClean="0">
-                <a:latin typeface="Arial" panose="020B0604020202020204" pitchFamily="34" charset="0"/>
-                <a:ea typeface="LG Smart UI SemiBold" panose="020B0700000101010101" pitchFamily="50" charset="-127"/>
-                <a:cs typeface="Arial" panose="020B0604020202020204" pitchFamily="34" charset="0"/>
-              </a:rPr>
-              <a:t>sync</a:t>
-            </a:r>
-            <a:r>
-              <a:rPr lang="en-US" sz="1800" b="0" dirty="0" smtClean="0">
-                <a:latin typeface="Arial" panose="020B0604020202020204" pitchFamily="34" charset="0"/>
-                <a:ea typeface="LG Smart UI SemiBold" panose="020B0700000101010101" pitchFamily="50" charset="-127"/>
-                <a:cs typeface="Arial" panose="020B0604020202020204" pitchFamily="34" charset="0"/>
-              </a:rPr>
-              <a:t> </a:t>
-            </a:r>
-            <a:r>
-              <a:rPr lang="en-US" sz="1800" b="0" dirty="0" smtClean="0">
-                <a:latin typeface="Arial" panose="020B0604020202020204" pitchFamily="34" charset="0"/>
-                <a:ea typeface="LG Smart UI SemiBold" panose="020B0700000101010101" pitchFamily="50" charset="-127"/>
-                <a:cs typeface="Arial" panose="020B0604020202020204" pitchFamily="34" charset="0"/>
-              </a:rPr>
-              <a:t>library can detect CPU-bound </a:t>
-            </a:r>
-            <a:r>
-              <a:rPr lang="en-US" sz="1800" b="0" dirty="0" smtClean="0">
-                <a:latin typeface="Arial" panose="020B0604020202020204" pitchFamily="34" charset="0"/>
-                <a:ea typeface="LG Smart UI SemiBold" panose="020B0700000101010101" pitchFamily="50" charset="-127"/>
-                <a:cs typeface="Arial" panose="020B0604020202020204" pitchFamily="34" charset="0"/>
-              </a:rPr>
-              <a:t>task</a:t>
-            </a:r>
-          </a:p>
-          <a:p>
-            <a:pPr>
+              <a:t>JavaScript offers better async operation </a:t>
+            </a:r>
+          </a:p>
+          <a:p>
+            <a:pPr marL="800100" lvl="1" indent="-342900">
               <a:lnSpc>
                 <a:spcPct val="120000"/>
               </a:lnSpc>
@@ -11425,34 +11323,68 @@
                 <a:spcPct val="50000"/>
               </a:spcBef>
               <a:buFont typeface="Wingdings" pitchFamily="2" charset="2"/>
-              <a:buChar char="Ø"/>
+              <a:buChar char="§"/>
               <a:defRPr/>
             </a:pPr>
             <a:r>
-              <a:rPr lang="en-US" sz="1800" b="0" dirty="0" smtClean="0">
+              <a:rPr lang="en-US" sz="1600" dirty="0">
                 <a:latin typeface="Arial" panose="020B0604020202020204" pitchFamily="34" charset="0"/>
                 <a:ea typeface="LG Smart UI SemiBold" panose="020B0700000101010101" pitchFamily="50" charset="-127"/>
                 <a:cs typeface="Arial" panose="020B0604020202020204" pitchFamily="34" charset="0"/>
               </a:rPr>
-              <a:t>Support </a:t>
-            </a:r>
-            <a:r>
-              <a:rPr lang="en-US" sz="1800" b="0" dirty="0">
+              <a:t>Simpler API for use</a:t>
+            </a:r>
+          </a:p>
+          <a:p>
+            <a:pPr marL="800100" lvl="1" indent="-342900">
+              <a:lnSpc>
+                <a:spcPct val="120000"/>
+              </a:lnSpc>
+              <a:spcBef>
+                <a:spcPct val="50000"/>
+              </a:spcBef>
+              <a:buFont typeface="Wingdings" pitchFamily="2" charset="2"/>
+              <a:buChar char="§"/>
+              <a:defRPr/>
+            </a:pPr>
+            <a:r>
+              <a:rPr lang="en-US" sz="1600" dirty="0">
                 <a:latin typeface="Arial" panose="020B0604020202020204" pitchFamily="34" charset="0"/>
                 <a:ea typeface="LG Smart UI SemiBold" panose="020B0700000101010101" pitchFamily="50" charset="-127"/>
                 <a:cs typeface="Arial" panose="020B0604020202020204" pitchFamily="34" charset="0"/>
               </a:rPr>
-              <a:t>a chain of asynchronous </a:t>
-            </a:r>
-            <a:r>
-              <a:rPr lang="en-US" sz="1800" b="0" dirty="0" smtClean="0">
-                <a:latin typeface="Arial" panose="020B0604020202020204" pitchFamily="34" charset="0"/>
-                <a:ea typeface="LG Smart UI SemiBold" panose="020B0700000101010101" pitchFamily="50" charset="-127"/>
-                <a:cs typeface="Arial" panose="020B0604020202020204" pitchFamily="34" charset="0"/>
-              </a:rPr>
-              <a:t>operations</a:t>
-            </a:r>
-            <a:endParaRPr lang="en-US" sz="1800" b="0" dirty="0" smtClean="0">
+              <a:t>Reduce cost of creating thread(one thread is enough)</a:t>
+            </a:r>
+          </a:p>
+          <a:p>
+            <a:pPr marL="800100" lvl="1" indent="-342900">
+              <a:lnSpc>
+                <a:spcPct val="120000"/>
+              </a:lnSpc>
+              <a:spcBef>
+                <a:spcPct val="50000"/>
+              </a:spcBef>
+              <a:buFont typeface="Arial" panose="020B0604020202020204" pitchFamily="34" charset="0"/>
+              <a:buChar char="•"/>
+              <a:defRPr/>
+            </a:pPr>
+            <a:endParaRPr lang="en-US" sz="1400" b="0" dirty="0">
+              <a:latin typeface="Arial" panose="020B0604020202020204" pitchFamily="34" charset="0"/>
+              <a:ea typeface="LG Smart UI SemiBold" panose="020B0700000101010101" pitchFamily="50" charset="-127"/>
+              <a:cs typeface="Arial" panose="020B0604020202020204" pitchFamily="34" charset="0"/>
+            </a:endParaRPr>
+          </a:p>
+          <a:p>
+            <a:pPr lvl="1">
+              <a:lnSpc>
+                <a:spcPct val="120000"/>
+              </a:lnSpc>
+              <a:spcBef>
+                <a:spcPct val="50000"/>
+              </a:spcBef>
+              <a:defRPr/>
+            </a:pPr>
+            <a:endParaRPr lang="en-US" sz="800" b="0" dirty="0">
               <a:latin typeface="Arial" panose="020B0604020202020204" pitchFamily="34" charset="0"/>
               <a:ea typeface="LG Smart UI SemiBold" panose="020B0700000101010101" pitchFamily="50" charset="-127"/>
               <a:cs typeface="Arial" panose="020B0604020202020204" pitchFamily="34" charset="0"/>
@@ -11470,39 +11402,7 @@
               <a:buChar char="Ø"/>
               <a:defRPr/>
             </a:pPr>
-            <a:r>
-              <a:rPr lang="en-US" sz="1800" b="0" dirty="0" smtClean="0">
-                <a:latin typeface="Arial" panose="020B0604020202020204" pitchFamily="34" charset="0"/>
-                <a:ea typeface="LG Smart UI SemiBold" panose="020B0700000101010101" pitchFamily="50" charset="-127"/>
-                <a:cs typeface="Arial" panose="020B0604020202020204" pitchFamily="34" charset="0"/>
-              </a:rPr>
-              <a:t>Propose new timer mechanism which works effectively in new </a:t>
-            </a:r>
-            <a:r>
-              <a:rPr lang="en-US" sz="1800" b="0" dirty="0" err="1">
-                <a:latin typeface="Arial" panose="020B0604020202020204" pitchFamily="34" charset="0"/>
-                <a:ea typeface="LG Smart UI SemiBold" panose="020B0700000101010101" pitchFamily="50" charset="-127"/>
-                <a:cs typeface="Arial" panose="020B0604020202020204" pitchFamily="34" charset="0"/>
-              </a:rPr>
-              <a:t>A</a:t>
-            </a:r>
-            <a:r>
-              <a:rPr lang="en-US" sz="1800" b="0" dirty="0" err="1" smtClean="0">
-                <a:latin typeface="Arial" panose="020B0604020202020204" pitchFamily="34" charset="0"/>
-                <a:ea typeface="LG Smart UI SemiBold" panose="020B0700000101010101" pitchFamily="50" charset="-127"/>
-                <a:cs typeface="Arial" panose="020B0604020202020204" pitchFamily="34" charset="0"/>
-              </a:rPr>
-              <a:t>sync</a:t>
-            </a:r>
-            <a:r>
-              <a:rPr lang="en-US" sz="1800" b="0" dirty="0" smtClean="0">
-                <a:latin typeface="Arial" panose="020B0604020202020204" pitchFamily="34" charset="0"/>
-                <a:ea typeface="LG Smart UI SemiBold" panose="020B0700000101010101" pitchFamily="50" charset="-127"/>
-                <a:cs typeface="Arial" panose="020B0604020202020204" pitchFamily="34" charset="0"/>
-              </a:rPr>
-              <a:t> library</a:t>
-            </a:r>
-            <a:endParaRPr lang="en-US" sz="1800" b="0" dirty="0" smtClean="0">
+            <a:endParaRPr lang="en-US" sz="1800" b="0" dirty="0">
               <a:latin typeface="Arial" panose="020B0604020202020204" pitchFamily="34" charset="0"/>
               <a:ea typeface="LG Smart UI SemiBold" panose="020B0700000101010101" pitchFamily="50" charset="-127"/>
               <a:cs typeface="Arial" panose="020B0604020202020204" pitchFamily="34" charset="0"/>
@@ -11520,7 +11420,7 @@
               <a:buChar char="Ø"/>
               <a:defRPr/>
             </a:pPr>
-            <a:endParaRPr lang="en-US" sz="1400" b="0" dirty="0" smtClean="0">
+            <a:endParaRPr lang="en-US" sz="1400" b="0" dirty="0">
               <a:solidFill>
                 <a:srgbClr val="FF0000"/>
               </a:solidFill>
@@ -11530,15 +11430,14 @@
             </a:endParaRPr>
           </a:p>
           <a:p>
-            <a:pPr marL="457200" indent="-174625">
+            <a:pPr marL="282575" indent="0">
               <a:lnSpc>
                 <a:spcPct val="120000"/>
               </a:lnSpc>
               <a:spcBef>
                 <a:spcPct val="50000"/>
               </a:spcBef>
-              <a:buFont typeface="Arial" panose="020B0604020202020204" pitchFamily="34" charset="0"/>
-              <a:buChar char="•"/>
+              <a:buNone/>
               <a:defRPr/>
             </a:pPr>
             <a:endParaRPr lang="en-US" altLang="ko-KR" sz="1400" b="0" dirty="0">
@@ -11619,10 +11518,46 @@
           </a:p>
         </p:txBody>
       </p:sp>
+      <p:pic>
+        <p:nvPicPr>
+          <p:cNvPr id="3" name="Picture 2">
+            <a:extLst>
+              <a:ext uri="{FF2B5EF4-FFF2-40B4-BE49-F238E27FC236}">
+                <a16:creationId xmlns:a16="http://schemas.microsoft.com/office/drawing/2014/main" id="{EF8D3B3D-3A7C-EA7D-EB78-DC5767993801}"/>
+              </a:ext>
+            </a:extLst>
+          </p:cNvPr>
+          <p:cNvPicPr>
+            <a:picLocks noChangeAspect="1"/>
+          </p:cNvPicPr>
+          <p:nvPr/>
+        </p:nvPicPr>
+        <p:blipFill>
+          <a:blip r:embed="rId3">
+            <a:extLst>
+              <a:ext uri="{28A0092B-C50C-407E-A947-70E740481C1C}">
+                <a14:useLocalDpi xmlns:a14="http://schemas.microsoft.com/office/drawing/2010/main" val="0"/>
+              </a:ext>
+            </a:extLst>
+          </a:blip>
+          <a:stretch>
+            <a:fillRect/>
+          </a:stretch>
+        </p:blipFill>
+        <p:spPr>
+          <a:xfrm>
+            <a:off x="7223218" y="1178249"/>
+            <a:ext cx="4868389" cy="5591175"/>
+          </a:xfrm>
+          <a:prstGeom prst="rect">
+            <a:avLst/>
+          </a:prstGeom>
+        </p:spPr>
+      </p:pic>
     </p:spTree>
     <p:extLst>
       <p:ext uri="{BB962C8B-B14F-4D97-AF65-F5344CB8AC3E}">
-        <p14:creationId xmlns:p14="http://schemas.microsoft.com/office/powerpoint/2010/main" val="1160926675"/>
+        <p14:creationId xmlns:p14="http://schemas.microsoft.com/office/powerpoint/2010/main" val="2444824331"/>
       </p:ext>
     </p:extLst>
   </p:cSld>

--- a/cpp/pattern/dispatcher_copilot/doc/sw_task.pptx
+++ b/cpp/pattern/dispatcher_copilot/doc/sw_task.pptx
@@ -225,7 +225,7 @@
           <a:p>
             <a:fld id="{AE405010-5649-6C4A-B265-CF4F03B2978D}" type="datetimeFigureOut">
               <a:rPr lang="x-none" smtClean="0"/>
-              <a:t>3/6/25</a:t>
+              <a:t>6/3/2025</a:t>
             </a:fld>
             <a:endParaRPr lang="x-none"/>
           </a:p>
@@ -1275,7 +1275,7 @@
         <p:cNvPr id="1" name="">
           <a:extLst>
             <a:ext uri="{FF2B5EF4-FFF2-40B4-BE49-F238E27FC236}">
-              <a16:creationId xmlns:a16="http://schemas.microsoft.com/office/drawing/2014/main" id="{A9943F31-4B70-938F-0DC9-30DFFD7F55D8}"/>
+              <a16:creationId xmlns:a16="http://schemas.microsoft.com/office/drawing/2014/main" xmlns="" id="{A9943F31-4B70-938F-0DC9-30DFFD7F55D8}"/>
             </a:ext>
           </a:extLst>
         </p:cNvPr>
@@ -1295,7 +1295,7 @@
           <p:cNvPr id="2" name="Slide Image Placeholder 1">
             <a:extLst>
               <a:ext uri="{FF2B5EF4-FFF2-40B4-BE49-F238E27FC236}">
-                <a16:creationId xmlns:a16="http://schemas.microsoft.com/office/drawing/2014/main" id="{66DA3914-FCB9-59C5-AE52-8F18E9BFA06C}"/>
+                <a16:creationId xmlns:a16="http://schemas.microsoft.com/office/drawing/2014/main" xmlns="" id="{66DA3914-FCB9-59C5-AE52-8F18E9BFA06C}"/>
               </a:ext>
             </a:extLst>
           </p:cNvPr>
@@ -1313,7 +1313,7 @@
           <p:cNvPr id="3" name="Notes Placeholder 2">
             <a:extLst>
               <a:ext uri="{FF2B5EF4-FFF2-40B4-BE49-F238E27FC236}">
-                <a16:creationId xmlns:a16="http://schemas.microsoft.com/office/drawing/2014/main" id="{BE5FEFD1-E464-E4B9-BE58-6687FEA8BC31}"/>
+                <a16:creationId xmlns:a16="http://schemas.microsoft.com/office/drawing/2014/main" xmlns="" id="{BE5FEFD1-E464-E4B9-BE58-6687FEA8BC31}"/>
               </a:ext>
             </a:extLst>
           </p:cNvPr>
@@ -1341,7 +1341,7 @@
           <p:cNvPr id="4" name="Slide Number Placeholder 3">
             <a:extLst>
               <a:ext uri="{FF2B5EF4-FFF2-40B4-BE49-F238E27FC236}">
-                <a16:creationId xmlns:a16="http://schemas.microsoft.com/office/drawing/2014/main" id="{E2D8B333-036E-B455-97A3-4685184CD4EF}"/>
+                <a16:creationId xmlns:a16="http://schemas.microsoft.com/office/drawing/2014/main" xmlns="" id="{E2D8B333-036E-B455-97A3-4685184CD4EF}"/>
               </a:ext>
             </a:extLst>
           </p:cNvPr>
@@ -1400,7 +1400,7 @@
           <p:cNvPr id="2" name="Title 1">
             <a:extLst>
               <a:ext uri="{FF2B5EF4-FFF2-40B4-BE49-F238E27FC236}">
-                <a16:creationId xmlns:a16="http://schemas.microsoft.com/office/drawing/2014/main" id="{90B55B68-5E05-F3EB-7E8D-26C837AF7D0E}"/>
+                <a16:creationId xmlns:a16="http://schemas.microsoft.com/office/drawing/2014/main" xmlns="" id="{90B55B68-5E05-F3EB-7E8D-26C837AF7D0E}"/>
               </a:ext>
             </a:extLst>
           </p:cNvPr>
@@ -1438,7 +1438,7 @@
           <p:cNvPr id="3" name="Subtitle 2">
             <a:extLst>
               <a:ext uri="{FF2B5EF4-FFF2-40B4-BE49-F238E27FC236}">
-                <a16:creationId xmlns:a16="http://schemas.microsoft.com/office/drawing/2014/main" id="{2F6A17E7-F330-B207-DDEB-3EF4B61093E5}"/>
+                <a16:creationId xmlns:a16="http://schemas.microsoft.com/office/drawing/2014/main" xmlns="" id="{2F6A17E7-F330-B207-DDEB-3EF4B61093E5}"/>
               </a:ext>
             </a:extLst>
           </p:cNvPr>
@@ -1509,7 +1509,7 @@
           <p:cNvPr id="4" name="Date Placeholder 3">
             <a:extLst>
               <a:ext uri="{FF2B5EF4-FFF2-40B4-BE49-F238E27FC236}">
-                <a16:creationId xmlns:a16="http://schemas.microsoft.com/office/drawing/2014/main" id="{DFD21ACF-E1B5-AFAA-7055-4D6C138EF5D6}"/>
+                <a16:creationId xmlns:a16="http://schemas.microsoft.com/office/drawing/2014/main" xmlns="" id="{DFD21ACF-E1B5-AFAA-7055-4D6C138EF5D6}"/>
               </a:ext>
             </a:extLst>
           </p:cNvPr>
@@ -1527,7 +1527,7 @@
           <a:p>
             <a:fld id="{A1877141-0563-434F-9EF1-852D65CFAEDD}" type="datetime1">
               <a:rPr lang="en-US" smtClean="0"/>
-              <a:t>6/3/25</a:t>
+              <a:t>6/3/2025</a:t>
             </a:fld>
             <a:endParaRPr lang="x-none"/>
           </a:p>
@@ -1538,7 +1538,7 @@
           <p:cNvPr id="5" name="Footer Placeholder 4">
             <a:extLst>
               <a:ext uri="{FF2B5EF4-FFF2-40B4-BE49-F238E27FC236}">
-                <a16:creationId xmlns:a16="http://schemas.microsoft.com/office/drawing/2014/main" id="{E62DA613-532D-A8C9-0277-1932BCC9A0C9}"/>
+                <a16:creationId xmlns:a16="http://schemas.microsoft.com/office/drawing/2014/main" xmlns="" id="{E62DA613-532D-A8C9-0277-1932BCC9A0C9}"/>
               </a:ext>
             </a:extLst>
           </p:cNvPr>
@@ -1563,7 +1563,7 @@
           <p:cNvPr id="6" name="Slide Number Placeholder 5">
             <a:extLst>
               <a:ext uri="{FF2B5EF4-FFF2-40B4-BE49-F238E27FC236}">
-                <a16:creationId xmlns:a16="http://schemas.microsoft.com/office/drawing/2014/main" id="{9BD6D684-1D13-2A6E-F59F-756DFD2E69C1}"/>
+                <a16:creationId xmlns:a16="http://schemas.microsoft.com/office/drawing/2014/main" xmlns="" id="{9BD6D684-1D13-2A6E-F59F-756DFD2E69C1}"/>
               </a:ext>
             </a:extLst>
           </p:cNvPr>
@@ -1622,7 +1622,7 @@
           <p:cNvPr id="2" name="Title 1">
             <a:extLst>
               <a:ext uri="{FF2B5EF4-FFF2-40B4-BE49-F238E27FC236}">
-                <a16:creationId xmlns:a16="http://schemas.microsoft.com/office/drawing/2014/main" id="{3319069C-C6BA-A7D7-5BCC-566EA9269F62}"/>
+                <a16:creationId xmlns:a16="http://schemas.microsoft.com/office/drawing/2014/main" xmlns="" id="{3319069C-C6BA-A7D7-5BCC-566EA9269F62}"/>
               </a:ext>
             </a:extLst>
           </p:cNvPr>
@@ -1651,7 +1651,7 @@
           <p:cNvPr id="3" name="Vertical Text Placeholder 2">
             <a:extLst>
               <a:ext uri="{FF2B5EF4-FFF2-40B4-BE49-F238E27FC236}">
-                <a16:creationId xmlns:a16="http://schemas.microsoft.com/office/drawing/2014/main" id="{95E00CD7-2F00-9A3A-C12B-71E81E49D66A}"/>
+                <a16:creationId xmlns:a16="http://schemas.microsoft.com/office/drawing/2014/main" xmlns="" id="{95E00CD7-2F00-9A3A-C12B-71E81E49D66A}"/>
               </a:ext>
             </a:extLst>
           </p:cNvPr>
@@ -1709,7 +1709,7 @@
           <p:cNvPr id="4" name="Date Placeholder 3">
             <a:extLst>
               <a:ext uri="{FF2B5EF4-FFF2-40B4-BE49-F238E27FC236}">
-                <a16:creationId xmlns:a16="http://schemas.microsoft.com/office/drawing/2014/main" id="{12349AED-BE54-87EC-84E5-11555D69CB17}"/>
+                <a16:creationId xmlns:a16="http://schemas.microsoft.com/office/drawing/2014/main" xmlns="" id="{12349AED-BE54-87EC-84E5-11555D69CB17}"/>
               </a:ext>
             </a:extLst>
           </p:cNvPr>
@@ -1727,7 +1727,7 @@
           <a:p>
             <a:fld id="{E234D4DE-5E18-0D47-A1A0-DAA69F2DA1F5}" type="datetime1">
               <a:rPr lang="en-US" smtClean="0"/>
-              <a:t>6/3/25</a:t>
+              <a:t>6/3/2025</a:t>
             </a:fld>
             <a:endParaRPr lang="x-none"/>
           </a:p>
@@ -1738,7 +1738,7 @@
           <p:cNvPr id="5" name="Footer Placeholder 4">
             <a:extLst>
               <a:ext uri="{FF2B5EF4-FFF2-40B4-BE49-F238E27FC236}">
-                <a16:creationId xmlns:a16="http://schemas.microsoft.com/office/drawing/2014/main" id="{413620D7-7E39-627D-6375-1F9D2B62FBEE}"/>
+                <a16:creationId xmlns:a16="http://schemas.microsoft.com/office/drawing/2014/main" xmlns="" id="{413620D7-7E39-627D-6375-1F9D2B62FBEE}"/>
               </a:ext>
             </a:extLst>
           </p:cNvPr>
@@ -1763,7 +1763,7 @@
           <p:cNvPr id="6" name="Slide Number Placeholder 5">
             <a:extLst>
               <a:ext uri="{FF2B5EF4-FFF2-40B4-BE49-F238E27FC236}">
-                <a16:creationId xmlns:a16="http://schemas.microsoft.com/office/drawing/2014/main" id="{0FE7531F-FB2A-D2C0-682C-B07A34B33909}"/>
+                <a16:creationId xmlns:a16="http://schemas.microsoft.com/office/drawing/2014/main" xmlns="" id="{0FE7531F-FB2A-D2C0-682C-B07A34B33909}"/>
               </a:ext>
             </a:extLst>
           </p:cNvPr>
@@ -1822,7 +1822,7 @@
           <p:cNvPr id="2" name="Vertical Title 1">
             <a:extLst>
               <a:ext uri="{FF2B5EF4-FFF2-40B4-BE49-F238E27FC236}">
-                <a16:creationId xmlns:a16="http://schemas.microsoft.com/office/drawing/2014/main" id="{6B7B1A08-E261-8E96-0506-12EEF043575E}"/>
+                <a16:creationId xmlns:a16="http://schemas.microsoft.com/office/drawing/2014/main" xmlns="" id="{6B7B1A08-E261-8E96-0506-12EEF043575E}"/>
               </a:ext>
             </a:extLst>
           </p:cNvPr>
@@ -1856,7 +1856,7 @@
           <p:cNvPr id="3" name="Vertical Text Placeholder 2">
             <a:extLst>
               <a:ext uri="{FF2B5EF4-FFF2-40B4-BE49-F238E27FC236}">
-                <a16:creationId xmlns:a16="http://schemas.microsoft.com/office/drawing/2014/main" id="{450FCE06-FDFA-242B-C536-368123A6F837}"/>
+                <a16:creationId xmlns:a16="http://schemas.microsoft.com/office/drawing/2014/main" xmlns="" id="{450FCE06-FDFA-242B-C536-368123A6F837}"/>
               </a:ext>
             </a:extLst>
           </p:cNvPr>
@@ -1919,7 +1919,7 @@
           <p:cNvPr id="4" name="Date Placeholder 3">
             <a:extLst>
               <a:ext uri="{FF2B5EF4-FFF2-40B4-BE49-F238E27FC236}">
-                <a16:creationId xmlns:a16="http://schemas.microsoft.com/office/drawing/2014/main" id="{A67DA4A5-1F83-06A5-3CA6-369441168669}"/>
+                <a16:creationId xmlns:a16="http://schemas.microsoft.com/office/drawing/2014/main" xmlns="" id="{A67DA4A5-1F83-06A5-3CA6-369441168669}"/>
               </a:ext>
             </a:extLst>
           </p:cNvPr>
@@ -1937,7 +1937,7 @@
           <a:p>
             <a:fld id="{571B79A4-2D32-6946-BEB4-A62C071A47B6}" type="datetime1">
               <a:rPr lang="en-US" smtClean="0"/>
-              <a:t>6/3/25</a:t>
+              <a:t>6/3/2025</a:t>
             </a:fld>
             <a:endParaRPr lang="x-none"/>
           </a:p>
@@ -1948,7 +1948,7 @@
           <p:cNvPr id="5" name="Footer Placeholder 4">
             <a:extLst>
               <a:ext uri="{FF2B5EF4-FFF2-40B4-BE49-F238E27FC236}">
-                <a16:creationId xmlns:a16="http://schemas.microsoft.com/office/drawing/2014/main" id="{226A4D7C-988E-F473-7052-32E8B0685B49}"/>
+                <a16:creationId xmlns:a16="http://schemas.microsoft.com/office/drawing/2014/main" xmlns="" id="{226A4D7C-988E-F473-7052-32E8B0685B49}"/>
               </a:ext>
             </a:extLst>
           </p:cNvPr>
@@ -1973,7 +1973,7 @@
           <p:cNvPr id="6" name="Slide Number Placeholder 5">
             <a:extLst>
               <a:ext uri="{FF2B5EF4-FFF2-40B4-BE49-F238E27FC236}">
-                <a16:creationId xmlns:a16="http://schemas.microsoft.com/office/drawing/2014/main" id="{EF7F3EB9-BF8B-A0EE-D8E8-E7FC18552DD9}"/>
+                <a16:creationId xmlns:a16="http://schemas.microsoft.com/office/drawing/2014/main" xmlns="" id="{EF7F3EB9-BF8B-A0EE-D8E8-E7FC18552DD9}"/>
               </a:ext>
             </a:extLst>
           </p:cNvPr>
@@ -2032,7 +2032,7 @@
           <p:cNvPr id="2" name="Title 1">
             <a:extLst>
               <a:ext uri="{FF2B5EF4-FFF2-40B4-BE49-F238E27FC236}">
-                <a16:creationId xmlns:a16="http://schemas.microsoft.com/office/drawing/2014/main" id="{A9EB547E-C0D9-6F9D-4477-FC438504A870}"/>
+                <a16:creationId xmlns:a16="http://schemas.microsoft.com/office/drawing/2014/main" xmlns="" id="{A9EB547E-C0D9-6F9D-4477-FC438504A870}"/>
               </a:ext>
             </a:extLst>
           </p:cNvPr>
@@ -2061,7 +2061,7 @@
           <p:cNvPr id="3" name="Content Placeholder 2">
             <a:extLst>
               <a:ext uri="{FF2B5EF4-FFF2-40B4-BE49-F238E27FC236}">
-                <a16:creationId xmlns:a16="http://schemas.microsoft.com/office/drawing/2014/main" id="{318467A1-E0FE-B7E0-B875-CBF952CE211B}"/>
+                <a16:creationId xmlns:a16="http://schemas.microsoft.com/office/drawing/2014/main" xmlns="" id="{318467A1-E0FE-B7E0-B875-CBF952CE211B}"/>
               </a:ext>
             </a:extLst>
           </p:cNvPr>
@@ -2119,7 +2119,7 @@
           <p:cNvPr id="4" name="Date Placeholder 3">
             <a:extLst>
               <a:ext uri="{FF2B5EF4-FFF2-40B4-BE49-F238E27FC236}">
-                <a16:creationId xmlns:a16="http://schemas.microsoft.com/office/drawing/2014/main" id="{7C33C28C-4682-8898-0CE5-3605EE8C16E3}"/>
+                <a16:creationId xmlns:a16="http://schemas.microsoft.com/office/drawing/2014/main" xmlns="" id="{7C33C28C-4682-8898-0CE5-3605EE8C16E3}"/>
               </a:ext>
             </a:extLst>
           </p:cNvPr>
@@ -2137,7 +2137,7 @@
           <a:p>
             <a:fld id="{CEDF7557-72DD-A34A-8659-6DD33C33D1E3}" type="datetime1">
               <a:rPr lang="en-US" smtClean="0"/>
-              <a:t>6/3/25</a:t>
+              <a:t>6/3/2025</a:t>
             </a:fld>
             <a:endParaRPr lang="x-none"/>
           </a:p>
@@ -2148,7 +2148,7 @@
           <p:cNvPr id="5" name="Footer Placeholder 4">
             <a:extLst>
               <a:ext uri="{FF2B5EF4-FFF2-40B4-BE49-F238E27FC236}">
-                <a16:creationId xmlns:a16="http://schemas.microsoft.com/office/drawing/2014/main" id="{185F6EC1-737A-9258-95D3-9ACC85D8404F}"/>
+                <a16:creationId xmlns:a16="http://schemas.microsoft.com/office/drawing/2014/main" xmlns="" id="{185F6EC1-737A-9258-95D3-9ACC85D8404F}"/>
               </a:ext>
             </a:extLst>
           </p:cNvPr>
@@ -2173,7 +2173,7 @@
           <p:cNvPr id="6" name="Slide Number Placeholder 5">
             <a:extLst>
               <a:ext uri="{FF2B5EF4-FFF2-40B4-BE49-F238E27FC236}">
-                <a16:creationId xmlns:a16="http://schemas.microsoft.com/office/drawing/2014/main" id="{324877B1-D855-FC7F-0F91-9132FEEC519E}"/>
+                <a16:creationId xmlns:a16="http://schemas.microsoft.com/office/drawing/2014/main" xmlns="" id="{324877B1-D855-FC7F-0F91-9132FEEC519E}"/>
               </a:ext>
             </a:extLst>
           </p:cNvPr>
@@ -2232,7 +2232,7 @@
           <p:cNvPr id="2" name="Title 1">
             <a:extLst>
               <a:ext uri="{FF2B5EF4-FFF2-40B4-BE49-F238E27FC236}">
-                <a16:creationId xmlns:a16="http://schemas.microsoft.com/office/drawing/2014/main" id="{42E38360-29B0-E4B4-6A14-3A77AF1C03D5}"/>
+                <a16:creationId xmlns:a16="http://schemas.microsoft.com/office/drawing/2014/main" xmlns="" id="{42E38360-29B0-E4B4-6A14-3A77AF1C03D5}"/>
               </a:ext>
             </a:extLst>
           </p:cNvPr>
@@ -2270,7 +2270,7 @@
           <p:cNvPr id="3" name="Text Placeholder 2">
             <a:extLst>
               <a:ext uri="{FF2B5EF4-FFF2-40B4-BE49-F238E27FC236}">
-                <a16:creationId xmlns:a16="http://schemas.microsoft.com/office/drawing/2014/main" id="{BEC9DEAB-2A60-591D-656D-3D45C2024A4C}"/>
+                <a16:creationId xmlns:a16="http://schemas.microsoft.com/office/drawing/2014/main" xmlns="" id="{BEC9DEAB-2A60-591D-656D-3D45C2024A4C}"/>
               </a:ext>
             </a:extLst>
           </p:cNvPr>
@@ -2395,7 +2395,7 @@
           <p:cNvPr id="4" name="Date Placeholder 3">
             <a:extLst>
               <a:ext uri="{FF2B5EF4-FFF2-40B4-BE49-F238E27FC236}">
-                <a16:creationId xmlns:a16="http://schemas.microsoft.com/office/drawing/2014/main" id="{E5611E0D-3800-BFE4-2A72-31C911986698}"/>
+                <a16:creationId xmlns:a16="http://schemas.microsoft.com/office/drawing/2014/main" xmlns="" id="{E5611E0D-3800-BFE4-2A72-31C911986698}"/>
               </a:ext>
             </a:extLst>
           </p:cNvPr>
@@ -2413,7 +2413,7 @@
           <a:p>
             <a:fld id="{ACD9627E-A4F6-9044-9382-9A3FEB68C932}" type="datetime1">
               <a:rPr lang="en-US" smtClean="0"/>
-              <a:t>6/3/25</a:t>
+              <a:t>6/3/2025</a:t>
             </a:fld>
             <a:endParaRPr lang="x-none"/>
           </a:p>
@@ -2424,7 +2424,7 @@
           <p:cNvPr id="5" name="Footer Placeholder 4">
             <a:extLst>
               <a:ext uri="{FF2B5EF4-FFF2-40B4-BE49-F238E27FC236}">
-                <a16:creationId xmlns:a16="http://schemas.microsoft.com/office/drawing/2014/main" id="{020154EE-15DF-2A6C-2BFD-F06CB981D5FD}"/>
+                <a16:creationId xmlns:a16="http://schemas.microsoft.com/office/drawing/2014/main" xmlns="" id="{020154EE-15DF-2A6C-2BFD-F06CB981D5FD}"/>
               </a:ext>
             </a:extLst>
           </p:cNvPr>
@@ -2449,7 +2449,7 @@
           <p:cNvPr id="6" name="Slide Number Placeholder 5">
             <a:extLst>
               <a:ext uri="{FF2B5EF4-FFF2-40B4-BE49-F238E27FC236}">
-                <a16:creationId xmlns:a16="http://schemas.microsoft.com/office/drawing/2014/main" id="{CD688A48-4EDD-688C-9BEA-FFE2AFD03652}"/>
+                <a16:creationId xmlns:a16="http://schemas.microsoft.com/office/drawing/2014/main" xmlns="" id="{CD688A48-4EDD-688C-9BEA-FFE2AFD03652}"/>
               </a:ext>
             </a:extLst>
           </p:cNvPr>
@@ -2508,7 +2508,7 @@
           <p:cNvPr id="2" name="Title 1">
             <a:extLst>
               <a:ext uri="{FF2B5EF4-FFF2-40B4-BE49-F238E27FC236}">
-                <a16:creationId xmlns:a16="http://schemas.microsoft.com/office/drawing/2014/main" id="{34FF33F7-1197-3719-0B81-FE9E832111BF}"/>
+                <a16:creationId xmlns:a16="http://schemas.microsoft.com/office/drawing/2014/main" xmlns="" id="{34FF33F7-1197-3719-0B81-FE9E832111BF}"/>
               </a:ext>
             </a:extLst>
           </p:cNvPr>
@@ -2537,7 +2537,7 @@
           <p:cNvPr id="3" name="Content Placeholder 2">
             <a:extLst>
               <a:ext uri="{FF2B5EF4-FFF2-40B4-BE49-F238E27FC236}">
-                <a16:creationId xmlns:a16="http://schemas.microsoft.com/office/drawing/2014/main" id="{FE80C513-1CE3-AAA8-3941-34C33CB05EC3}"/>
+                <a16:creationId xmlns:a16="http://schemas.microsoft.com/office/drawing/2014/main" xmlns="" id="{FE80C513-1CE3-AAA8-3941-34C33CB05EC3}"/>
               </a:ext>
             </a:extLst>
           </p:cNvPr>
@@ -2600,7 +2600,7 @@
           <p:cNvPr id="4" name="Content Placeholder 3">
             <a:extLst>
               <a:ext uri="{FF2B5EF4-FFF2-40B4-BE49-F238E27FC236}">
-                <a16:creationId xmlns:a16="http://schemas.microsoft.com/office/drawing/2014/main" id="{19443F9F-95A0-E254-E8CC-627451E9DC93}"/>
+                <a16:creationId xmlns:a16="http://schemas.microsoft.com/office/drawing/2014/main" xmlns="" id="{19443F9F-95A0-E254-E8CC-627451E9DC93}"/>
               </a:ext>
             </a:extLst>
           </p:cNvPr>
@@ -2663,7 +2663,7 @@
           <p:cNvPr id="5" name="Date Placeholder 4">
             <a:extLst>
               <a:ext uri="{FF2B5EF4-FFF2-40B4-BE49-F238E27FC236}">
-                <a16:creationId xmlns:a16="http://schemas.microsoft.com/office/drawing/2014/main" id="{7721C897-9B2A-7215-D554-253B1BA26CED}"/>
+                <a16:creationId xmlns:a16="http://schemas.microsoft.com/office/drawing/2014/main" xmlns="" id="{7721C897-9B2A-7215-D554-253B1BA26CED}"/>
               </a:ext>
             </a:extLst>
           </p:cNvPr>
@@ -2681,7 +2681,7 @@
           <a:p>
             <a:fld id="{3EFEFA34-9AD6-3E40-8856-FA8DCB1E04DD}" type="datetime1">
               <a:rPr lang="en-US" smtClean="0"/>
-              <a:t>6/3/25</a:t>
+              <a:t>6/3/2025</a:t>
             </a:fld>
             <a:endParaRPr lang="x-none"/>
           </a:p>
@@ -2692,7 +2692,7 @@
           <p:cNvPr id="6" name="Footer Placeholder 5">
             <a:extLst>
               <a:ext uri="{FF2B5EF4-FFF2-40B4-BE49-F238E27FC236}">
-                <a16:creationId xmlns:a16="http://schemas.microsoft.com/office/drawing/2014/main" id="{FA8FB169-21E1-5D32-8AA9-3D6B75E2C739}"/>
+                <a16:creationId xmlns:a16="http://schemas.microsoft.com/office/drawing/2014/main" xmlns="" id="{FA8FB169-21E1-5D32-8AA9-3D6B75E2C739}"/>
               </a:ext>
             </a:extLst>
           </p:cNvPr>
@@ -2717,7 +2717,7 @@
           <p:cNvPr id="7" name="Slide Number Placeholder 6">
             <a:extLst>
               <a:ext uri="{FF2B5EF4-FFF2-40B4-BE49-F238E27FC236}">
-                <a16:creationId xmlns:a16="http://schemas.microsoft.com/office/drawing/2014/main" id="{8DCE5873-DF11-5C2F-5B7C-722612ED8F38}"/>
+                <a16:creationId xmlns:a16="http://schemas.microsoft.com/office/drawing/2014/main" xmlns="" id="{8DCE5873-DF11-5C2F-5B7C-722612ED8F38}"/>
               </a:ext>
             </a:extLst>
           </p:cNvPr>
@@ -2776,7 +2776,7 @@
           <p:cNvPr id="2" name="Title 1">
             <a:extLst>
               <a:ext uri="{FF2B5EF4-FFF2-40B4-BE49-F238E27FC236}">
-                <a16:creationId xmlns:a16="http://schemas.microsoft.com/office/drawing/2014/main" id="{B6E5D7BE-6715-F950-383D-E9E019135589}"/>
+                <a16:creationId xmlns:a16="http://schemas.microsoft.com/office/drawing/2014/main" xmlns="" id="{B6E5D7BE-6715-F950-383D-E9E019135589}"/>
               </a:ext>
             </a:extLst>
           </p:cNvPr>
@@ -2810,7 +2810,7 @@
           <p:cNvPr id="3" name="Text Placeholder 2">
             <a:extLst>
               <a:ext uri="{FF2B5EF4-FFF2-40B4-BE49-F238E27FC236}">
-                <a16:creationId xmlns:a16="http://schemas.microsoft.com/office/drawing/2014/main" id="{92798C97-AFF5-743A-D9C6-F3E0E8548079}"/>
+                <a16:creationId xmlns:a16="http://schemas.microsoft.com/office/drawing/2014/main" xmlns="" id="{92798C97-AFF5-743A-D9C6-F3E0E8548079}"/>
               </a:ext>
             </a:extLst>
           </p:cNvPr>
@@ -2881,7 +2881,7 @@
           <p:cNvPr id="4" name="Content Placeholder 3">
             <a:extLst>
               <a:ext uri="{FF2B5EF4-FFF2-40B4-BE49-F238E27FC236}">
-                <a16:creationId xmlns:a16="http://schemas.microsoft.com/office/drawing/2014/main" id="{BB91E37B-99AB-0CFA-D703-07A38730D5A0}"/>
+                <a16:creationId xmlns:a16="http://schemas.microsoft.com/office/drawing/2014/main" xmlns="" id="{BB91E37B-99AB-0CFA-D703-07A38730D5A0}"/>
               </a:ext>
             </a:extLst>
           </p:cNvPr>
@@ -2944,7 +2944,7 @@
           <p:cNvPr id="5" name="Text Placeholder 4">
             <a:extLst>
               <a:ext uri="{FF2B5EF4-FFF2-40B4-BE49-F238E27FC236}">
-                <a16:creationId xmlns:a16="http://schemas.microsoft.com/office/drawing/2014/main" id="{CA967C4F-EC5E-DDB6-05F2-771252ECCD62}"/>
+                <a16:creationId xmlns:a16="http://schemas.microsoft.com/office/drawing/2014/main" xmlns="" id="{CA967C4F-EC5E-DDB6-05F2-771252ECCD62}"/>
               </a:ext>
             </a:extLst>
           </p:cNvPr>
@@ -3015,7 +3015,7 @@
           <p:cNvPr id="6" name="Content Placeholder 5">
             <a:extLst>
               <a:ext uri="{FF2B5EF4-FFF2-40B4-BE49-F238E27FC236}">
-                <a16:creationId xmlns:a16="http://schemas.microsoft.com/office/drawing/2014/main" id="{6938E697-C64B-AB56-439F-0E0DF00DE9C9}"/>
+                <a16:creationId xmlns:a16="http://schemas.microsoft.com/office/drawing/2014/main" xmlns="" id="{6938E697-C64B-AB56-439F-0E0DF00DE9C9}"/>
               </a:ext>
             </a:extLst>
           </p:cNvPr>
@@ -3078,7 +3078,7 @@
           <p:cNvPr id="7" name="Date Placeholder 6">
             <a:extLst>
               <a:ext uri="{FF2B5EF4-FFF2-40B4-BE49-F238E27FC236}">
-                <a16:creationId xmlns:a16="http://schemas.microsoft.com/office/drawing/2014/main" id="{341CCD0E-BAD3-FBBA-A0F2-22AF89F6B595}"/>
+                <a16:creationId xmlns:a16="http://schemas.microsoft.com/office/drawing/2014/main" xmlns="" id="{341CCD0E-BAD3-FBBA-A0F2-22AF89F6B595}"/>
               </a:ext>
             </a:extLst>
           </p:cNvPr>
@@ -3096,7 +3096,7 @@
           <a:p>
             <a:fld id="{EAE87EA0-5966-7F4A-B5AA-A44E3885A250}" type="datetime1">
               <a:rPr lang="en-US" smtClean="0"/>
-              <a:t>6/3/25</a:t>
+              <a:t>6/3/2025</a:t>
             </a:fld>
             <a:endParaRPr lang="x-none"/>
           </a:p>
@@ -3107,7 +3107,7 @@
           <p:cNvPr id="8" name="Footer Placeholder 7">
             <a:extLst>
               <a:ext uri="{FF2B5EF4-FFF2-40B4-BE49-F238E27FC236}">
-                <a16:creationId xmlns:a16="http://schemas.microsoft.com/office/drawing/2014/main" id="{BC523237-35C6-4D59-2F1A-B98F63A765FC}"/>
+                <a16:creationId xmlns:a16="http://schemas.microsoft.com/office/drawing/2014/main" xmlns="" id="{BC523237-35C6-4D59-2F1A-B98F63A765FC}"/>
               </a:ext>
             </a:extLst>
           </p:cNvPr>
@@ -3132,7 +3132,7 @@
           <p:cNvPr id="9" name="Slide Number Placeholder 8">
             <a:extLst>
               <a:ext uri="{FF2B5EF4-FFF2-40B4-BE49-F238E27FC236}">
-                <a16:creationId xmlns:a16="http://schemas.microsoft.com/office/drawing/2014/main" id="{D5E41585-171E-9686-365B-01E091C79CD4}"/>
+                <a16:creationId xmlns:a16="http://schemas.microsoft.com/office/drawing/2014/main" xmlns="" id="{D5E41585-171E-9686-365B-01E091C79CD4}"/>
               </a:ext>
             </a:extLst>
           </p:cNvPr>
@@ -3191,7 +3191,7 @@
           <p:cNvPr id="2" name="Title 1">
             <a:extLst>
               <a:ext uri="{FF2B5EF4-FFF2-40B4-BE49-F238E27FC236}">
-                <a16:creationId xmlns:a16="http://schemas.microsoft.com/office/drawing/2014/main" id="{0C0A6CFC-4AEA-DA74-E9FC-FAAF74B9E6A5}"/>
+                <a16:creationId xmlns:a16="http://schemas.microsoft.com/office/drawing/2014/main" xmlns="" id="{0C0A6CFC-4AEA-DA74-E9FC-FAAF74B9E6A5}"/>
               </a:ext>
             </a:extLst>
           </p:cNvPr>
@@ -3220,7 +3220,7 @@
           <p:cNvPr id="3" name="Date Placeholder 2">
             <a:extLst>
               <a:ext uri="{FF2B5EF4-FFF2-40B4-BE49-F238E27FC236}">
-                <a16:creationId xmlns:a16="http://schemas.microsoft.com/office/drawing/2014/main" id="{AE037FC6-DC68-5284-F8B1-2CD102FEB22B}"/>
+                <a16:creationId xmlns:a16="http://schemas.microsoft.com/office/drawing/2014/main" xmlns="" id="{AE037FC6-DC68-5284-F8B1-2CD102FEB22B}"/>
               </a:ext>
             </a:extLst>
           </p:cNvPr>
@@ -3238,7 +3238,7 @@
           <a:p>
             <a:fld id="{FDED39A2-A4E4-B042-A38E-57077A4F095E}" type="datetime1">
               <a:rPr lang="en-US" smtClean="0"/>
-              <a:t>6/3/25</a:t>
+              <a:t>6/3/2025</a:t>
             </a:fld>
             <a:endParaRPr lang="x-none"/>
           </a:p>
@@ -3249,7 +3249,7 @@
           <p:cNvPr id="4" name="Footer Placeholder 3">
             <a:extLst>
               <a:ext uri="{FF2B5EF4-FFF2-40B4-BE49-F238E27FC236}">
-                <a16:creationId xmlns:a16="http://schemas.microsoft.com/office/drawing/2014/main" id="{38E424DE-409F-9A6A-EEEC-59B9C850EBD4}"/>
+                <a16:creationId xmlns:a16="http://schemas.microsoft.com/office/drawing/2014/main" xmlns="" id="{38E424DE-409F-9A6A-EEEC-59B9C850EBD4}"/>
               </a:ext>
             </a:extLst>
           </p:cNvPr>
@@ -3274,7 +3274,7 @@
           <p:cNvPr id="5" name="Slide Number Placeholder 4">
             <a:extLst>
               <a:ext uri="{FF2B5EF4-FFF2-40B4-BE49-F238E27FC236}">
-                <a16:creationId xmlns:a16="http://schemas.microsoft.com/office/drawing/2014/main" id="{6DF1D43F-9032-1032-A8A8-BBB30C352506}"/>
+                <a16:creationId xmlns:a16="http://schemas.microsoft.com/office/drawing/2014/main" xmlns="" id="{6DF1D43F-9032-1032-A8A8-BBB30C352506}"/>
               </a:ext>
             </a:extLst>
           </p:cNvPr>
@@ -3333,7 +3333,7 @@
           <p:cNvPr id="2" name="Date Placeholder 1">
             <a:extLst>
               <a:ext uri="{FF2B5EF4-FFF2-40B4-BE49-F238E27FC236}">
-                <a16:creationId xmlns:a16="http://schemas.microsoft.com/office/drawing/2014/main" id="{C1F2312C-ECCF-5F71-2AB2-C68D378CC6C2}"/>
+                <a16:creationId xmlns:a16="http://schemas.microsoft.com/office/drawing/2014/main" xmlns="" id="{C1F2312C-ECCF-5F71-2AB2-C68D378CC6C2}"/>
               </a:ext>
             </a:extLst>
           </p:cNvPr>
@@ -3351,7 +3351,7 @@
           <a:p>
             <a:fld id="{4C3F0996-9061-2E49-B78D-018A8DE04C00}" type="datetime1">
               <a:rPr lang="en-US" smtClean="0"/>
-              <a:t>6/3/25</a:t>
+              <a:t>6/3/2025</a:t>
             </a:fld>
             <a:endParaRPr lang="x-none"/>
           </a:p>
@@ -3362,7 +3362,7 @@
           <p:cNvPr id="3" name="Footer Placeholder 2">
             <a:extLst>
               <a:ext uri="{FF2B5EF4-FFF2-40B4-BE49-F238E27FC236}">
-                <a16:creationId xmlns:a16="http://schemas.microsoft.com/office/drawing/2014/main" id="{39D2EEA5-10F1-5842-3D33-4D942B56E557}"/>
+                <a16:creationId xmlns:a16="http://schemas.microsoft.com/office/drawing/2014/main" xmlns="" id="{39D2EEA5-10F1-5842-3D33-4D942B56E557}"/>
               </a:ext>
             </a:extLst>
           </p:cNvPr>
@@ -3387,7 +3387,7 @@
           <p:cNvPr id="4" name="Slide Number Placeholder 3">
             <a:extLst>
               <a:ext uri="{FF2B5EF4-FFF2-40B4-BE49-F238E27FC236}">
-                <a16:creationId xmlns:a16="http://schemas.microsoft.com/office/drawing/2014/main" id="{D23BF4DC-043A-A7EF-2892-D57699D5CEC9}"/>
+                <a16:creationId xmlns:a16="http://schemas.microsoft.com/office/drawing/2014/main" xmlns="" id="{D23BF4DC-043A-A7EF-2892-D57699D5CEC9}"/>
               </a:ext>
             </a:extLst>
           </p:cNvPr>
@@ -3446,7 +3446,7 @@
           <p:cNvPr id="2" name="Title 1">
             <a:extLst>
               <a:ext uri="{FF2B5EF4-FFF2-40B4-BE49-F238E27FC236}">
-                <a16:creationId xmlns:a16="http://schemas.microsoft.com/office/drawing/2014/main" id="{20054339-AFA6-6BD1-BED0-E7DB848F2245}"/>
+                <a16:creationId xmlns:a16="http://schemas.microsoft.com/office/drawing/2014/main" xmlns="" id="{20054339-AFA6-6BD1-BED0-E7DB848F2245}"/>
               </a:ext>
             </a:extLst>
           </p:cNvPr>
@@ -3484,7 +3484,7 @@
           <p:cNvPr id="3" name="Content Placeholder 2">
             <a:extLst>
               <a:ext uri="{FF2B5EF4-FFF2-40B4-BE49-F238E27FC236}">
-                <a16:creationId xmlns:a16="http://schemas.microsoft.com/office/drawing/2014/main" id="{A5FE6B8A-EC4A-0043-3E31-E96AD5DA02E7}"/>
+                <a16:creationId xmlns:a16="http://schemas.microsoft.com/office/drawing/2014/main" xmlns="" id="{A5FE6B8A-EC4A-0043-3E31-E96AD5DA02E7}"/>
               </a:ext>
             </a:extLst>
           </p:cNvPr>
@@ -3575,7 +3575,7 @@
           <p:cNvPr id="4" name="Text Placeholder 3">
             <a:extLst>
               <a:ext uri="{FF2B5EF4-FFF2-40B4-BE49-F238E27FC236}">
-                <a16:creationId xmlns:a16="http://schemas.microsoft.com/office/drawing/2014/main" id="{2FA95A84-25CD-7D46-7868-85F55A3536F9}"/>
+                <a16:creationId xmlns:a16="http://schemas.microsoft.com/office/drawing/2014/main" xmlns="" id="{2FA95A84-25CD-7D46-7868-85F55A3536F9}"/>
               </a:ext>
             </a:extLst>
           </p:cNvPr>
@@ -3646,7 +3646,7 @@
           <p:cNvPr id="5" name="Date Placeholder 4">
             <a:extLst>
               <a:ext uri="{FF2B5EF4-FFF2-40B4-BE49-F238E27FC236}">
-                <a16:creationId xmlns:a16="http://schemas.microsoft.com/office/drawing/2014/main" id="{B9FD9243-C6CB-9BC3-67D3-B020503D1B26}"/>
+                <a16:creationId xmlns:a16="http://schemas.microsoft.com/office/drawing/2014/main" xmlns="" id="{B9FD9243-C6CB-9BC3-67D3-B020503D1B26}"/>
               </a:ext>
             </a:extLst>
           </p:cNvPr>
@@ -3664,7 +3664,7 @@
           <a:p>
             <a:fld id="{9E62FA2B-27B0-9B43-AADD-4AF746C3E857}" type="datetime1">
               <a:rPr lang="en-US" smtClean="0"/>
-              <a:t>6/3/25</a:t>
+              <a:t>6/3/2025</a:t>
             </a:fld>
             <a:endParaRPr lang="x-none"/>
           </a:p>
@@ -3675,7 +3675,7 @@
           <p:cNvPr id="6" name="Footer Placeholder 5">
             <a:extLst>
               <a:ext uri="{FF2B5EF4-FFF2-40B4-BE49-F238E27FC236}">
-                <a16:creationId xmlns:a16="http://schemas.microsoft.com/office/drawing/2014/main" id="{483A4658-0914-BD94-890B-6AD60E0ED077}"/>
+                <a16:creationId xmlns:a16="http://schemas.microsoft.com/office/drawing/2014/main" xmlns="" id="{483A4658-0914-BD94-890B-6AD60E0ED077}"/>
               </a:ext>
             </a:extLst>
           </p:cNvPr>
@@ -3700,7 +3700,7 @@
           <p:cNvPr id="7" name="Slide Number Placeholder 6">
             <a:extLst>
               <a:ext uri="{FF2B5EF4-FFF2-40B4-BE49-F238E27FC236}">
-                <a16:creationId xmlns:a16="http://schemas.microsoft.com/office/drawing/2014/main" id="{D9D02A91-8200-1F7E-D698-8B003BADF56B}"/>
+                <a16:creationId xmlns:a16="http://schemas.microsoft.com/office/drawing/2014/main" xmlns="" id="{D9D02A91-8200-1F7E-D698-8B003BADF56B}"/>
               </a:ext>
             </a:extLst>
           </p:cNvPr>
@@ -3759,7 +3759,7 @@
           <p:cNvPr id="2" name="Title 1">
             <a:extLst>
               <a:ext uri="{FF2B5EF4-FFF2-40B4-BE49-F238E27FC236}">
-                <a16:creationId xmlns:a16="http://schemas.microsoft.com/office/drawing/2014/main" id="{8CFC6585-8556-0D64-8C17-08C567CCFBC7}"/>
+                <a16:creationId xmlns:a16="http://schemas.microsoft.com/office/drawing/2014/main" xmlns="" id="{8CFC6585-8556-0D64-8C17-08C567CCFBC7}"/>
               </a:ext>
             </a:extLst>
           </p:cNvPr>
@@ -3797,7 +3797,7 @@
           <p:cNvPr id="3" name="Picture Placeholder 2">
             <a:extLst>
               <a:ext uri="{FF2B5EF4-FFF2-40B4-BE49-F238E27FC236}">
-                <a16:creationId xmlns:a16="http://schemas.microsoft.com/office/drawing/2014/main" id="{F142BC9A-E0D9-ABEC-FE61-0843953B4AD0}"/>
+                <a16:creationId xmlns:a16="http://schemas.microsoft.com/office/drawing/2014/main" xmlns="" id="{F142BC9A-E0D9-ABEC-FE61-0843953B4AD0}"/>
               </a:ext>
             </a:extLst>
           </p:cNvPr>
@@ -3864,7 +3864,7 @@
           <p:cNvPr id="4" name="Text Placeholder 3">
             <a:extLst>
               <a:ext uri="{FF2B5EF4-FFF2-40B4-BE49-F238E27FC236}">
-                <a16:creationId xmlns:a16="http://schemas.microsoft.com/office/drawing/2014/main" id="{C81E1977-4EE7-58E9-E40B-DFB5735E8D04}"/>
+                <a16:creationId xmlns:a16="http://schemas.microsoft.com/office/drawing/2014/main" xmlns="" id="{C81E1977-4EE7-58E9-E40B-DFB5735E8D04}"/>
               </a:ext>
             </a:extLst>
           </p:cNvPr>
@@ -3935,7 +3935,7 @@
           <p:cNvPr id="5" name="Date Placeholder 4">
             <a:extLst>
               <a:ext uri="{FF2B5EF4-FFF2-40B4-BE49-F238E27FC236}">
-                <a16:creationId xmlns:a16="http://schemas.microsoft.com/office/drawing/2014/main" id="{EC8A11F0-ABB7-00BB-C8EF-9B1F7C4F3FC1}"/>
+                <a16:creationId xmlns:a16="http://schemas.microsoft.com/office/drawing/2014/main" xmlns="" id="{EC8A11F0-ABB7-00BB-C8EF-9B1F7C4F3FC1}"/>
               </a:ext>
             </a:extLst>
           </p:cNvPr>
@@ -3953,7 +3953,7 @@
           <a:p>
             <a:fld id="{AB83B2EB-FFFD-4048-9731-4A1A0BF4C329}" type="datetime1">
               <a:rPr lang="en-US" smtClean="0"/>
-              <a:t>6/3/25</a:t>
+              <a:t>6/3/2025</a:t>
             </a:fld>
             <a:endParaRPr lang="x-none"/>
           </a:p>
@@ -3964,7 +3964,7 @@
           <p:cNvPr id="6" name="Footer Placeholder 5">
             <a:extLst>
               <a:ext uri="{FF2B5EF4-FFF2-40B4-BE49-F238E27FC236}">
-                <a16:creationId xmlns:a16="http://schemas.microsoft.com/office/drawing/2014/main" id="{E120913E-99D7-A887-A365-113B110E9B5F}"/>
+                <a16:creationId xmlns:a16="http://schemas.microsoft.com/office/drawing/2014/main" xmlns="" id="{E120913E-99D7-A887-A365-113B110E9B5F}"/>
               </a:ext>
             </a:extLst>
           </p:cNvPr>
@@ -3989,7 +3989,7 @@
           <p:cNvPr id="7" name="Slide Number Placeholder 6">
             <a:extLst>
               <a:ext uri="{FF2B5EF4-FFF2-40B4-BE49-F238E27FC236}">
-                <a16:creationId xmlns:a16="http://schemas.microsoft.com/office/drawing/2014/main" id="{58D7DFDE-FC1E-9993-8AEB-496B1AC05419}"/>
+                <a16:creationId xmlns:a16="http://schemas.microsoft.com/office/drawing/2014/main" xmlns="" id="{58D7DFDE-FC1E-9993-8AEB-496B1AC05419}"/>
               </a:ext>
             </a:extLst>
           </p:cNvPr>
@@ -4053,7 +4053,7 @@
           <p:cNvPr id="2" name="Title Placeholder 1">
             <a:extLst>
               <a:ext uri="{FF2B5EF4-FFF2-40B4-BE49-F238E27FC236}">
-                <a16:creationId xmlns:a16="http://schemas.microsoft.com/office/drawing/2014/main" id="{902AF78A-EECF-5E37-CE06-921C961AD2BC}"/>
+                <a16:creationId xmlns:a16="http://schemas.microsoft.com/office/drawing/2014/main" xmlns="" id="{902AF78A-EECF-5E37-CE06-921C961AD2BC}"/>
               </a:ext>
             </a:extLst>
           </p:cNvPr>
@@ -4092,7 +4092,7 @@
           <p:cNvPr id="3" name="Text Placeholder 2">
             <a:extLst>
               <a:ext uri="{FF2B5EF4-FFF2-40B4-BE49-F238E27FC236}">
-                <a16:creationId xmlns:a16="http://schemas.microsoft.com/office/drawing/2014/main" id="{E0C0A444-7159-D21B-BE05-96AF77BD3C1A}"/>
+                <a16:creationId xmlns:a16="http://schemas.microsoft.com/office/drawing/2014/main" xmlns="" id="{E0C0A444-7159-D21B-BE05-96AF77BD3C1A}"/>
               </a:ext>
             </a:extLst>
           </p:cNvPr>
@@ -4160,7 +4160,7 @@
           <p:cNvPr id="4" name="Date Placeholder 3">
             <a:extLst>
               <a:ext uri="{FF2B5EF4-FFF2-40B4-BE49-F238E27FC236}">
-                <a16:creationId xmlns:a16="http://schemas.microsoft.com/office/drawing/2014/main" id="{EFFFD487-665B-3F9B-A95C-1AF44BB2A95B}"/>
+                <a16:creationId xmlns:a16="http://schemas.microsoft.com/office/drawing/2014/main" xmlns="" id="{EFFFD487-665B-3F9B-A95C-1AF44BB2A95B}"/>
               </a:ext>
             </a:extLst>
           </p:cNvPr>
@@ -4196,7 +4196,7 @@
           <a:p>
             <a:fld id="{5F18A1FB-997D-D64F-9EE3-168567971971}" type="datetime1">
               <a:rPr lang="en-US" smtClean="0"/>
-              <a:t>6/3/25</a:t>
+              <a:t>6/3/2025</a:t>
             </a:fld>
             <a:endParaRPr lang="x-none"/>
           </a:p>
@@ -4207,7 +4207,7 @@
           <p:cNvPr id="5" name="Footer Placeholder 4">
             <a:extLst>
               <a:ext uri="{FF2B5EF4-FFF2-40B4-BE49-F238E27FC236}">
-                <a16:creationId xmlns:a16="http://schemas.microsoft.com/office/drawing/2014/main" id="{C7F0EC3B-DDCB-5305-B540-2B3BA5F83EEE}"/>
+                <a16:creationId xmlns:a16="http://schemas.microsoft.com/office/drawing/2014/main" xmlns="" id="{C7F0EC3B-DDCB-5305-B540-2B3BA5F83EEE}"/>
               </a:ext>
             </a:extLst>
           </p:cNvPr>
@@ -4250,7 +4250,7 @@
           <p:cNvPr id="6" name="Slide Number Placeholder 5">
             <a:extLst>
               <a:ext uri="{FF2B5EF4-FFF2-40B4-BE49-F238E27FC236}">
-                <a16:creationId xmlns:a16="http://schemas.microsoft.com/office/drawing/2014/main" id="{565061B2-61D6-8F88-8486-B01C98AAEE7F}"/>
+                <a16:creationId xmlns:a16="http://schemas.microsoft.com/office/drawing/2014/main" xmlns="" id="{565061B2-61D6-8F88-8486-B01C98AAEE7F}"/>
               </a:ext>
             </a:extLst>
           </p:cNvPr>
@@ -4619,7 +4619,7 @@
           <p:cNvPr id="5" name="TextBox 4">
             <a:extLst>
               <a:ext uri="{FF2B5EF4-FFF2-40B4-BE49-F238E27FC236}">
-                <a16:creationId xmlns:a16="http://schemas.microsoft.com/office/drawing/2014/main" id="{08A48A88-95D2-AED4-021E-709267D5BCC7}"/>
+                <a16:creationId xmlns:a16="http://schemas.microsoft.com/office/drawing/2014/main" xmlns="" id="{08A48A88-95D2-AED4-021E-709267D5BCC7}"/>
               </a:ext>
             </a:extLst>
           </p:cNvPr>
@@ -4667,7 +4667,7 @@
           <p:cNvPr id="6" name="Text Box 3">
             <a:extLst>
               <a:ext uri="{FF2B5EF4-FFF2-40B4-BE49-F238E27FC236}">
-                <a16:creationId xmlns:a16="http://schemas.microsoft.com/office/drawing/2014/main" id="{CB16AF12-A55A-97B4-9DA4-CE165FC0F8B2}"/>
+                <a16:creationId xmlns:a16="http://schemas.microsoft.com/office/drawing/2014/main" xmlns="" id="{CB16AF12-A55A-97B4-9DA4-CE165FC0F8B2}"/>
               </a:ext>
             </a:extLst>
           </p:cNvPr>
@@ -4880,7 +4880,7 @@
           <p:cNvPr id="7" name="Text Box 4">
             <a:extLst>
               <a:ext uri="{FF2B5EF4-FFF2-40B4-BE49-F238E27FC236}">
-                <a16:creationId xmlns:a16="http://schemas.microsoft.com/office/drawing/2014/main" id="{E7750603-E5FA-9F07-E289-DEF2F9B243DD}"/>
+                <a16:creationId xmlns:a16="http://schemas.microsoft.com/office/drawing/2014/main" xmlns="" id="{E7750603-E5FA-9F07-E289-DEF2F9B243DD}"/>
               </a:ext>
             </a:extLst>
           </p:cNvPr>
@@ -5090,7 +5090,7 @@
           <p:cNvPr id="4" name="Date Placeholder 3">
             <a:extLst>
               <a:ext uri="{FF2B5EF4-FFF2-40B4-BE49-F238E27FC236}">
-                <a16:creationId xmlns:a16="http://schemas.microsoft.com/office/drawing/2014/main" id="{80FC24D0-2366-35DB-314D-2821C61BE017}"/>
+                <a16:creationId xmlns:a16="http://schemas.microsoft.com/office/drawing/2014/main" xmlns="" id="{80FC24D0-2366-35DB-314D-2821C61BE017}"/>
               </a:ext>
             </a:extLst>
           </p:cNvPr>
@@ -5108,7 +5108,7 @@
           <a:p>
             <a:fld id="{D662D366-9655-D84B-B77B-79E88E175CB2}" type="datetime1">
               <a:rPr lang="en-US" smtClean="0"/>
-              <a:t>6/3/25</a:t>
+              <a:t>6/3/2025</a:t>
             </a:fld>
             <a:endParaRPr lang="x-none"/>
           </a:p>
@@ -5119,7 +5119,7 @@
           <p:cNvPr id="8" name="Slide Number Placeholder 7">
             <a:extLst>
               <a:ext uri="{FF2B5EF4-FFF2-40B4-BE49-F238E27FC236}">
-                <a16:creationId xmlns:a16="http://schemas.microsoft.com/office/drawing/2014/main" id="{854287FE-9559-FCE7-2EE9-3EA9AD8D715C}"/>
+                <a16:creationId xmlns:a16="http://schemas.microsoft.com/office/drawing/2014/main" xmlns="" id="{854287FE-9559-FCE7-2EE9-3EA9AD8D715C}"/>
               </a:ext>
             </a:extLst>
           </p:cNvPr>
@@ -5148,7 +5148,7 @@
           <p:cNvPr id="9" name="직사각형 2">
             <a:extLst>
               <a:ext uri="{FF2B5EF4-FFF2-40B4-BE49-F238E27FC236}">
-                <a16:creationId xmlns:a16="http://schemas.microsoft.com/office/drawing/2014/main" id="{E690E08F-4346-FB19-6350-D6D35A592CF7}"/>
+                <a16:creationId xmlns:a16="http://schemas.microsoft.com/office/drawing/2014/main" xmlns="" id="{E690E08F-4346-FB19-6350-D6D35A592CF7}"/>
               </a:ext>
             </a:extLst>
           </p:cNvPr>
@@ -5344,7 +5344,7 @@
           <p:cNvPr id="2" name="Title 1">
             <a:extLst>
               <a:ext uri="{FF2B5EF4-FFF2-40B4-BE49-F238E27FC236}">
-                <a16:creationId xmlns:a16="http://schemas.microsoft.com/office/drawing/2014/main" id="{1A51E9F9-BEBD-577F-34FA-ADB154D292CA}"/>
+                <a16:creationId xmlns:a16="http://schemas.microsoft.com/office/drawing/2014/main" xmlns="" id="{1A51E9F9-BEBD-577F-34FA-ADB154D292CA}"/>
               </a:ext>
             </a:extLst>
           </p:cNvPr>
@@ -5396,7 +5396,7 @@
           <p:cNvPr id="4" name="Date Placeholder 3">
             <a:extLst>
               <a:ext uri="{FF2B5EF4-FFF2-40B4-BE49-F238E27FC236}">
-                <a16:creationId xmlns:a16="http://schemas.microsoft.com/office/drawing/2014/main" id="{6617FDCD-DE07-7435-B9F4-718742774A28}"/>
+                <a16:creationId xmlns:a16="http://schemas.microsoft.com/office/drawing/2014/main" xmlns="" id="{6617FDCD-DE07-7435-B9F4-718742774A28}"/>
               </a:ext>
             </a:extLst>
           </p:cNvPr>
@@ -5414,7 +5414,7 @@
           <a:p>
             <a:fld id="{CEDF7557-72DD-A34A-8659-6DD33C33D1E3}" type="datetime1">
               <a:rPr lang="en-US" smtClean="0"/>
-              <a:t>6/3/25</a:t>
+              <a:t>6/3/2025</a:t>
             </a:fld>
             <a:endParaRPr lang="x-none"/>
           </a:p>
@@ -5425,7 +5425,7 @@
           <p:cNvPr id="5" name="Slide Number Placeholder 4">
             <a:extLst>
               <a:ext uri="{FF2B5EF4-FFF2-40B4-BE49-F238E27FC236}">
-                <a16:creationId xmlns:a16="http://schemas.microsoft.com/office/drawing/2014/main" id="{DD807FC8-D3AC-AACC-7391-249496371E51}"/>
+                <a16:creationId xmlns:a16="http://schemas.microsoft.com/office/drawing/2014/main" xmlns="" id="{DD807FC8-D3AC-AACC-7391-249496371E51}"/>
               </a:ext>
             </a:extLst>
           </p:cNvPr>
@@ -5454,7 +5454,7 @@
           <p:cNvPr id="9" name="직사각형 2">
             <a:extLst>
               <a:ext uri="{FF2B5EF4-FFF2-40B4-BE49-F238E27FC236}">
-                <a16:creationId xmlns:a16="http://schemas.microsoft.com/office/drawing/2014/main" id="{73009833-FABA-3E2D-E634-C04C3932BB3F}"/>
+                <a16:creationId xmlns:a16="http://schemas.microsoft.com/office/drawing/2014/main" xmlns="" id="{73009833-FABA-3E2D-E634-C04C3932BB3F}"/>
               </a:ext>
             </a:extLst>
           </p:cNvPr>
@@ -5515,7 +5515,7 @@
           <p:cNvPr id="8" name="텍스트 개체 틀 3">
             <a:extLst>
               <a:ext uri="{FF2B5EF4-FFF2-40B4-BE49-F238E27FC236}">
-                <a16:creationId xmlns:a16="http://schemas.microsoft.com/office/drawing/2014/main" id="{3D5EA90C-B7C2-6192-8E76-268D2FC73076}"/>
+                <a16:creationId xmlns:a16="http://schemas.microsoft.com/office/drawing/2014/main" xmlns="" id="{3D5EA90C-B7C2-6192-8E76-268D2FC73076}"/>
               </a:ext>
             </a:extLst>
           </p:cNvPr>
@@ -5527,7 +5527,7 @@
         <p:spPr>
           <a:xfrm>
             <a:off x="603648" y="844072"/>
-            <a:ext cx="8781511" cy="4707443"/>
+            <a:ext cx="8781511" cy="5059847"/>
           </a:xfrm>
           <a:prstGeom prst="rect">
             <a:avLst/>
@@ -5626,9 +5626,31 @@
                 <a:ea typeface="LG Smart UI SemiBold" panose="020B0700000101010101" pitchFamily="50" charset="-127"/>
                 <a:cs typeface="Arial" panose="020B0604020202020204" pitchFamily="34" charset="0"/>
               </a:rPr>
-              <a:t>Provide simpler API for user application</a:t>
+              <a:t>Provide simpler API for user </a:t>
+            </a:r>
+            <a:r>
+              <a:rPr lang="en-US" sz="1800" b="0" dirty="0" smtClean="0">
+                <a:latin typeface="Arial" panose="020B0604020202020204" pitchFamily="34" charset="0"/>
+                <a:ea typeface="LG Smart UI SemiBold" panose="020B0700000101010101" pitchFamily="50" charset="-127"/>
+                <a:cs typeface="Arial" panose="020B0604020202020204" pitchFamily="34" charset="0"/>
+              </a:rPr>
+              <a:t>application -&gt; improve </a:t>
+            </a:r>
+            <a:r>
+              <a:rPr lang="en-US" sz="1800" b="0" dirty="0" err="1" smtClean="0">
+                <a:solidFill>
+                  <a:srgbClr val="FF0000"/>
+                </a:solidFill>
+                <a:latin typeface="Arial" panose="020B0604020202020204" pitchFamily="34" charset="0"/>
+                <a:ea typeface="LG Smart UI SemiBold" panose="020B0700000101010101" pitchFamily="50" charset="-127"/>
+                <a:cs typeface="Arial" panose="020B0604020202020204" pitchFamily="34" charset="0"/>
+              </a:rPr>
+              <a:t>Userability</a:t>
             </a:r>
             <a:endParaRPr lang="en-US" sz="1600" b="0" dirty="0">
+              <a:solidFill>
+                <a:srgbClr val="FF0000"/>
+              </a:solidFill>
               <a:latin typeface="Arial" panose="020B0604020202020204" pitchFamily="34" charset="0"/>
               <a:ea typeface="LG Smart UI SemiBold" panose="020B0700000101010101" pitchFamily="50" charset="-127"/>
               <a:cs typeface="Arial" panose="020B0604020202020204" pitchFamily="34" charset="0"/>
@@ -5652,8 +5674,51 @@
                 <a:ea typeface="LG Smart UI SemiBold" panose="020B0700000101010101" pitchFamily="50" charset="-127"/>
                 <a:cs typeface="Arial" panose="020B0604020202020204" pitchFamily="34" charset="0"/>
               </a:rPr>
-              <a:t>New async library can detect CPU-bound task</a:t>
-            </a:r>
+              <a:t>New async library can </a:t>
+            </a:r>
+            <a:r>
+              <a:rPr lang="en-US" sz="1800" b="0" dirty="0" smtClean="0">
+                <a:latin typeface="Arial" panose="020B0604020202020204" pitchFamily="34" charset="0"/>
+                <a:ea typeface="LG Smart UI SemiBold" panose="020B0700000101010101" pitchFamily="50" charset="-127"/>
+                <a:cs typeface="Arial" panose="020B0604020202020204" pitchFamily="34" charset="0"/>
+              </a:rPr>
+              <a:t>handle </a:t>
+            </a:r>
+            <a:r>
+              <a:rPr lang="en-US" sz="1800" b="0" dirty="0">
+                <a:latin typeface="Arial" panose="020B0604020202020204" pitchFamily="34" charset="0"/>
+                <a:ea typeface="LG Smart UI SemiBold" panose="020B0700000101010101" pitchFamily="50" charset="-127"/>
+                <a:cs typeface="Arial" panose="020B0604020202020204" pitchFamily="34" charset="0"/>
+              </a:rPr>
+              <a:t>CPU-bound </a:t>
+            </a:r>
+            <a:r>
+              <a:rPr lang="en-US" sz="1800" b="0" dirty="0" smtClean="0">
+                <a:latin typeface="Arial" panose="020B0604020202020204" pitchFamily="34" charset="0"/>
+                <a:ea typeface="LG Smart UI SemiBold" panose="020B0700000101010101" pitchFamily="50" charset="-127"/>
+                <a:cs typeface="Arial" panose="020B0604020202020204" pitchFamily="34" charset="0"/>
+              </a:rPr>
+              <a:t>task better -&gt; improve </a:t>
+            </a:r>
+            <a:r>
+              <a:rPr lang="en-US" sz="1800" b="0" dirty="0" smtClean="0">
+                <a:solidFill>
+                  <a:srgbClr val="FF0000"/>
+                </a:solidFill>
+                <a:latin typeface="Arial" panose="020B0604020202020204" pitchFamily="34" charset="0"/>
+                <a:ea typeface="LG Smart UI SemiBold" panose="020B0700000101010101" pitchFamily="50" charset="-127"/>
+                <a:cs typeface="Arial" panose="020B0604020202020204" pitchFamily="34" charset="0"/>
+              </a:rPr>
+              <a:t>Performance</a:t>
+            </a:r>
+            <a:endParaRPr lang="en-US" sz="1800" b="0" dirty="0">
+              <a:solidFill>
+                <a:srgbClr val="FF0000"/>
+              </a:solidFill>
+              <a:latin typeface="Arial" panose="020B0604020202020204" pitchFamily="34" charset="0"/>
+              <a:ea typeface="LG Smart UI SemiBold" panose="020B0700000101010101" pitchFamily="50" charset="-127"/>
+              <a:cs typeface="Arial" panose="020B0604020202020204" pitchFamily="34" charset="0"/>
+            </a:endParaRPr>
           </a:p>
           <a:p>
             <a:pPr>
@@ -5673,8 +5738,43 @@
                 <a:ea typeface="LG Smart UI SemiBold" panose="020B0700000101010101" pitchFamily="50" charset="-127"/>
                 <a:cs typeface="Arial" panose="020B0604020202020204" pitchFamily="34" charset="0"/>
               </a:rPr>
-              <a:t>Support a chain of asynchronous operations</a:t>
-            </a:r>
+              <a:t>Support a chain of asynchronous </a:t>
+            </a:r>
+            <a:r>
+              <a:rPr lang="en-US" sz="1800" b="0" dirty="0" smtClean="0">
+                <a:latin typeface="Arial" panose="020B0604020202020204" pitchFamily="34" charset="0"/>
+                <a:ea typeface="LG Smart UI SemiBold" panose="020B0700000101010101" pitchFamily="50" charset="-127"/>
+                <a:cs typeface="Arial" panose="020B0604020202020204" pitchFamily="34" charset="0"/>
+              </a:rPr>
+              <a:t>operations -&gt; improve</a:t>
+            </a:r>
+            <a:r>
+              <a:rPr lang="en-US" sz="1800" b="0" dirty="0" smtClean="0">
+                <a:solidFill>
+                  <a:srgbClr val="FF0000"/>
+                </a:solidFill>
+                <a:latin typeface="Arial" panose="020B0604020202020204" pitchFamily="34" charset="0"/>
+                <a:ea typeface="LG Smart UI SemiBold" panose="020B0700000101010101" pitchFamily="50" charset="-127"/>
+                <a:cs typeface="Arial" panose="020B0604020202020204" pitchFamily="34" charset="0"/>
+              </a:rPr>
+              <a:t> </a:t>
+            </a:r>
+            <a:r>
+              <a:rPr lang="en-US" sz="1800" b="0" dirty="0" err="1" smtClean="0">
+                <a:solidFill>
+                  <a:srgbClr val="FF0000"/>
+                </a:solidFill>
+                <a:latin typeface="Arial" panose="020B0604020202020204" pitchFamily="34" charset="0"/>
+                <a:ea typeface="LG Smart UI SemiBold" panose="020B0700000101010101" pitchFamily="50" charset="-127"/>
+                <a:cs typeface="Arial" panose="020B0604020202020204" pitchFamily="34" charset="0"/>
+              </a:rPr>
+              <a:t>Userability</a:t>
+            </a:r>
+            <a:endParaRPr lang="en-US" sz="1800" b="0" dirty="0">
+              <a:latin typeface="Arial" panose="020B0604020202020204" pitchFamily="34" charset="0"/>
+              <a:ea typeface="LG Smart UI SemiBold" panose="020B0700000101010101" pitchFamily="50" charset="-127"/>
+              <a:cs typeface="Arial" panose="020B0604020202020204" pitchFamily="34" charset="0"/>
+            </a:endParaRPr>
           </a:p>
           <a:p>
             <a:pPr lvl="0">
@@ -5694,8 +5794,62 @@
                 <a:ea typeface="LG Smart UI SemiBold" panose="020B0700000101010101" pitchFamily="50" charset="-127"/>
                 <a:cs typeface="Arial" panose="020B0604020202020204" pitchFamily="34" charset="0"/>
               </a:rPr>
-              <a:t>Propose new timer mechanism which works effectively in new async library</a:t>
-            </a:r>
+              <a:t>Propose new timer mechanism which works effectively in new </a:t>
+            </a:r>
+            <a:r>
+              <a:rPr lang="en-US" sz="1800" b="0" dirty="0" err="1">
+                <a:latin typeface="Arial" panose="020B0604020202020204" pitchFamily="34" charset="0"/>
+                <a:ea typeface="LG Smart UI SemiBold" panose="020B0700000101010101" pitchFamily="50" charset="-127"/>
+                <a:cs typeface="Arial" panose="020B0604020202020204" pitchFamily="34" charset="0"/>
+              </a:rPr>
+              <a:t>async</a:t>
+            </a:r>
+            <a:r>
+              <a:rPr lang="en-US" sz="1800" b="0" dirty="0">
+                <a:latin typeface="Arial" panose="020B0604020202020204" pitchFamily="34" charset="0"/>
+                <a:ea typeface="LG Smart UI SemiBold" panose="020B0700000101010101" pitchFamily="50" charset="-127"/>
+                <a:cs typeface="Arial" panose="020B0604020202020204" pitchFamily="34" charset="0"/>
+              </a:rPr>
+              <a:t> </a:t>
+            </a:r>
+            <a:r>
+              <a:rPr lang="en-US" sz="1800" b="0" dirty="0" smtClean="0">
+                <a:latin typeface="Arial" panose="020B0604020202020204" pitchFamily="34" charset="0"/>
+                <a:ea typeface="LG Smart UI SemiBold" panose="020B0700000101010101" pitchFamily="50" charset="-127"/>
+                <a:cs typeface="Arial" panose="020B0604020202020204" pitchFamily="34" charset="0"/>
+              </a:rPr>
+              <a:t>library -&gt; improve </a:t>
+            </a:r>
+            <a:r>
+              <a:rPr lang="en-US" sz="1800" b="0" dirty="0" smtClean="0">
+                <a:solidFill>
+                  <a:srgbClr val="FF0000"/>
+                </a:solidFill>
+                <a:latin typeface="Arial" panose="020B0604020202020204" pitchFamily="34" charset="0"/>
+                <a:ea typeface="LG Smart UI SemiBold" panose="020B0700000101010101" pitchFamily="50" charset="-127"/>
+                <a:cs typeface="Arial" panose="020B0604020202020204" pitchFamily="34" charset="0"/>
+              </a:rPr>
+              <a:t>E</a:t>
+            </a:r>
+            <a:r>
+              <a:rPr lang="en-US" sz="1800" b="0" dirty="0" smtClean="0">
+                <a:solidFill>
+                  <a:srgbClr val="FF0000"/>
+                </a:solidFill>
+                <a:latin typeface="Arial" panose="020B0604020202020204" pitchFamily="34" charset="0"/>
+                <a:ea typeface="LG Smart UI SemiBold" panose="020B0700000101010101" pitchFamily="50" charset="-127"/>
+                <a:cs typeface="Arial" panose="020B0604020202020204" pitchFamily="34" charset="0"/>
+              </a:rPr>
+              <a:t>fficiency (using resource optimally)</a:t>
+            </a:r>
+            <a:endParaRPr lang="en-US" sz="1800" b="0" dirty="0">
+              <a:solidFill>
+                <a:srgbClr val="FF0000"/>
+              </a:solidFill>
+              <a:latin typeface="Arial" panose="020B0604020202020204" pitchFamily="34" charset="0"/>
+              <a:ea typeface="LG Smart UI SemiBold" panose="020B0700000101010101" pitchFamily="50" charset="-127"/>
+              <a:cs typeface="Arial" panose="020B0604020202020204" pitchFamily="34" charset="0"/>
+            </a:endParaRPr>
           </a:p>
           <a:p>
             <a:pPr lvl="0">
@@ -5843,7 +5997,7 @@
           <p:cNvPr id="4" name="Date Placeholder 3">
             <a:extLst>
               <a:ext uri="{FF2B5EF4-FFF2-40B4-BE49-F238E27FC236}">
-                <a16:creationId xmlns:a16="http://schemas.microsoft.com/office/drawing/2014/main" id="{7A04F02E-579D-059F-8E3A-6360400138B4}"/>
+                <a16:creationId xmlns:a16="http://schemas.microsoft.com/office/drawing/2014/main" xmlns="" id="{7A04F02E-579D-059F-8E3A-6360400138B4}"/>
               </a:ext>
             </a:extLst>
           </p:cNvPr>
@@ -5861,7 +6015,7 @@
           <a:p>
             <a:fld id="{CEDF7557-72DD-A34A-8659-6DD33C33D1E3}" type="datetime1">
               <a:rPr lang="en-US" smtClean="0"/>
-              <a:t>6/3/25</a:t>
+              <a:t>6/3/2025</a:t>
             </a:fld>
             <a:endParaRPr lang="x-none"/>
           </a:p>
@@ -5872,7 +6026,7 @@
           <p:cNvPr id="5" name="Slide Number Placeholder 4">
             <a:extLst>
               <a:ext uri="{FF2B5EF4-FFF2-40B4-BE49-F238E27FC236}">
-                <a16:creationId xmlns:a16="http://schemas.microsoft.com/office/drawing/2014/main" id="{30CA7F85-B2BB-A1A8-4252-B9D8F36EF64E}"/>
+                <a16:creationId xmlns:a16="http://schemas.microsoft.com/office/drawing/2014/main" xmlns="" id="{30CA7F85-B2BB-A1A8-4252-B9D8F36EF64E}"/>
               </a:ext>
             </a:extLst>
           </p:cNvPr>
@@ -5901,7 +6055,7 @@
           <p:cNvPr id="2" name="텍스트 개체 틀 3">
             <a:extLst>
               <a:ext uri="{FF2B5EF4-FFF2-40B4-BE49-F238E27FC236}">
-                <a16:creationId xmlns:a16="http://schemas.microsoft.com/office/drawing/2014/main" id="{55004233-32C4-042C-7CB3-D8045D31B231}"/>
+                <a16:creationId xmlns:a16="http://schemas.microsoft.com/office/drawing/2014/main" xmlns="" id="{55004233-32C4-042C-7CB3-D8045D31B231}"/>
               </a:ext>
             </a:extLst>
           </p:cNvPr>
@@ -5986,7 +6140,7 @@
           <p:cNvPr id="3" name="TextBox 2">
             <a:extLst>
               <a:ext uri="{FF2B5EF4-FFF2-40B4-BE49-F238E27FC236}">
-                <a16:creationId xmlns:a16="http://schemas.microsoft.com/office/drawing/2014/main" id="{808F9C1D-3AE3-757C-537B-D3F6DC744C84}"/>
+                <a16:creationId xmlns:a16="http://schemas.microsoft.com/office/drawing/2014/main" xmlns="" id="{808F9C1D-3AE3-757C-537B-D3F6DC744C84}"/>
               </a:ext>
             </a:extLst>
           </p:cNvPr>
@@ -6072,7 +6226,7 @@
           <p:cNvPr id="10" name="직사각형 2">
             <a:extLst>
               <a:ext uri="{FF2B5EF4-FFF2-40B4-BE49-F238E27FC236}">
-                <a16:creationId xmlns:a16="http://schemas.microsoft.com/office/drawing/2014/main" id="{1312C874-7819-36B9-4AF0-CBE809C4FCC2}"/>
+                <a16:creationId xmlns:a16="http://schemas.microsoft.com/office/drawing/2014/main" xmlns="" id="{1312C874-7819-36B9-4AF0-CBE809C4FCC2}"/>
               </a:ext>
             </a:extLst>
           </p:cNvPr>
@@ -6133,7 +6287,7 @@
           <p:cNvPr id="11" name="Picture 10">
             <a:extLst>
               <a:ext uri="{FF2B5EF4-FFF2-40B4-BE49-F238E27FC236}">
-                <a16:creationId xmlns:a16="http://schemas.microsoft.com/office/drawing/2014/main" id="{B90A8410-4873-6CB3-96C8-4520C3053630}"/>
+                <a16:creationId xmlns:a16="http://schemas.microsoft.com/office/drawing/2014/main" xmlns="" id="{B90A8410-4873-6CB3-96C8-4520C3053630}"/>
               </a:ext>
             </a:extLst>
           </p:cNvPr>
@@ -6199,7 +6353,7 @@
           <p:cNvPr id="4" name="Date Placeholder 3">
             <a:extLst>
               <a:ext uri="{FF2B5EF4-FFF2-40B4-BE49-F238E27FC236}">
-                <a16:creationId xmlns:a16="http://schemas.microsoft.com/office/drawing/2014/main" id="{7A04F02E-579D-059F-8E3A-6360400138B4}"/>
+                <a16:creationId xmlns:a16="http://schemas.microsoft.com/office/drawing/2014/main" xmlns="" id="{7A04F02E-579D-059F-8E3A-6360400138B4}"/>
               </a:ext>
             </a:extLst>
           </p:cNvPr>
@@ -6217,7 +6371,7 @@
           <a:p>
             <a:fld id="{CEDF7557-72DD-A34A-8659-6DD33C33D1E3}" type="datetime1">
               <a:rPr lang="en-US" smtClean="0"/>
-              <a:t>6/3/25</a:t>
+              <a:t>6/3/2025</a:t>
             </a:fld>
             <a:endParaRPr lang="x-none"/>
           </a:p>
@@ -6228,7 +6382,7 @@
           <p:cNvPr id="5" name="Slide Number Placeholder 4">
             <a:extLst>
               <a:ext uri="{FF2B5EF4-FFF2-40B4-BE49-F238E27FC236}">
-                <a16:creationId xmlns:a16="http://schemas.microsoft.com/office/drawing/2014/main" id="{30CA7F85-B2BB-A1A8-4252-B9D8F36EF64E}"/>
+                <a16:creationId xmlns:a16="http://schemas.microsoft.com/office/drawing/2014/main" xmlns="" id="{30CA7F85-B2BB-A1A8-4252-B9D8F36EF64E}"/>
               </a:ext>
             </a:extLst>
           </p:cNvPr>
@@ -6257,7 +6411,7 @@
           <p:cNvPr id="2" name="텍스트 개체 틀 3">
             <a:extLst>
               <a:ext uri="{FF2B5EF4-FFF2-40B4-BE49-F238E27FC236}">
-                <a16:creationId xmlns:a16="http://schemas.microsoft.com/office/drawing/2014/main" id="{2C9D8AF8-3732-02C1-AAD5-D3389EBA7654}"/>
+                <a16:creationId xmlns:a16="http://schemas.microsoft.com/office/drawing/2014/main" xmlns="" id="{2C9D8AF8-3732-02C1-AAD5-D3389EBA7654}"/>
               </a:ext>
             </a:extLst>
           </p:cNvPr>
@@ -6342,7 +6496,7 @@
           <p:cNvPr id="3" name="TextBox 2">
             <a:extLst>
               <a:ext uri="{FF2B5EF4-FFF2-40B4-BE49-F238E27FC236}">
-                <a16:creationId xmlns:a16="http://schemas.microsoft.com/office/drawing/2014/main" id="{3A395BEF-CF30-8CC7-226B-9909D4028EAD}"/>
+                <a16:creationId xmlns:a16="http://schemas.microsoft.com/office/drawing/2014/main" xmlns="" id="{3A395BEF-CF30-8CC7-226B-9909D4028EAD}"/>
               </a:ext>
             </a:extLst>
           </p:cNvPr>
@@ -6450,7 +6604,7 @@
           <p:cNvPr id="7" name="직사각형 2">
             <a:extLst>
               <a:ext uri="{FF2B5EF4-FFF2-40B4-BE49-F238E27FC236}">
-                <a16:creationId xmlns:a16="http://schemas.microsoft.com/office/drawing/2014/main" id="{0C6A59C0-6EDC-BC38-17EA-0C1682E49E4A}"/>
+                <a16:creationId xmlns:a16="http://schemas.microsoft.com/office/drawing/2014/main" xmlns="" id="{0C6A59C0-6EDC-BC38-17EA-0C1682E49E4A}"/>
               </a:ext>
             </a:extLst>
           </p:cNvPr>
@@ -6569,7 +6723,7 @@
           <p:cNvPr id="4" name="Date Placeholder 3">
             <a:extLst>
               <a:ext uri="{FF2B5EF4-FFF2-40B4-BE49-F238E27FC236}">
-                <a16:creationId xmlns:a16="http://schemas.microsoft.com/office/drawing/2014/main" id="{7A04F02E-579D-059F-8E3A-6360400138B4}"/>
+                <a16:creationId xmlns:a16="http://schemas.microsoft.com/office/drawing/2014/main" xmlns="" id="{7A04F02E-579D-059F-8E3A-6360400138B4}"/>
               </a:ext>
             </a:extLst>
           </p:cNvPr>
@@ -6587,7 +6741,7 @@
           <a:p>
             <a:fld id="{CEDF7557-72DD-A34A-8659-6DD33C33D1E3}" type="datetime1">
               <a:rPr lang="en-US" smtClean="0"/>
-              <a:t>6/3/25</a:t>
+              <a:t>6/3/2025</a:t>
             </a:fld>
             <a:endParaRPr lang="x-none"/>
           </a:p>
@@ -6598,7 +6752,7 @@
           <p:cNvPr id="5" name="Slide Number Placeholder 4">
             <a:extLst>
               <a:ext uri="{FF2B5EF4-FFF2-40B4-BE49-F238E27FC236}">
-                <a16:creationId xmlns:a16="http://schemas.microsoft.com/office/drawing/2014/main" id="{30CA7F85-B2BB-A1A8-4252-B9D8F36EF64E}"/>
+                <a16:creationId xmlns:a16="http://schemas.microsoft.com/office/drawing/2014/main" xmlns="" id="{30CA7F85-B2BB-A1A8-4252-B9D8F36EF64E}"/>
               </a:ext>
             </a:extLst>
           </p:cNvPr>
@@ -6627,7 +6781,7 @@
           <p:cNvPr id="2" name="텍스트 개체 틀 3">
             <a:extLst>
               <a:ext uri="{FF2B5EF4-FFF2-40B4-BE49-F238E27FC236}">
-                <a16:creationId xmlns:a16="http://schemas.microsoft.com/office/drawing/2014/main" id="{80E6DA31-9C00-8F36-5C4C-1888F8716427}"/>
+                <a16:creationId xmlns:a16="http://schemas.microsoft.com/office/drawing/2014/main" xmlns="" id="{80E6DA31-9C00-8F36-5C4C-1888F8716427}"/>
               </a:ext>
             </a:extLst>
           </p:cNvPr>
@@ -6734,7 +6888,7 @@
           <p:cNvPr id="3" name="TextBox 2">
             <a:extLst>
               <a:ext uri="{FF2B5EF4-FFF2-40B4-BE49-F238E27FC236}">
-                <a16:creationId xmlns:a16="http://schemas.microsoft.com/office/drawing/2014/main" id="{D8485431-5FD0-03AB-FBFC-9D8CDECDE00E}"/>
+                <a16:creationId xmlns:a16="http://schemas.microsoft.com/office/drawing/2014/main" xmlns="" id="{D8485431-5FD0-03AB-FBFC-9D8CDECDE00E}"/>
               </a:ext>
             </a:extLst>
           </p:cNvPr>
@@ -6842,7 +6996,7 @@
           <p:cNvPr id="7" name="직사각형 2">
             <a:extLst>
               <a:ext uri="{FF2B5EF4-FFF2-40B4-BE49-F238E27FC236}">
-                <a16:creationId xmlns:a16="http://schemas.microsoft.com/office/drawing/2014/main" id="{5496B446-6A55-794B-34A0-CBC4B2495872}"/>
+                <a16:creationId xmlns:a16="http://schemas.microsoft.com/office/drawing/2014/main" xmlns="" id="{5496B446-6A55-794B-34A0-CBC4B2495872}"/>
               </a:ext>
             </a:extLst>
           </p:cNvPr>
@@ -6961,7 +7115,7 @@
           <p:cNvPr id="4" name="Date Placeholder 3">
             <a:extLst>
               <a:ext uri="{FF2B5EF4-FFF2-40B4-BE49-F238E27FC236}">
-                <a16:creationId xmlns:a16="http://schemas.microsoft.com/office/drawing/2014/main" id="{7A04F02E-579D-059F-8E3A-6360400138B4}"/>
+                <a16:creationId xmlns:a16="http://schemas.microsoft.com/office/drawing/2014/main" xmlns="" id="{7A04F02E-579D-059F-8E3A-6360400138B4}"/>
               </a:ext>
             </a:extLst>
           </p:cNvPr>
@@ -6979,7 +7133,7 @@
           <a:p>
             <a:fld id="{CEDF7557-72DD-A34A-8659-6DD33C33D1E3}" type="datetime1">
               <a:rPr lang="en-US" smtClean="0"/>
-              <a:t>6/3/25</a:t>
+              <a:t>6/3/2025</a:t>
             </a:fld>
             <a:endParaRPr lang="x-none"/>
           </a:p>
@@ -6990,7 +7144,7 @@
           <p:cNvPr id="5" name="Slide Number Placeholder 4">
             <a:extLst>
               <a:ext uri="{FF2B5EF4-FFF2-40B4-BE49-F238E27FC236}">
-                <a16:creationId xmlns:a16="http://schemas.microsoft.com/office/drawing/2014/main" id="{30CA7F85-B2BB-A1A8-4252-B9D8F36EF64E}"/>
+                <a16:creationId xmlns:a16="http://schemas.microsoft.com/office/drawing/2014/main" xmlns="" id="{30CA7F85-B2BB-A1A8-4252-B9D8F36EF64E}"/>
               </a:ext>
             </a:extLst>
           </p:cNvPr>
@@ -7019,7 +7173,7 @@
           <p:cNvPr id="2" name="텍스트 개체 틀 3">
             <a:extLst>
               <a:ext uri="{FF2B5EF4-FFF2-40B4-BE49-F238E27FC236}">
-                <a16:creationId xmlns:a16="http://schemas.microsoft.com/office/drawing/2014/main" id="{80E6DA31-9C00-8F36-5C4C-1888F8716427}"/>
+                <a16:creationId xmlns:a16="http://schemas.microsoft.com/office/drawing/2014/main" xmlns="" id="{80E6DA31-9C00-8F36-5C4C-1888F8716427}"/>
               </a:ext>
             </a:extLst>
           </p:cNvPr>
@@ -7104,7 +7258,7 @@
           <p:cNvPr id="3" name="TextBox 2">
             <a:extLst>
               <a:ext uri="{FF2B5EF4-FFF2-40B4-BE49-F238E27FC236}">
-                <a16:creationId xmlns:a16="http://schemas.microsoft.com/office/drawing/2014/main" id="{D8485431-5FD0-03AB-FBFC-9D8CDECDE00E}"/>
+                <a16:creationId xmlns:a16="http://schemas.microsoft.com/office/drawing/2014/main" xmlns="" id="{D8485431-5FD0-03AB-FBFC-9D8CDECDE00E}"/>
               </a:ext>
             </a:extLst>
           </p:cNvPr>
@@ -7195,7 +7349,7 @@
           <p:cNvPr id="7" name="직사각형 2">
             <a:extLst>
               <a:ext uri="{FF2B5EF4-FFF2-40B4-BE49-F238E27FC236}">
-                <a16:creationId xmlns:a16="http://schemas.microsoft.com/office/drawing/2014/main" id="{5496B446-6A55-794B-34A0-CBC4B2495872}"/>
+                <a16:creationId xmlns:a16="http://schemas.microsoft.com/office/drawing/2014/main" xmlns="" id="{5496B446-6A55-794B-34A0-CBC4B2495872}"/>
               </a:ext>
             </a:extLst>
           </p:cNvPr>
@@ -7256,7 +7410,7 @@
           <p:cNvPr id="6" name="Picture 5">
             <a:extLst>
               <a:ext uri="{FF2B5EF4-FFF2-40B4-BE49-F238E27FC236}">
-                <a16:creationId xmlns:a16="http://schemas.microsoft.com/office/drawing/2014/main" id="{54680490-6D61-A7E6-7312-D7664529A01C}"/>
+                <a16:creationId xmlns:a16="http://schemas.microsoft.com/office/drawing/2014/main" xmlns="" id="{54680490-6D61-A7E6-7312-D7664529A01C}"/>
               </a:ext>
             </a:extLst>
           </p:cNvPr>
@@ -7322,7 +7476,7 @@
           <p:cNvPr id="4" name="Date Placeholder 3">
             <a:extLst>
               <a:ext uri="{FF2B5EF4-FFF2-40B4-BE49-F238E27FC236}">
-                <a16:creationId xmlns:a16="http://schemas.microsoft.com/office/drawing/2014/main" id="{7A04F02E-579D-059F-8E3A-6360400138B4}"/>
+                <a16:creationId xmlns:a16="http://schemas.microsoft.com/office/drawing/2014/main" xmlns="" id="{7A04F02E-579D-059F-8E3A-6360400138B4}"/>
               </a:ext>
             </a:extLst>
           </p:cNvPr>
@@ -7340,7 +7494,7 @@
           <a:p>
             <a:fld id="{CEDF7557-72DD-A34A-8659-6DD33C33D1E3}" type="datetime1">
               <a:rPr lang="en-US" smtClean="0"/>
-              <a:t>6/3/25</a:t>
+              <a:t>6/3/2025</a:t>
             </a:fld>
             <a:endParaRPr lang="x-none"/>
           </a:p>
@@ -7351,7 +7505,7 @@
           <p:cNvPr id="5" name="Slide Number Placeholder 4">
             <a:extLst>
               <a:ext uri="{FF2B5EF4-FFF2-40B4-BE49-F238E27FC236}">
-                <a16:creationId xmlns:a16="http://schemas.microsoft.com/office/drawing/2014/main" id="{30CA7F85-B2BB-A1A8-4252-B9D8F36EF64E}"/>
+                <a16:creationId xmlns:a16="http://schemas.microsoft.com/office/drawing/2014/main" xmlns="" id="{30CA7F85-B2BB-A1A8-4252-B9D8F36EF64E}"/>
               </a:ext>
             </a:extLst>
           </p:cNvPr>
@@ -7380,7 +7534,7 @@
           <p:cNvPr id="2" name="텍스트 개체 틀 3">
             <a:extLst>
               <a:ext uri="{FF2B5EF4-FFF2-40B4-BE49-F238E27FC236}">
-                <a16:creationId xmlns:a16="http://schemas.microsoft.com/office/drawing/2014/main" id="{80E6DA31-9C00-8F36-5C4C-1888F8716427}"/>
+                <a16:creationId xmlns:a16="http://schemas.microsoft.com/office/drawing/2014/main" xmlns="" id="{80E6DA31-9C00-8F36-5C4C-1888F8716427}"/>
               </a:ext>
             </a:extLst>
           </p:cNvPr>
@@ -7465,7 +7619,7 @@
           <p:cNvPr id="3" name="TextBox 2">
             <a:extLst>
               <a:ext uri="{FF2B5EF4-FFF2-40B4-BE49-F238E27FC236}">
-                <a16:creationId xmlns:a16="http://schemas.microsoft.com/office/drawing/2014/main" id="{D8485431-5FD0-03AB-FBFC-9D8CDECDE00E}"/>
+                <a16:creationId xmlns:a16="http://schemas.microsoft.com/office/drawing/2014/main" xmlns="" id="{D8485431-5FD0-03AB-FBFC-9D8CDECDE00E}"/>
               </a:ext>
             </a:extLst>
           </p:cNvPr>
@@ -7573,7 +7727,7 @@
           <p:cNvPr id="7" name="직사각형 2">
             <a:extLst>
               <a:ext uri="{FF2B5EF4-FFF2-40B4-BE49-F238E27FC236}">
-                <a16:creationId xmlns:a16="http://schemas.microsoft.com/office/drawing/2014/main" id="{5496B446-6A55-794B-34A0-CBC4B2495872}"/>
+                <a16:creationId xmlns:a16="http://schemas.microsoft.com/office/drawing/2014/main" xmlns="" id="{5496B446-6A55-794B-34A0-CBC4B2495872}"/>
               </a:ext>
             </a:extLst>
           </p:cNvPr>
@@ -7634,7 +7788,7 @@
           <p:cNvPr id="8" name="Picture 7">
             <a:extLst>
               <a:ext uri="{FF2B5EF4-FFF2-40B4-BE49-F238E27FC236}">
-                <a16:creationId xmlns:a16="http://schemas.microsoft.com/office/drawing/2014/main" id="{A139716A-E033-F891-6CA2-E7C604395EA9}"/>
+                <a16:creationId xmlns:a16="http://schemas.microsoft.com/office/drawing/2014/main" xmlns="" id="{A139716A-E033-F891-6CA2-E7C604395EA9}"/>
               </a:ext>
             </a:extLst>
           </p:cNvPr>
@@ -7721,6 +7875,17 @@
               </a:rPr>
               <a:t>7. Implementation and verification</a:t>
             </a:r>
+            <a:r>
+              <a:rPr kumimoji="1" lang="en-US" sz="2200" b="1" dirty="0">
+                <a:solidFill>
+                  <a:prstClr val="black"/>
+                </a:solidFill>
+                <a:latin typeface="Arial" panose="020B0604020202020204" pitchFamily="34" charset="0"/>
+                <a:ea typeface="LG Smart UI SemiBold" panose="020B0700000101010101" pitchFamily="50" charset="-127"/>
+                <a:cs typeface="Arial" panose="020B0604020202020204" pitchFamily="34" charset="0"/>
+              </a:rPr>
+              <a:t/>
+            </a:r>
             <a:br>
               <a:rPr kumimoji="1" lang="en-US" sz="2200" b="1" dirty="0">
                 <a:solidFill>
@@ -7790,7 +7955,7 @@
           <a:p>
             <a:fld id="{CEDF7557-72DD-A34A-8659-6DD33C33D1E3}" type="datetime1">
               <a:rPr lang="en-US" smtClean="0"/>
-              <a:t>6/3/25</a:t>
+              <a:t>6/3/2025</a:t>
             </a:fld>
             <a:endParaRPr lang="x-none"/>
           </a:p>
@@ -7854,7 +8019,7 @@
           <p:cNvPr id="4" name="Date Placeholder 3">
             <a:extLst>
               <a:ext uri="{FF2B5EF4-FFF2-40B4-BE49-F238E27FC236}">
-                <a16:creationId xmlns:a16="http://schemas.microsoft.com/office/drawing/2014/main" id="{F92F8347-8274-D8E0-28D9-167D10703700}"/>
+                <a16:creationId xmlns:a16="http://schemas.microsoft.com/office/drawing/2014/main" xmlns="" id="{F92F8347-8274-D8E0-28D9-167D10703700}"/>
               </a:ext>
             </a:extLst>
           </p:cNvPr>
@@ -7872,7 +8037,7 @@
           <a:p>
             <a:fld id="{CEDF7557-72DD-A34A-8659-6DD33C33D1E3}" type="datetime1">
               <a:rPr lang="en-US" smtClean="0"/>
-              <a:t>6/3/25</a:t>
+              <a:t>6/3/2025</a:t>
             </a:fld>
             <a:endParaRPr lang="x-none"/>
           </a:p>
@@ -7883,7 +8048,7 @@
           <p:cNvPr id="5" name="Slide Number Placeholder 4">
             <a:extLst>
               <a:ext uri="{FF2B5EF4-FFF2-40B4-BE49-F238E27FC236}">
-                <a16:creationId xmlns:a16="http://schemas.microsoft.com/office/drawing/2014/main" id="{0ECF6D89-3A7B-0998-1C64-647D0F0726B0}"/>
+                <a16:creationId xmlns:a16="http://schemas.microsoft.com/office/drawing/2014/main" xmlns="" id="{0ECF6D89-3A7B-0998-1C64-647D0F0726B0}"/>
               </a:ext>
             </a:extLst>
           </p:cNvPr>
@@ -7912,7 +8077,7 @@
           <p:cNvPr id="6" name="TextBox 5">
             <a:extLst>
               <a:ext uri="{FF2B5EF4-FFF2-40B4-BE49-F238E27FC236}">
-                <a16:creationId xmlns:a16="http://schemas.microsoft.com/office/drawing/2014/main" id="{CAB09008-3330-08CC-AA0F-505351DB59C9}"/>
+                <a16:creationId xmlns:a16="http://schemas.microsoft.com/office/drawing/2014/main" xmlns="" id="{CAB09008-3330-08CC-AA0F-505351DB59C9}"/>
               </a:ext>
             </a:extLst>
           </p:cNvPr>
@@ -7980,7 +8145,7 @@
           <p:cNvPr id="4" name="Date Placeholder 3">
             <a:extLst>
               <a:ext uri="{FF2B5EF4-FFF2-40B4-BE49-F238E27FC236}">
-                <a16:creationId xmlns:a16="http://schemas.microsoft.com/office/drawing/2014/main" id="{F1B137C1-2D8C-F1B9-A9D7-36CC7D46AD11}"/>
+                <a16:creationId xmlns:a16="http://schemas.microsoft.com/office/drawing/2014/main" xmlns="" id="{F1B137C1-2D8C-F1B9-A9D7-36CC7D46AD11}"/>
               </a:ext>
             </a:extLst>
           </p:cNvPr>
@@ -7998,7 +8163,7 @@
           <a:p>
             <a:fld id="{860E4AA8-6D35-FA4B-B26B-8ACCED751F8A}" type="datetime1">
               <a:rPr lang="en-US" smtClean="0"/>
-              <a:t>6/3/25</a:t>
+              <a:t>6/3/2025</a:t>
             </a:fld>
             <a:endParaRPr lang="x-none"/>
           </a:p>
@@ -8009,7 +8174,7 @@
           <p:cNvPr id="5" name="Slide Number Placeholder 4">
             <a:extLst>
               <a:ext uri="{FF2B5EF4-FFF2-40B4-BE49-F238E27FC236}">
-                <a16:creationId xmlns:a16="http://schemas.microsoft.com/office/drawing/2014/main" id="{D7D465E5-DE39-9C97-6CA5-39B1EC8EAB06}"/>
+                <a16:creationId xmlns:a16="http://schemas.microsoft.com/office/drawing/2014/main" xmlns="" id="{D7D465E5-DE39-9C97-6CA5-39B1EC8EAB06}"/>
               </a:ext>
             </a:extLst>
           </p:cNvPr>
@@ -8038,7 +8203,7 @@
           <p:cNvPr id="6" name="TextBox 5">
             <a:extLst>
               <a:ext uri="{FF2B5EF4-FFF2-40B4-BE49-F238E27FC236}">
-                <a16:creationId xmlns:a16="http://schemas.microsoft.com/office/drawing/2014/main" id="{1A75E75C-8ECD-E8A6-44C9-D298ABCE38EC}"/>
+                <a16:creationId xmlns:a16="http://schemas.microsoft.com/office/drawing/2014/main" xmlns="" id="{1A75E75C-8ECD-E8A6-44C9-D298ABCE38EC}"/>
               </a:ext>
             </a:extLst>
           </p:cNvPr>
@@ -8111,7 +8276,7 @@
           <p:cNvPr id="7" name="텍스트 개체 틀 3">
             <a:extLst>
               <a:ext uri="{FF2B5EF4-FFF2-40B4-BE49-F238E27FC236}">
-                <a16:creationId xmlns:a16="http://schemas.microsoft.com/office/drawing/2014/main" id="{F3565576-2823-0234-4FAA-28A0461B9504}"/>
+                <a16:creationId xmlns:a16="http://schemas.microsoft.com/office/drawing/2014/main" xmlns="" id="{F3565576-2823-0234-4FAA-28A0461B9504}"/>
               </a:ext>
             </a:extLst>
           </p:cNvPr>
@@ -8251,6 +8416,23 @@
               </a:rPr>
               <a:t>Limitation of C++ standard library</a:t>
             </a:r>
+            <a:r>
+              <a:rPr kumimoji="1" lang="en-US" altLang="ko-KR" sz="1800" b="1" i="0" u="none" strike="noStrike" kern="1200" cap="none" spc="0" normalizeH="0" baseline="0" noProof="0" dirty="0">
+                <a:ln>
+                  <a:noFill/>
+                </a:ln>
+                <a:solidFill>
+                  <a:srgbClr val="000000"/>
+                </a:solidFill>
+                <a:effectLst/>
+                <a:uLnTx/>
+                <a:uFillTx/>
+                <a:latin typeface="LG Smart UI SemiBold" panose="020B0700000101010101" pitchFamily="50" charset="-127"/>
+                <a:ea typeface="LG Smart UI SemiBold" panose="020B0700000101010101" pitchFamily="50" charset="-127"/>
+                <a:cs typeface="Arial" panose="020B0604020202020204" pitchFamily="34" charset="0"/>
+              </a:rPr>
+              <a:t/>
+            </a:r>
             <a:br>
               <a:rPr kumimoji="1" lang="en-US" altLang="ko-KR" sz="1800" b="1" i="0" u="none" strike="noStrike" kern="1200" cap="none" spc="0" normalizeH="0" baseline="0" noProof="0" dirty="0">
                 <a:ln>
@@ -8289,7 +8471,7 @@
           <p:cNvPr id="8" name="직사각형 2">
             <a:extLst>
               <a:ext uri="{FF2B5EF4-FFF2-40B4-BE49-F238E27FC236}">
-                <a16:creationId xmlns:a16="http://schemas.microsoft.com/office/drawing/2014/main" id="{EA014A94-2F6A-90C9-35CB-01B9B8482A2C}"/>
+                <a16:creationId xmlns:a16="http://schemas.microsoft.com/office/drawing/2014/main" xmlns="" id="{EA014A94-2F6A-90C9-35CB-01B9B8482A2C}"/>
               </a:ext>
             </a:extLst>
           </p:cNvPr>
@@ -8350,7 +8532,7 @@
           <p:cNvPr id="9" name="텍스트 개체 틀 3">
             <a:extLst>
               <a:ext uri="{FF2B5EF4-FFF2-40B4-BE49-F238E27FC236}">
-                <a16:creationId xmlns:a16="http://schemas.microsoft.com/office/drawing/2014/main" id="{F3565576-2823-0234-4FAA-28A0461B9504}"/>
+                <a16:creationId xmlns:a16="http://schemas.microsoft.com/office/drawing/2014/main" xmlns="" id="{F3565576-2823-0234-4FAA-28A0461B9504}"/>
               </a:ext>
             </a:extLst>
           </p:cNvPr>
@@ -8453,6 +8635,23 @@
                 <a:cs typeface="Arial" panose="020B0604020202020204" pitchFamily="34" charset="0"/>
               </a:rPr>
               <a:t>Implementation and Verification</a:t>
+            </a:r>
+            <a:r>
+              <a:rPr kumimoji="1" lang="en-US" altLang="ko-KR" sz="1800" b="1" i="0" u="none" strike="noStrike" kern="1200" cap="none" spc="0" normalizeH="0" baseline="0" noProof="0" dirty="0">
+                <a:ln>
+                  <a:noFill/>
+                </a:ln>
+                <a:solidFill>
+                  <a:srgbClr val="000000"/>
+                </a:solidFill>
+                <a:effectLst/>
+                <a:uLnTx/>
+                <a:uFillTx/>
+                <a:latin typeface="LG Smart UI SemiBold" panose="020B0700000101010101" pitchFamily="50" charset="-127"/>
+                <a:ea typeface="LG Smart UI SemiBold" panose="020B0700000101010101" pitchFamily="50" charset="-127"/>
+                <a:cs typeface="Arial" panose="020B0604020202020204" pitchFamily="34" charset="0"/>
+              </a:rPr>
+              <a:t/>
             </a:r>
             <a:br>
               <a:rPr kumimoji="1" lang="en-US" altLang="ko-KR" sz="1800" b="1" i="0" u="none" strike="noStrike" kern="1200" cap="none" spc="0" normalizeH="0" baseline="0" noProof="0" dirty="0">
@@ -8522,7 +8721,7 @@
           <p:cNvPr id="2" name="Title 1">
             <a:extLst>
               <a:ext uri="{FF2B5EF4-FFF2-40B4-BE49-F238E27FC236}">
-                <a16:creationId xmlns:a16="http://schemas.microsoft.com/office/drawing/2014/main" id="{99D12A77-ACC0-88FA-CBF8-21FA89D6733E}"/>
+                <a16:creationId xmlns:a16="http://schemas.microsoft.com/office/drawing/2014/main" xmlns="" id="{99D12A77-ACC0-88FA-CBF8-21FA89D6733E}"/>
               </a:ext>
             </a:extLst>
           </p:cNvPr>
@@ -8562,6 +8761,23 @@
               </a:rPr>
               <a:t>1. Project Overview</a:t>
             </a:r>
+            <a:r>
+              <a:rPr kumimoji="1" lang="en-US" altLang="ko-KR" sz="4400" b="1" i="0" u="none" strike="noStrike" kern="1200" cap="none" spc="0" normalizeH="0" baseline="0" noProof="0" dirty="0">
+                <a:ln>
+                  <a:noFill/>
+                </a:ln>
+                <a:solidFill>
+                  <a:prstClr val="black"/>
+                </a:solidFill>
+                <a:effectLst/>
+                <a:uLnTx/>
+                <a:uFillTx/>
+                <a:latin typeface="+mn-lt"/>
+                <a:ea typeface="LG Smart UI SemiBold" panose="020B0700000101010101" pitchFamily="50" charset="-127"/>
+                <a:cs typeface="+mn-cs"/>
+              </a:rPr>
+              <a:t/>
+            </a:r>
             <a:br>
               <a:rPr kumimoji="1" lang="en-US" altLang="ko-KR" sz="4400" b="1" i="0" u="none" strike="noStrike" kern="1200" cap="none" spc="0" normalizeH="0" baseline="0" noProof="0" dirty="0">
                 <a:ln>
@@ -8587,7 +8803,7 @@
           <p:cNvPr id="4" name="Date Placeholder 3">
             <a:extLst>
               <a:ext uri="{FF2B5EF4-FFF2-40B4-BE49-F238E27FC236}">
-                <a16:creationId xmlns:a16="http://schemas.microsoft.com/office/drawing/2014/main" id="{A8A58353-B76D-2D2D-2B59-77F8619C3E5E}"/>
+                <a16:creationId xmlns:a16="http://schemas.microsoft.com/office/drawing/2014/main" xmlns="" id="{A8A58353-B76D-2D2D-2B59-77F8619C3E5E}"/>
               </a:ext>
             </a:extLst>
           </p:cNvPr>
@@ -8605,7 +8821,7 @@
           <a:p>
             <a:fld id="{CEDF7557-72DD-A34A-8659-6DD33C33D1E3}" type="datetime1">
               <a:rPr lang="en-US" smtClean="0"/>
-              <a:t>6/3/25</a:t>
+              <a:t>6/3/2025</a:t>
             </a:fld>
             <a:endParaRPr lang="x-none"/>
           </a:p>
@@ -8616,7 +8832,7 @@
           <p:cNvPr id="5" name="Slide Number Placeholder 4">
             <a:extLst>
               <a:ext uri="{FF2B5EF4-FFF2-40B4-BE49-F238E27FC236}">
-                <a16:creationId xmlns:a16="http://schemas.microsoft.com/office/drawing/2014/main" id="{83B7E359-F277-275B-0318-CEA36B30A8F5}"/>
+                <a16:creationId xmlns:a16="http://schemas.microsoft.com/office/drawing/2014/main" xmlns="" id="{83B7E359-F277-275B-0318-CEA36B30A8F5}"/>
               </a:ext>
             </a:extLst>
           </p:cNvPr>
@@ -8645,7 +8861,7 @@
           <p:cNvPr id="6" name="텍스트 개체 틀 3">
             <a:extLst>
               <a:ext uri="{FF2B5EF4-FFF2-40B4-BE49-F238E27FC236}">
-                <a16:creationId xmlns:a16="http://schemas.microsoft.com/office/drawing/2014/main" id="{3D5EA90C-B7C2-6192-8E76-268D2FC73076}"/>
+                <a16:creationId xmlns:a16="http://schemas.microsoft.com/office/drawing/2014/main" xmlns="" id="{3D5EA90C-B7C2-6192-8E76-268D2FC73076}"/>
               </a:ext>
             </a:extLst>
           </p:cNvPr>
@@ -8897,7 +9113,7 @@
           <p:cNvPr id="7" name="Picture 6">
             <a:extLst>
               <a:ext uri="{FF2B5EF4-FFF2-40B4-BE49-F238E27FC236}">
-                <a16:creationId xmlns:a16="http://schemas.microsoft.com/office/drawing/2014/main" id="{2536BA38-2215-DF7C-DB50-F1F0810702F6}"/>
+                <a16:creationId xmlns:a16="http://schemas.microsoft.com/office/drawing/2014/main" xmlns="" id="{2536BA38-2215-DF7C-DB50-F1F0810702F6}"/>
               </a:ext>
             </a:extLst>
           </p:cNvPr>
@@ -8933,7 +9149,7 @@
           <p:cNvPr id="8" name="직사각형 2">
             <a:extLst>
               <a:ext uri="{FF2B5EF4-FFF2-40B4-BE49-F238E27FC236}">
-                <a16:creationId xmlns:a16="http://schemas.microsoft.com/office/drawing/2014/main" id="{5A16B166-7AEE-44F2-BE31-9EC1E8A70FF3}"/>
+                <a16:creationId xmlns:a16="http://schemas.microsoft.com/office/drawing/2014/main" xmlns="" id="{5A16B166-7AEE-44F2-BE31-9EC1E8A70FF3}"/>
               </a:ext>
             </a:extLst>
           </p:cNvPr>
@@ -9024,7 +9240,7 @@
           <p:cNvPr id="2" name="Title 1">
             <a:extLst>
               <a:ext uri="{FF2B5EF4-FFF2-40B4-BE49-F238E27FC236}">
-                <a16:creationId xmlns:a16="http://schemas.microsoft.com/office/drawing/2014/main" id="{1A51E9F9-BEBD-577F-34FA-ADB154D292CA}"/>
+                <a16:creationId xmlns:a16="http://schemas.microsoft.com/office/drawing/2014/main" xmlns="" id="{1A51E9F9-BEBD-577F-34FA-ADB154D292CA}"/>
               </a:ext>
             </a:extLst>
           </p:cNvPr>
@@ -9064,6 +9280,23 @@
               </a:rPr>
               <a:t>2. Project Context </a:t>
             </a:r>
+            <a:r>
+              <a:rPr kumimoji="1" lang="en-US" altLang="ko-KR" sz="1800" b="1" i="0" u="none" strike="noStrike" kern="1200" cap="none" spc="0" normalizeH="0" baseline="0" noProof="0" dirty="0">
+                <a:ln>
+                  <a:noFill/>
+                </a:ln>
+                <a:solidFill>
+                  <a:prstClr val="black"/>
+                </a:solidFill>
+                <a:effectLst/>
+                <a:uLnTx/>
+                <a:uFillTx/>
+                <a:latin typeface="Arial" panose="020B0604020202020204" pitchFamily="34" charset="0"/>
+                <a:ea typeface="LG Smart UI SemiBold" panose="020B0700000101010101" pitchFamily="50" charset="-127"/>
+                <a:cs typeface="Arial" panose="020B0604020202020204" pitchFamily="34" charset="0"/>
+              </a:rPr>
+              <a:t/>
+            </a:r>
             <a:br>
               <a:rPr kumimoji="1" lang="en-US" altLang="ko-KR" sz="1800" b="1" i="0" u="none" strike="noStrike" kern="1200" cap="none" spc="0" normalizeH="0" baseline="0" noProof="0" dirty="0">
                 <a:ln>
@@ -9092,7 +9325,7 @@
           <p:cNvPr id="4" name="Date Placeholder 3">
             <a:extLst>
               <a:ext uri="{FF2B5EF4-FFF2-40B4-BE49-F238E27FC236}">
-                <a16:creationId xmlns:a16="http://schemas.microsoft.com/office/drawing/2014/main" id="{6617FDCD-DE07-7435-B9F4-718742774A28}"/>
+                <a16:creationId xmlns:a16="http://schemas.microsoft.com/office/drawing/2014/main" xmlns="" id="{6617FDCD-DE07-7435-B9F4-718742774A28}"/>
               </a:ext>
             </a:extLst>
           </p:cNvPr>
@@ -9110,7 +9343,7 @@
           <a:p>
             <a:fld id="{CEDF7557-72DD-A34A-8659-6DD33C33D1E3}" type="datetime1">
               <a:rPr lang="en-US" smtClean="0"/>
-              <a:t>6/3/25</a:t>
+              <a:t>6/3/2025</a:t>
             </a:fld>
             <a:endParaRPr lang="x-none"/>
           </a:p>
@@ -9121,7 +9354,7 @@
           <p:cNvPr id="5" name="Slide Number Placeholder 4">
             <a:extLst>
               <a:ext uri="{FF2B5EF4-FFF2-40B4-BE49-F238E27FC236}">
-                <a16:creationId xmlns:a16="http://schemas.microsoft.com/office/drawing/2014/main" id="{DD807FC8-D3AC-AACC-7391-249496371E51}"/>
+                <a16:creationId xmlns:a16="http://schemas.microsoft.com/office/drawing/2014/main" xmlns="" id="{DD807FC8-D3AC-AACC-7391-249496371E51}"/>
               </a:ext>
             </a:extLst>
           </p:cNvPr>
@@ -9150,7 +9383,7 @@
           <p:cNvPr id="6" name="텍스트 개체 틀 3">
             <a:extLst>
               <a:ext uri="{FF2B5EF4-FFF2-40B4-BE49-F238E27FC236}">
-                <a16:creationId xmlns:a16="http://schemas.microsoft.com/office/drawing/2014/main" id="{6A5E1AC0-F29A-2479-EBAC-245113042FC9}"/>
+                <a16:creationId xmlns:a16="http://schemas.microsoft.com/office/drawing/2014/main" xmlns="" id="{6A5E1AC0-F29A-2479-EBAC-245113042FC9}"/>
               </a:ext>
             </a:extLst>
           </p:cNvPr>
@@ -9219,6 +9452,14 @@
               </a:rPr>
               <a:t>System Context Diagram</a:t>
             </a:r>
+            <a:r>
+              <a:rPr lang="en-US" altLang="ko-KR" sz="1400" dirty="0">
+                <a:latin typeface="LG Smart UI SemiBold" panose="020B0700000101010101" pitchFamily="50" charset="-127"/>
+                <a:ea typeface="LG Smart UI SemiBold" panose="020B0700000101010101" pitchFamily="50" charset="-127"/>
+                <a:cs typeface="Arial" panose="020B0604020202020204" pitchFamily="34" charset="0"/>
+              </a:rPr>
+              <a:t/>
+            </a:r>
             <a:br>
               <a:rPr lang="en-US" altLang="ko-KR" sz="1400" dirty="0">
                 <a:latin typeface="LG Smart UI SemiBold" panose="020B0700000101010101" pitchFamily="50" charset="-127"/>
@@ -9239,7 +9480,7 @@
           <p:cNvPr id="8" name="텍스트 개체 틀 3">
             <a:extLst>
               <a:ext uri="{FF2B5EF4-FFF2-40B4-BE49-F238E27FC236}">
-                <a16:creationId xmlns:a16="http://schemas.microsoft.com/office/drawing/2014/main" id="{3C31B1D0-E86C-D49A-8622-4819921EB882}"/>
+                <a16:creationId xmlns:a16="http://schemas.microsoft.com/office/drawing/2014/main" xmlns="" id="{3C31B1D0-E86C-D49A-8622-4819921EB882}"/>
               </a:ext>
             </a:extLst>
           </p:cNvPr>
@@ -9439,7 +9680,7 @@
           <p:cNvPr id="9" name="직사각형 2">
             <a:extLst>
               <a:ext uri="{FF2B5EF4-FFF2-40B4-BE49-F238E27FC236}">
-                <a16:creationId xmlns:a16="http://schemas.microsoft.com/office/drawing/2014/main" id="{73009833-FABA-3E2D-E634-C04C3932BB3F}"/>
+                <a16:creationId xmlns:a16="http://schemas.microsoft.com/office/drawing/2014/main" xmlns="" id="{73009833-FABA-3E2D-E634-C04C3932BB3F}"/>
               </a:ext>
             </a:extLst>
           </p:cNvPr>
@@ -9560,7 +9801,7 @@
           <p:cNvPr id="2" name="Title 1">
             <a:extLst>
               <a:ext uri="{FF2B5EF4-FFF2-40B4-BE49-F238E27FC236}">
-                <a16:creationId xmlns:a16="http://schemas.microsoft.com/office/drawing/2014/main" id="{1A51E9F9-BEBD-577F-34FA-ADB154D292CA}"/>
+                <a16:creationId xmlns:a16="http://schemas.microsoft.com/office/drawing/2014/main" xmlns="" id="{1A51E9F9-BEBD-577F-34FA-ADB154D292CA}"/>
               </a:ext>
             </a:extLst>
           </p:cNvPr>
@@ -9634,6 +9875,23 @@
               </a:rPr>
               <a:t>Current design</a:t>
             </a:r>
+            <a:r>
+              <a:rPr kumimoji="1" lang="en-US" altLang="ko-KR" sz="1800" b="1" i="0" u="none" strike="noStrike" kern="1200" cap="none" spc="0" normalizeH="0" baseline="0" noProof="0" dirty="0">
+                <a:ln>
+                  <a:noFill/>
+                </a:ln>
+                <a:solidFill>
+                  <a:prstClr val="black"/>
+                </a:solidFill>
+                <a:effectLst/>
+                <a:uLnTx/>
+                <a:uFillTx/>
+                <a:latin typeface="Arial" panose="020B0604020202020204" pitchFamily="34" charset="0"/>
+                <a:ea typeface="LG Smart UI SemiBold" panose="020B0700000101010101" pitchFamily="50" charset="-127"/>
+                <a:cs typeface="Arial" panose="020B0604020202020204" pitchFamily="34" charset="0"/>
+              </a:rPr>
+              <a:t/>
+            </a:r>
             <a:br>
               <a:rPr kumimoji="1" lang="en-US" altLang="ko-KR" sz="1800" b="1" i="0" u="none" strike="noStrike" kern="1200" cap="none" spc="0" normalizeH="0" baseline="0" noProof="0" dirty="0">
                 <a:ln>
@@ -9662,7 +9920,7 @@
           <p:cNvPr id="4" name="Date Placeholder 3">
             <a:extLst>
               <a:ext uri="{FF2B5EF4-FFF2-40B4-BE49-F238E27FC236}">
-                <a16:creationId xmlns:a16="http://schemas.microsoft.com/office/drawing/2014/main" id="{6617FDCD-DE07-7435-B9F4-718742774A28}"/>
+                <a16:creationId xmlns:a16="http://schemas.microsoft.com/office/drawing/2014/main" xmlns="" id="{6617FDCD-DE07-7435-B9F4-718742774A28}"/>
               </a:ext>
             </a:extLst>
           </p:cNvPr>
@@ -9680,7 +9938,7 @@
           <a:p>
             <a:fld id="{CEDF7557-72DD-A34A-8659-6DD33C33D1E3}" type="datetime1">
               <a:rPr lang="en-US" smtClean="0"/>
-              <a:t>6/3/25</a:t>
+              <a:t>6/3/2025</a:t>
             </a:fld>
             <a:endParaRPr lang="x-none"/>
           </a:p>
@@ -9691,7 +9949,7 @@
           <p:cNvPr id="5" name="Slide Number Placeholder 4">
             <a:extLst>
               <a:ext uri="{FF2B5EF4-FFF2-40B4-BE49-F238E27FC236}">
-                <a16:creationId xmlns:a16="http://schemas.microsoft.com/office/drawing/2014/main" id="{DD807FC8-D3AC-AACC-7391-249496371E51}"/>
+                <a16:creationId xmlns:a16="http://schemas.microsoft.com/office/drawing/2014/main" xmlns="" id="{DD807FC8-D3AC-AACC-7391-249496371E51}"/>
               </a:ext>
             </a:extLst>
           </p:cNvPr>
@@ -9720,7 +9978,7 @@
           <p:cNvPr id="9" name="직사각형 2">
             <a:extLst>
               <a:ext uri="{FF2B5EF4-FFF2-40B4-BE49-F238E27FC236}">
-                <a16:creationId xmlns:a16="http://schemas.microsoft.com/office/drawing/2014/main" id="{73009833-FABA-3E2D-E634-C04C3932BB3F}"/>
+                <a16:creationId xmlns:a16="http://schemas.microsoft.com/office/drawing/2014/main" xmlns="" id="{73009833-FABA-3E2D-E634-C04C3932BB3F}"/>
               </a:ext>
             </a:extLst>
           </p:cNvPr>
@@ -9829,7 +10087,7 @@
           <p:cNvPr id="3" name="TextBox 2">
             <a:extLst>
               <a:ext uri="{FF2B5EF4-FFF2-40B4-BE49-F238E27FC236}">
-                <a16:creationId xmlns:a16="http://schemas.microsoft.com/office/drawing/2014/main" id="{ECBFDA6F-A5F2-4778-C7F2-5CBA0453A786}"/>
+                <a16:creationId xmlns:a16="http://schemas.microsoft.com/office/drawing/2014/main" xmlns="" id="{ECBFDA6F-A5F2-4778-C7F2-5CBA0453A786}"/>
               </a:ext>
             </a:extLst>
           </p:cNvPr>
@@ -9853,7 +10111,7 @@
           <a:lstStyle/>
           <a:p>
             <a:r>
-              <a:rPr lang="en-VN" dirty="0"/>
+              <a:rPr lang="x-none" dirty="0"/>
               <a:t>- How Async operation is handled?</a:t>
             </a:r>
           </a:p>
@@ -9894,7 +10152,7 @@
           <p:cNvPr id="2" name="Title 1">
             <a:extLst>
               <a:ext uri="{FF2B5EF4-FFF2-40B4-BE49-F238E27FC236}">
-                <a16:creationId xmlns:a16="http://schemas.microsoft.com/office/drawing/2014/main" id="{1A51E9F9-BEBD-577F-34FA-ADB154D292CA}"/>
+                <a16:creationId xmlns:a16="http://schemas.microsoft.com/office/drawing/2014/main" xmlns="" id="{1A51E9F9-BEBD-577F-34FA-ADB154D292CA}"/>
               </a:ext>
             </a:extLst>
           </p:cNvPr>
@@ -9934,6 +10192,23 @@
               </a:rPr>
               <a:t>2. Current design</a:t>
             </a:r>
+            <a:r>
+              <a:rPr kumimoji="1" lang="en-US" altLang="ko-KR" sz="1800" b="1" i="0" u="none" strike="noStrike" kern="1200" cap="none" spc="0" normalizeH="0" baseline="0" noProof="0" dirty="0">
+                <a:ln>
+                  <a:noFill/>
+                </a:ln>
+                <a:solidFill>
+                  <a:prstClr val="black"/>
+                </a:solidFill>
+                <a:effectLst/>
+                <a:uLnTx/>
+                <a:uFillTx/>
+                <a:latin typeface="Arial" panose="020B0604020202020204" pitchFamily="34" charset="0"/>
+                <a:ea typeface="LG Smart UI SemiBold" panose="020B0700000101010101" pitchFamily="50" charset="-127"/>
+                <a:cs typeface="Arial" panose="020B0604020202020204" pitchFamily="34" charset="0"/>
+              </a:rPr>
+              <a:t/>
+            </a:r>
             <a:br>
               <a:rPr kumimoji="1" lang="en-US" altLang="ko-KR" sz="1800" b="1" i="0" u="none" strike="noStrike" kern="1200" cap="none" spc="0" normalizeH="0" baseline="0" noProof="0" dirty="0">
                 <a:ln>
@@ -9962,7 +10237,7 @@
           <p:cNvPr id="4" name="Date Placeholder 3">
             <a:extLst>
               <a:ext uri="{FF2B5EF4-FFF2-40B4-BE49-F238E27FC236}">
-                <a16:creationId xmlns:a16="http://schemas.microsoft.com/office/drawing/2014/main" id="{6617FDCD-DE07-7435-B9F4-718742774A28}"/>
+                <a16:creationId xmlns:a16="http://schemas.microsoft.com/office/drawing/2014/main" xmlns="" id="{6617FDCD-DE07-7435-B9F4-718742774A28}"/>
               </a:ext>
             </a:extLst>
           </p:cNvPr>
@@ -9980,7 +10255,7 @@
           <a:p>
             <a:fld id="{CEDF7557-72DD-A34A-8659-6DD33C33D1E3}" type="datetime1">
               <a:rPr lang="en-US" smtClean="0"/>
-              <a:t>6/3/25</a:t>
+              <a:t>6/3/2025</a:t>
             </a:fld>
             <a:endParaRPr lang="x-none"/>
           </a:p>
@@ -9991,7 +10266,7 @@
           <p:cNvPr id="5" name="Slide Number Placeholder 4">
             <a:extLst>
               <a:ext uri="{FF2B5EF4-FFF2-40B4-BE49-F238E27FC236}">
-                <a16:creationId xmlns:a16="http://schemas.microsoft.com/office/drawing/2014/main" id="{DD807FC8-D3AC-AACC-7391-249496371E51}"/>
+                <a16:creationId xmlns:a16="http://schemas.microsoft.com/office/drawing/2014/main" xmlns="" id="{DD807FC8-D3AC-AACC-7391-249496371E51}"/>
               </a:ext>
             </a:extLst>
           </p:cNvPr>
@@ -10020,7 +10295,7 @@
           <p:cNvPr id="9" name="직사각형 2">
             <a:extLst>
               <a:ext uri="{FF2B5EF4-FFF2-40B4-BE49-F238E27FC236}">
-                <a16:creationId xmlns:a16="http://schemas.microsoft.com/office/drawing/2014/main" id="{73009833-FABA-3E2D-E634-C04C3932BB3F}"/>
+                <a16:creationId xmlns:a16="http://schemas.microsoft.com/office/drawing/2014/main" xmlns="" id="{73009833-FABA-3E2D-E634-C04C3932BB3F}"/>
               </a:ext>
             </a:extLst>
           </p:cNvPr>
@@ -10135,7 +10410,7 @@
           <p:cNvPr id="2" name="Title 1">
             <a:extLst>
               <a:ext uri="{FF2B5EF4-FFF2-40B4-BE49-F238E27FC236}">
-                <a16:creationId xmlns:a16="http://schemas.microsoft.com/office/drawing/2014/main" id="{1A51E9F9-BEBD-577F-34FA-ADB154D292CA}"/>
+                <a16:creationId xmlns:a16="http://schemas.microsoft.com/office/drawing/2014/main" xmlns="" id="{1A51E9F9-BEBD-577F-34FA-ADB154D292CA}"/>
               </a:ext>
             </a:extLst>
           </p:cNvPr>
@@ -10175,6 +10450,23 @@
               </a:rPr>
               <a:t>2. Current design</a:t>
             </a:r>
+            <a:r>
+              <a:rPr kumimoji="1" lang="en-US" altLang="ko-KR" sz="1800" b="1" i="0" u="none" strike="noStrike" kern="1200" cap="none" spc="0" normalizeH="0" baseline="0" noProof="0" dirty="0">
+                <a:ln>
+                  <a:noFill/>
+                </a:ln>
+                <a:solidFill>
+                  <a:prstClr val="black"/>
+                </a:solidFill>
+                <a:effectLst/>
+                <a:uLnTx/>
+                <a:uFillTx/>
+                <a:latin typeface="Arial" panose="020B0604020202020204" pitchFamily="34" charset="0"/>
+                <a:ea typeface="LG Smart UI SemiBold" panose="020B0700000101010101" pitchFamily="50" charset="-127"/>
+                <a:cs typeface="Arial" panose="020B0604020202020204" pitchFamily="34" charset="0"/>
+              </a:rPr>
+              <a:t/>
+            </a:r>
             <a:br>
               <a:rPr kumimoji="1" lang="en-US" altLang="ko-KR" sz="1800" b="1" i="0" u="none" strike="noStrike" kern="1200" cap="none" spc="0" normalizeH="0" baseline="0" noProof="0" dirty="0">
                 <a:ln>
@@ -10203,7 +10495,7 @@
           <p:cNvPr id="4" name="Date Placeholder 3">
             <a:extLst>
               <a:ext uri="{FF2B5EF4-FFF2-40B4-BE49-F238E27FC236}">
-                <a16:creationId xmlns:a16="http://schemas.microsoft.com/office/drawing/2014/main" id="{6617FDCD-DE07-7435-B9F4-718742774A28}"/>
+                <a16:creationId xmlns:a16="http://schemas.microsoft.com/office/drawing/2014/main" xmlns="" id="{6617FDCD-DE07-7435-B9F4-718742774A28}"/>
               </a:ext>
             </a:extLst>
           </p:cNvPr>
@@ -10221,7 +10513,7 @@
           <a:p>
             <a:fld id="{CEDF7557-72DD-A34A-8659-6DD33C33D1E3}" type="datetime1">
               <a:rPr lang="en-US" smtClean="0"/>
-              <a:t>6/3/25</a:t>
+              <a:t>6/3/2025</a:t>
             </a:fld>
             <a:endParaRPr lang="x-none"/>
           </a:p>
@@ -10232,7 +10524,7 @@
           <p:cNvPr id="5" name="Slide Number Placeholder 4">
             <a:extLst>
               <a:ext uri="{FF2B5EF4-FFF2-40B4-BE49-F238E27FC236}">
-                <a16:creationId xmlns:a16="http://schemas.microsoft.com/office/drawing/2014/main" id="{DD807FC8-D3AC-AACC-7391-249496371E51}"/>
+                <a16:creationId xmlns:a16="http://schemas.microsoft.com/office/drawing/2014/main" xmlns="" id="{DD807FC8-D3AC-AACC-7391-249496371E51}"/>
               </a:ext>
             </a:extLst>
           </p:cNvPr>
@@ -10261,7 +10553,7 @@
           <p:cNvPr id="9" name="직사각형 2">
             <a:extLst>
               <a:ext uri="{FF2B5EF4-FFF2-40B4-BE49-F238E27FC236}">
-                <a16:creationId xmlns:a16="http://schemas.microsoft.com/office/drawing/2014/main" id="{73009833-FABA-3E2D-E634-C04C3932BB3F}"/>
+                <a16:creationId xmlns:a16="http://schemas.microsoft.com/office/drawing/2014/main" xmlns="" id="{73009833-FABA-3E2D-E634-C04C3932BB3F}"/>
               </a:ext>
             </a:extLst>
           </p:cNvPr>
@@ -10376,7 +10668,7 @@
           <p:cNvPr id="2" name="Title 1">
             <a:extLst>
               <a:ext uri="{FF2B5EF4-FFF2-40B4-BE49-F238E27FC236}">
-                <a16:creationId xmlns:a16="http://schemas.microsoft.com/office/drawing/2014/main" id="{1A51E9F9-BEBD-577F-34FA-ADB154D292CA}"/>
+                <a16:creationId xmlns:a16="http://schemas.microsoft.com/office/drawing/2014/main" xmlns="" id="{1A51E9F9-BEBD-577F-34FA-ADB154D292CA}"/>
               </a:ext>
             </a:extLst>
           </p:cNvPr>
@@ -10439,7 +10731,7 @@
           <p:cNvPr id="4" name="Date Placeholder 3">
             <a:extLst>
               <a:ext uri="{FF2B5EF4-FFF2-40B4-BE49-F238E27FC236}">
-                <a16:creationId xmlns:a16="http://schemas.microsoft.com/office/drawing/2014/main" id="{6617FDCD-DE07-7435-B9F4-718742774A28}"/>
+                <a16:creationId xmlns:a16="http://schemas.microsoft.com/office/drawing/2014/main" xmlns="" id="{6617FDCD-DE07-7435-B9F4-718742774A28}"/>
               </a:ext>
             </a:extLst>
           </p:cNvPr>
@@ -10457,7 +10749,7 @@
           <a:p>
             <a:fld id="{CEDF7557-72DD-A34A-8659-6DD33C33D1E3}" type="datetime1">
               <a:rPr lang="en-US" smtClean="0"/>
-              <a:t>6/3/25</a:t>
+              <a:t>6/3/2025</a:t>
             </a:fld>
             <a:endParaRPr lang="x-none"/>
           </a:p>
@@ -10468,7 +10760,7 @@
           <p:cNvPr id="5" name="Slide Number Placeholder 4">
             <a:extLst>
               <a:ext uri="{FF2B5EF4-FFF2-40B4-BE49-F238E27FC236}">
-                <a16:creationId xmlns:a16="http://schemas.microsoft.com/office/drawing/2014/main" id="{DD807FC8-D3AC-AACC-7391-249496371E51}"/>
+                <a16:creationId xmlns:a16="http://schemas.microsoft.com/office/drawing/2014/main" xmlns="" id="{DD807FC8-D3AC-AACC-7391-249496371E51}"/>
               </a:ext>
             </a:extLst>
           </p:cNvPr>
@@ -10497,7 +10789,7 @@
           <p:cNvPr id="9" name="직사각형 2">
             <a:extLst>
               <a:ext uri="{FF2B5EF4-FFF2-40B4-BE49-F238E27FC236}">
-                <a16:creationId xmlns:a16="http://schemas.microsoft.com/office/drawing/2014/main" id="{73009833-FABA-3E2D-E634-C04C3932BB3F}"/>
+                <a16:creationId xmlns:a16="http://schemas.microsoft.com/office/drawing/2014/main" xmlns="" id="{73009833-FABA-3E2D-E634-C04C3932BB3F}"/>
               </a:ext>
             </a:extLst>
           </p:cNvPr>
@@ -10558,7 +10850,7 @@
           <p:cNvPr id="8" name="텍스트 개체 틀 3">
             <a:extLst>
               <a:ext uri="{FF2B5EF4-FFF2-40B4-BE49-F238E27FC236}">
-                <a16:creationId xmlns:a16="http://schemas.microsoft.com/office/drawing/2014/main" id="{3D5EA90C-B7C2-6192-8E76-268D2FC73076}"/>
+                <a16:creationId xmlns:a16="http://schemas.microsoft.com/office/drawing/2014/main" xmlns="" id="{3D5EA90C-B7C2-6192-8E76-268D2FC73076}"/>
               </a:ext>
             </a:extLst>
           </p:cNvPr>
@@ -10570,7 +10862,7 @@
         <p:spPr>
           <a:xfrm>
             <a:off x="633793" y="798835"/>
-            <a:ext cx="8781511" cy="6872651"/>
+            <a:ext cx="8781511" cy="7869847"/>
           </a:xfrm>
           <a:prstGeom prst="rect">
             <a:avLst/>
@@ -10627,8 +10919,35 @@
                 <a:ea typeface="LG Smart UI SemiBold" panose="020B0700000101010101" pitchFamily="50" charset="-127"/>
                 <a:cs typeface="Arial" panose="020B0604020202020204" pitchFamily="34" charset="0"/>
               </a:rPr>
-              <a:t>Only support message-based asynchronous operation</a:t>
-            </a:r>
+              <a:t>Only support message-based asynchronous </a:t>
+            </a:r>
+            <a:r>
+              <a:rPr lang="en-US" sz="1800" b="0" dirty="0" smtClean="0">
+                <a:latin typeface="Arial" panose="020B0604020202020204" pitchFamily="34" charset="0"/>
+                <a:ea typeface="LG Smart UI SemiBold" panose="020B0700000101010101" pitchFamily="50" charset="-127"/>
+                <a:cs typeface="Arial" panose="020B0604020202020204" pitchFamily="34" charset="0"/>
+              </a:rPr>
+              <a:t>operation -&gt; </a:t>
+            </a:r>
+            <a:r>
+              <a:rPr lang="en-US" sz="1800" b="0" dirty="0" smtClean="0">
+                <a:solidFill>
+                  <a:srgbClr val="FF0000"/>
+                </a:solidFill>
+                <a:latin typeface="Arial" panose="020B0604020202020204" pitchFamily="34" charset="0"/>
+                <a:ea typeface="LG Smart UI SemiBold" panose="020B0700000101010101" pitchFamily="50" charset="-127"/>
+                <a:cs typeface="Arial" panose="020B0604020202020204" pitchFamily="34" charset="0"/>
+              </a:rPr>
+              <a:t>impact usability(maintainability)</a:t>
+            </a:r>
+            <a:endParaRPr lang="en-US" sz="1800" b="0" dirty="0">
+              <a:solidFill>
+                <a:srgbClr val="FF0000"/>
+              </a:solidFill>
+              <a:latin typeface="Arial" panose="020B0604020202020204" pitchFamily="34" charset="0"/>
+              <a:ea typeface="LG Smart UI SemiBold" panose="020B0700000101010101" pitchFamily="50" charset="-127"/>
+              <a:cs typeface="Arial" panose="020B0604020202020204" pitchFamily="34" charset="0"/>
+            </a:endParaRPr>
           </a:p>
           <a:p>
             <a:pPr marL="800100" lvl="1" indent="-342900">
@@ -10669,8 +10988,54 @@
                 <a:ea typeface="LG Smart UI SemiBold" panose="020B0700000101010101" pitchFamily="50" charset="-127"/>
                 <a:cs typeface="Arial" panose="020B0604020202020204" pitchFamily="34" charset="0"/>
               </a:rPr>
-              <a:t>Using current async operation in Tiger library is complex</a:t>
-            </a:r>
+              <a:t>Using current async operation in Tiger library is </a:t>
+            </a:r>
+            <a:r>
+              <a:rPr lang="en-US" sz="1800" b="0" dirty="0" smtClean="0">
+                <a:latin typeface="Arial" panose="020B0604020202020204" pitchFamily="34" charset="0"/>
+                <a:ea typeface="LG Smart UI SemiBold" panose="020B0700000101010101" pitchFamily="50" charset="-127"/>
+                <a:cs typeface="Arial" panose="020B0604020202020204" pitchFamily="34" charset="0"/>
+              </a:rPr>
+              <a:t>complex -&gt; </a:t>
+            </a:r>
+            <a:r>
+              <a:rPr lang="en-US" sz="1800" b="0" dirty="0" smtClean="0">
+                <a:solidFill>
+                  <a:srgbClr val="FF0000"/>
+                </a:solidFill>
+                <a:latin typeface="Arial" panose="020B0604020202020204" pitchFamily="34" charset="0"/>
+                <a:ea typeface="LG Smart UI SemiBold" panose="020B0700000101010101" pitchFamily="50" charset="-127"/>
+                <a:cs typeface="Arial" panose="020B0604020202020204" pitchFamily="34" charset="0"/>
+              </a:rPr>
+              <a:t>impact usability</a:t>
+            </a:r>
+            <a:r>
+              <a:rPr lang="en-US" sz="1800" b="0" dirty="0">
+                <a:solidFill>
+                  <a:srgbClr val="FF0000"/>
+                </a:solidFill>
+                <a:latin typeface="Arial" panose="020B0604020202020204" pitchFamily="34" charset="0"/>
+                <a:ea typeface="LG Smart UI SemiBold" panose="020B0700000101010101" pitchFamily="50" charset="-127"/>
+                <a:cs typeface="Arial" panose="020B0604020202020204" pitchFamily="34" charset="0"/>
+              </a:rPr>
+              <a:t>(maintainability</a:t>
+            </a:r>
+            <a:r>
+              <a:rPr lang="en-US" sz="1800" b="0" dirty="0" smtClean="0">
+                <a:solidFill>
+                  <a:srgbClr val="FF0000"/>
+                </a:solidFill>
+                <a:latin typeface="Arial" panose="020B0604020202020204" pitchFamily="34" charset="0"/>
+                <a:ea typeface="LG Smart UI SemiBold" panose="020B0700000101010101" pitchFamily="50" charset="-127"/>
+                <a:cs typeface="Arial" panose="020B0604020202020204" pitchFamily="34" charset="0"/>
+              </a:rPr>
+              <a:t>)</a:t>
+            </a:r>
+            <a:endParaRPr lang="en-US" sz="1800" b="0" dirty="0">
+              <a:latin typeface="Arial" panose="020B0604020202020204" pitchFamily="34" charset="0"/>
+              <a:ea typeface="LG Smart UI SemiBold" panose="020B0700000101010101" pitchFamily="50" charset="-127"/>
+              <a:cs typeface="Arial" panose="020B0604020202020204" pitchFamily="34" charset="0"/>
+            </a:endParaRPr>
           </a:p>
           <a:p>
             <a:pPr marL="800100" lvl="1" indent="-342900">
@@ -10732,8 +11097,73 @@
                 <a:ea typeface="LG Smart UI SemiBold" panose="020B0700000101010101" pitchFamily="50" charset="-127"/>
                 <a:cs typeface="Arial" panose="020B0604020202020204" pitchFamily="34" charset="0"/>
               </a:rPr>
-              <a:t>Tiger library doesn’t detect CPU-bound task efficiently</a:t>
-            </a:r>
+              <a:t>Tiger library doesn’t </a:t>
+            </a:r>
+            <a:r>
+              <a:rPr lang="en-US" sz="1800" b="0" dirty="0" smtClean="0">
+                <a:latin typeface="Arial" panose="020B0604020202020204" pitchFamily="34" charset="0"/>
+                <a:ea typeface="LG Smart UI SemiBold" panose="020B0700000101010101" pitchFamily="50" charset="-127"/>
+                <a:cs typeface="Arial" panose="020B0604020202020204" pitchFamily="34" charset="0"/>
+              </a:rPr>
+              <a:t>handle well for </a:t>
+            </a:r>
+            <a:r>
+              <a:rPr lang="en-US" sz="1800" b="0" dirty="0">
+                <a:latin typeface="Arial" panose="020B0604020202020204" pitchFamily="34" charset="0"/>
+                <a:ea typeface="LG Smart UI SemiBold" panose="020B0700000101010101" pitchFamily="50" charset="-127"/>
+                <a:cs typeface="Arial" panose="020B0604020202020204" pitchFamily="34" charset="0"/>
+              </a:rPr>
+              <a:t>CPU-bound task </a:t>
+            </a:r>
+            <a:r>
+              <a:rPr lang="en-US" sz="1800" b="0" dirty="0" smtClean="0">
+                <a:latin typeface="Arial" panose="020B0604020202020204" pitchFamily="34" charset="0"/>
+                <a:ea typeface="LG Smart UI SemiBold" panose="020B0700000101010101" pitchFamily="50" charset="-127"/>
+                <a:cs typeface="Arial" panose="020B0604020202020204" pitchFamily="34" charset="0"/>
+              </a:rPr>
+              <a:t>efficiently -&gt; </a:t>
+            </a:r>
+            <a:r>
+              <a:rPr lang="en-US" sz="1800" b="0" dirty="0" smtClean="0">
+                <a:solidFill>
+                  <a:srgbClr val="FF0000"/>
+                </a:solidFill>
+                <a:latin typeface="Arial" panose="020B0604020202020204" pitchFamily="34" charset="0"/>
+                <a:ea typeface="LG Smart UI SemiBold" panose="020B0700000101010101" pitchFamily="50" charset="-127"/>
+                <a:cs typeface="Arial" panose="020B0604020202020204" pitchFamily="34" charset="0"/>
+              </a:rPr>
+              <a:t>impact</a:t>
+            </a:r>
+            <a:r>
+              <a:rPr lang="en-US" sz="1800" b="0" dirty="0" smtClean="0">
+                <a:solidFill>
+                  <a:schemeClr val="tx1"/>
+                </a:solidFill>
+                <a:latin typeface="Arial" panose="020B0604020202020204" pitchFamily="34" charset="0"/>
+                <a:ea typeface="LG Smart UI SemiBold" panose="020B0700000101010101" pitchFamily="50" charset="-127"/>
+                <a:cs typeface="Arial" panose="020B0604020202020204" pitchFamily="34" charset="0"/>
+              </a:rPr>
+              <a:t> </a:t>
+            </a:r>
+            <a:r>
+              <a:rPr lang="en-US" sz="1800" b="0" dirty="0" smtClean="0">
+                <a:solidFill>
+                  <a:srgbClr val="FF0000"/>
+                </a:solidFill>
+                <a:latin typeface="Arial" panose="020B0604020202020204" pitchFamily="34" charset="0"/>
+                <a:ea typeface="LG Smart UI SemiBold" panose="020B0700000101010101" pitchFamily="50" charset="-127"/>
+                <a:cs typeface="Arial" panose="020B0604020202020204" pitchFamily="34" charset="0"/>
+              </a:rPr>
+              <a:t>performance</a:t>
+            </a:r>
+            <a:endParaRPr lang="en-US" sz="1800" b="0" dirty="0">
+              <a:solidFill>
+                <a:srgbClr val="FF0000"/>
+              </a:solidFill>
+              <a:latin typeface="Arial" panose="020B0604020202020204" pitchFamily="34" charset="0"/>
+              <a:ea typeface="LG Smart UI SemiBold" panose="020B0700000101010101" pitchFamily="50" charset="-127"/>
+              <a:cs typeface="Arial" panose="020B0604020202020204" pitchFamily="34" charset="0"/>
+            </a:endParaRPr>
           </a:p>
           <a:p>
             <a:pPr marL="800100" lvl="1" indent="-342900">
@@ -10753,8 +11183,21 @@
                 <a:ea typeface="LG Smart UI SemiBold" panose="020B0700000101010101" pitchFamily="50" charset="-127"/>
                 <a:cs typeface="Arial" panose="020B0604020202020204" pitchFamily="34" charset="0"/>
               </a:rPr>
-              <a:t>Lead to stuck in event loop</a:t>
-            </a:r>
+              <a:t>Lead to stuck in event </a:t>
+            </a:r>
+            <a:r>
+              <a:rPr lang="en-US" sz="1600" dirty="0" smtClean="0">
+                <a:latin typeface="Arial" panose="020B0604020202020204" pitchFamily="34" charset="0"/>
+                <a:ea typeface="LG Smart UI SemiBold" panose="020B0700000101010101" pitchFamily="50" charset="-127"/>
+                <a:cs typeface="Arial" panose="020B0604020202020204" pitchFamily="34" charset="0"/>
+              </a:rPr>
+              <a:t>loop</a:t>
+            </a:r>
+            <a:endParaRPr lang="en-US" sz="1600" dirty="0">
+              <a:latin typeface="Arial" panose="020B0604020202020204" pitchFamily="34" charset="0"/>
+              <a:ea typeface="LG Smart UI SemiBold" panose="020B0700000101010101" pitchFamily="50" charset="-127"/>
+              <a:cs typeface="Arial" panose="020B0604020202020204" pitchFamily="34" charset="0"/>
+            </a:endParaRPr>
           </a:p>
           <a:p>
             <a:pPr lvl="0">
@@ -10774,8 +11217,54 @@
                 <a:ea typeface="LG Smart UI SemiBold" panose="020B0700000101010101" pitchFamily="50" charset="-127"/>
                 <a:cs typeface="Arial" panose="020B0604020202020204" pitchFamily="34" charset="0"/>
               </a:rPr>
-              <a:t>Timer mechanism on Tiger library is based on Linux Thread</a:t>
-            </a:r>
+              <a:t>Timer mechanism on Tiger library is based on Linux </a:t>
+            </a:r>
+            <a:r>
+              <a:rPr lang="en-US" sz="1800" b="0" dirty="0" smtClean="0">
+                <a:latin typeface="Arial" panose="020B0604020202020204" pitchFamily="34" charset="0"/>
+                <a:ea typeface="LG Smart UI SemiBold" panose="020B0700000101010101" pitchFamily="50" charset="-127"/>
+                <a:cs typeface="Arial" panose="020B0604020202020204" pitchFamily="34" charset="0"/>
+              </a:rPr>
+              <a:t>Thread -&gt; </a:t>
+            </a:r>
+            <a:r>
+              <a:rPr lang="en-US" sz="1800" b="0" dirty="0" smtClean="0">
+                <a:solidFill>
+                  <a:srgbClr val="FF0000"/>
+                </a:solidFill>
+                <a:latin typeface="Arial" panose="020B0604020202020204" pitchFamily="34" charset="0"/>
+                <a:ea typeface="LG Smart UI SemiBold" panose="020B0700000101010101" pitchFamily="50" charset="-127"/>
+                <a:cs typeface="Arial" panose="020B0604020202020204" pitchFamily="34" charset="0"/>
+              </a:rPr>
+              <a:t>impact</a:t>
+            </a:r>
+            <a:r>
+              <a:rPr lang="en-US" sz="1800" b="0" dirty="0" smtClean="0">
+                <a:latin typeface="Arial" panose="020B0604020202020204" pitchFamily="34" charset="0"/>
+                <a:ea typeface="LG Smart UI SemiBold" panose="020B0700000101010101" pitchFamily="50" charset="-127"/>
+                <a:cs typeface="Arial" panose="020B0604020202020204" pitchFamily="34" charset="0"/>
+              </a:rPr>
+              <a:t> </a:t>
+            </a:r>
+            <a:r>
+              <a:rPr lang="en-US" sz="1800" b="0" dirty="0" smtClean="0">
+                <a:solidFill>
+                  <a:srgbClr val="FF0000"/>
+                </a:solidFill>
+                <a:latin typeface="Arial" panose="020B0604020202020204" pitchFamily="34" charset="0"/>
+                <a:ea typeface="LG Smart UI SemiBold" panose="020B0700000101010101" pitchFamily="50" charset="-127"/>
+                <a:cs typeface="Arial" panose="020B0604020202020204" pitchFamily="34" charset="0"/>
+              </a:rPr>
+              <a:t>efficiency</a:t>
+            </a:r>
+            <a:endParaRPr lang="en-US" sz="1800" b="0" dirty="0">
+              <a:solidFill>
+                <a:srgbClr val="FF0000"/>
+              </a:solidFill>
+              <a:latin typeface="Arial" panose="020B0604020202020204" pitchFamily="34" charset="0"/>
+              <a:ea typeface="LG Smart UI SemiBold" panose="020B0700000101010101" pitchFamily="50" charset="-127"/>
+              <a:cs typeface="Arial" panose="020B0604020202020204" pitchFamily="34" charset="0"/>
+            </a:endParaRPr>
           </a:p>
           <a:p>
             <a:pPr marL="742950" lvl="1" indent="-285750">
@@ -10795,7 +11284,15 @@
                 <a:ea typeface="LG Smart UI SemiBold" panose="020B0700000101010101" pitchFamily="50" charset="-127"/>
                 <a:cs typeface="Arial" panose="020B0604020202020204" pitchFamily="34" charset="0"/>
               </a:rPr>
-              <a:t>Lead to exhausts system resources because of creating each new thread for new timer</a:t>
+              <a:t>Lead to exhausts system resources because of creating each new thread for new </a:t>
+            </a:r>
+            <a:r>
+              <a:rPr lang="en-US" sz="1600" dirty="0" smtClean="0">
+                <a:latin typeface="Arial" panose="020B0604020202020204" pitchFamily="34" charset="0"/>
+                <a:ea typeface="LG Smart UI SemiBold" panose="020B0700000101010101" pitchFamily="50" charset="-127"/>
+                <a:cs typeface="Arial" panose="020B0604020202020204" pitchFamily="34" charset="0"/>
+              </a:rPr>
+              <a:t>timer</a:t>
             </a:r>
             <a:endParaRPr lang="en-US" sz="2400" b="0" dirty="0">
               <a:latin typeface="Arial" panose="020B0604020202020204" pitchFamily="34" charset="0"/>
@@ -10821,8 +11318,46 @@
                 <a:ea typeface="LG Smart UI SemiBold" panose="020B0700000101010101" pitchFamily="50" charset="-127"/>
                 <a:cs typeface="Arial" panose="020B0604020202020204" pitchFamily="34" charset="0"/>
               </a:rPr>
-              <a:t>Not support a chain of asynchronous operations</a:t>
-            </a:r>
+              <a:t>Not support a chain of asynchronous </a:t>
+            </a:r>
+            <a:r>
+              <a:rPr lang="en-US" sz="1800" b="0" dirty="0" smtClean="0">
+                <a:latin typeface="Arial" panose="020B0604020202020204" pitchFamily="34" charset="0"/>
+                <a:ea typeface="LG Smart UI SemiBold" panose="020B0700000101010101" pitchFamily="50" charset="-127"/>
+                <a:cs typeface="Arial" panose="020B0604020202020204" pitchFamily="34" charset="0"/>
+              </a:rPr>
+              <a:t>operations -&gt; </a:t>
+            </a:r>
+            <a:r>
+              <a:rPr lang="en-US" sz="1800" b="0" dirty="0" smtClean="0">
+                <a:solidFill>
+                  <a:srgbClr val="FF0000"/>
+                </a:solidFill>
+                <a:latin typeface="Arial" panose="020B0604020202020204" pitchFamily="34" charset="0"/>
+                <a:ea typeface="LG Smart UI SemiBold" panose="020B0700000101010101" pitchFamily="50" charset="-127"/>
+                <a:cs typeface="Arial" panose="020B0604020202020204" pitchFamily="34" charset="0"/>
+              </a:rPr>
+              <a:t>impact </a:t>
+            </a:r>
+            <a:r>
+              <a:rPr lang="en-US" sz="1800" b="0" dirty="0" err="1" smtClean="0">
+                <a:solidFill>
+                  <a:srgbClr val="FF0000"/>
+                </a:solidFill>
+                <a:latin typeface="Arial" panose="020B0604020202020204" pitchFamily="34" charset="0"/>
+                <a:ea typeface="LG Smart UI SemiBold" panose="020B0700000101010101" pitchFamily="50" charset="-127"/>
+                <a:cs typeface="Arial" panose="020B0604020202020204" pitchFamily="34" charset="0"/>
+              </a:rPr>
+              <a:t>usabilitiy</a:t>
+            </a:r>
+            <a:endParaRPr lang="en-US" sz="1800" b="0" dirty="0">
+              <a:solidFill>
+                <a:srgbClr val="FF0000"/>
+              </a:solidFill>
+              <a:latin typeface="Arial" panose="020B0604020202020204" pitchFamily="34" charset="0"/>
+              <a:ea typeface="LG Smart UI SemiBold" panose="020B0700000101010101" pitchFamily="50" charset="-127"/>
+              <a:cs typeface="Arial" panose="020B0604020202020204" pitchFamily="34" charset="0"/>
+            </a:endParaRPr>
           </a:p>
           <a:p>
             <a:pPr lvl="0">
@@ -10973,7 +11508,7 @@
         <p:cNvPr id="1" name="">
           <a:extLst>
             <a:ext uri="{FF2B5EF4-FFF2-40B4-BE49-F238E27FC236}">
-              <a16:creationId xmlns:a16="http://schemas.microsoft.com/office/drawing/2014/main" id="{AB0CA3DE-7078-E260-5CCD-73ACAE1AE4AA}"/>
+              <a16:creationId xmlns:a16="http://schemas.microsoft.com/office/drawing/2014/main" xmlns="" id="{AB0CA3DE-7078-E260-5CCD-73ACAE1AE4AA}"/>
             </a:ext>
           </a:extLst>
         </p:cNvPr>
@@ -10993,7 +11528,7 @@
           <p:cNvPr id="2" name="Title 1">
             <a:extLst>
               <a:ext uri="{FF2B5EF4-FFF2-40B4-BE49-F238E27FC236}">
-                <a16:creationId xmlns:a16="http://schemas.microsoft.com/office/drawing/2014/main" id="{165D97F0-6777-4951-ADBD-485D2A430FBC}"/>
+                <a16:creationId xmlns:a16="http://schemas.microsoft.com/office/drawing/2014/main" xmlns="" id="{165D97F0-6777-4951-ADBD-485D2A430FBC}"/>
               </a:ext>
             </a:extLst>
           </p:cNvPr>
@@ -11045,7 +11580,7 @@
           <p:cNvPr id="4" name="Date Placeholder 3">
             <a:extLst>
               <a:ext uri="{FF2B5EF4-FFF2-40B4-BE49-F238E27FC236}">
-                <a16:creationId xmlns:a16="http://schemas.microsoft.com/office/drawing/2014/main" id="{9EADF2B9-45C4-5976-3F00-8C098DF1B4CC}"/>
+                <a16:creationId xmlns:a16="http://schemas.microsoft.com/office/drawing/2014/main" xmlns="" id="{9EADF2B9-45C4-5976-3F00-8C098DF1B4CC}"/>
               </a:ext>
             </a:extLst>
           </p:cNvPr>
@@ -11063,7 +11598,7 @@
           <a:p>
             <a:fld id="{CEDF7557-72DD-A34A-8659-6DD33C33D1E3}" type="datetime1">
               <a:rPr lang="en-US" smtClean="0"/>
-              <a:t>6/3/25</a:t>
+              <a:t>6/3/2025</a:t>
             </a:fld>
             <a:endParaRPr lang="x-none"/>
           </a:p>
@@ -11074,7 +11609,7 @@
           <p:cNvPr id="5" name="Slide Number Placeholder 4">
             <a:extLst>
               <a:ext uri="{FF2B5EF4-FFF2-40B4-BE49-F238E27FC236}">
-                <a16:creationId xmlns:a16="http://schemas.microsoft.com/office/drawing/2014/main" id="{DC95A5D6-FD58-E64C-DB41-F79EB7FE8057}"/>
+                <a16:creationId xmlns:a16="http://schemas.microsoft.com/office/drawing/2014/main" xmlns="" id="{DC95A5D6-FD58-E64C-DB41-F79EB7FE8057}"/>
               </a:ext>
             </a:extLst>
           </p:cNvPr>
@@ -11103,7 +11638,7 @@
           <p:cNvPr id="9" name="직사각형 2">
             <a:extLst>
               <a:ext uri="{FF2B5EF4-FFF2-40B4-BE49-F238E27FC236}">
-                <a16:creationId xmlns:a16="http://schemas.microsoft.com/office/drawing/2014/main" id="{E7952FD9-F1C5-741C-9728-34E05AB794F0}"/>
+                <a16:creationId xmlns:a16="http://schemas.microsoft.com/office/drawing/2014/main" xmlns="" id="{E7952FD9-F1C5-741C-9728-34E05AB794F0}"/>
               </a:ext>
             </a:extLst>
           </p:cNvPr>
@@ -11164,7 +11699,7 @@
           <p:cNvPr id="8" name="텍스트 개체 틀 3">
             <a:extLst>
               <a:ext uri="{FF2B5EF4-FFF2-40B4-BE49-F238E27FC236}">
-                <a16:creationId xmlns:a16="http://schemas.microsoft.com/office/drawing/2014/main" id="{51E366EE-E0E1-102B-F262-18428AEA310E}"/>
+                <a16:creationId xmlns:a16="http://schemas.microsoft.com/office/drawing/2014/main" xmlns="" id="{51E366EE-E0E1-102B-F262-18428AEA310E}"/>
               </a:ext>
             </a:extLst>
           </p:cNvPr>
@@ -11523,7 +12058,7 @@
           <p:cNvPr id="3" name="Picture 2">
             <a:extLst>
               <a:ext uri="{FF2B5EF4-FFF2-40B4-BE49-F238E27FC236}">
-                <a16:creationId xmlns:a16="http://schemas.microsoft.com/office/drawing/2014/main" id="{EF8D3B3D-3A7C-EA7D-EB78-DC5767993801}"/>
+                <a16:creationId xmlns:a16="http://schemas.microsoft.com/office/drawing/2014/main" xmlns="" id="{EF8D3B3D-3A7C-EA7D-EB78-DC5767993801}"/>
               </a:ext>
             </a:extLst>
           </p:cNvPr>
